--- a/doc/tdk.pptx
+++ b/doc/tdk.pptx
@@ -10,7 +10,7 @@
   <p:sldIdLst>
     <p:sldId id="256" r:id="rId2"/>
     <p:sldId id="257" r:id="rId3"/>
-    <p:sldId id="258" r:id="rId4"/>
+    <p:sldId id="273" r:id="rId4"/>
     <p:sldId id="263" r:id="rId5"/>
     <p:sldId id="259" r:id="rId6"/>
     <p:sldId id="260" r:id="rId7"/>
@@ -123,7 +123,16 @@
       </a:defRPr>
     </a:lvl9pPr>
   </p:defaultTextStyle>
+  <p:extLst>
+    <p:ext uri="{EFAFB233-063F-42B5-8137-9DF3F51BA10A}">
+      <p15:sldGuideLst xmlns:p15="http://schemas.microsoft.com/office/powerpoint/2012/main"/>
+    </p:ext>
+  </p:extLst>
 </p:presentation>
+</file>
+
+<file path=ppt/revisionInfo.xml><?xml version="1.0" encoding="utf-8"?>
+<p1510:revInfo xmlns:a="http://schemas.openxmlformats.org/drawingml/2006/main" xmlns:r="http://schemas.openxmlformats.org/officeDocument/2006/relationships" xmlns:p1510="http://schemas.microsoft.com/office/powerpoint/2015/10/main"/>
 </file>
 
 <file path=ppt/notesMasters/notesMaster1.xml><?xml version="1.0" encoding="utf-8"?>
@@ -208,7 +217,7 @@
           <a:p>
             <a:fld id="{BEDC94E2-AC39-4BD8-A1F5-4456F3D6B430}" type="datetimeFigureOut">
               <a:rPr lang="hu-HU" smtClean="0"/>
-              <a:t>2017. 10. 28.</a:t>
+              <a:t>2017. 11. 02.</a:t>
             </a:fld>
             <a:endParaRPr lang="hu-HU"/>
           </a:p>
@@ -1058,6 +1067,16 @@
               <a:t> -&gt; ezeket a jövőben kipróbálni</a:t>
             </a:r>
           </a:p>
+          <a:p>
+            <a:r>
+              <a:rPr lang="hu-HU" dirty="0" err="1"/>
+              <a:t>Cornellesen</a:t>
+            </a:r>
+            <a:r>
+              <a:rPr lang="hu-HU" dirty="0"/>
+              <a:t> overfitelt, ezért lettek jobb eredmények, ez azt mutatja, hogy maga a veszteség függvény se méri jól hogy mennyire jó a modell a validációs adaton, hisz preferálja az átlagos, unalmas válaszokat</a:t>
+            </a:r>
+          </a:p>
         </p:txBody>
       </p:sp>
       <p:sp>
@@ -1142,23 +1161,7 @@
           <a:p>
             <a:r>
               <a:rPr lang="hu-HU" dirty="0"/>
-              <a:t>Egy beszélgetés sok mindenen alapszik, ezeken mind kondicionálni kéne a tanítást, mert a </a:t>
-            </a:r>
-            <a:r>
-              <a:rPr lang="hu-HU" dirty="0" err="1"/>
-              <a:t>loss</a:t>
-            </a:r>
-            <a:r>
-              <a:rPr lang="hu-HU" dirty="0"/>
-              <a:t> </a:t>
-            </a:r>
-            <a:r>
-              <a:rPr lang="hu-HU" dirty="0" err="1"/>
-              <a:t>function</a:t>
-            </a:r>
-            <a:r>
-              <a:rPr lang="hu-HU" dirty="0"/>
-              <a:t> egy bemenetre egy adott kimenetet akar.</a:t>
+              <a:t>Egy beszélgetés sok mindenen alapszik, ezeken mind kondicionálni kéne a tanítást, mert a veszteség függvény egy bemenetre egy adott kimenetet akar. Ha több dolgon kondicionálunk akkor a veszteség függvény alapján a modell is megtanul érdekesebb válaszokat adni.</a:t>
             </a:r>
           </a:p>
           <a:p>
@@ -1400,6 +1403,9 @@
               <a:t>Mély tanulás felváltott mindent a nyelvfeldolgozásban 2014 óta -&gt; szavak reprezentálás sokdimenziós vektorokként</a:t>
             </a:r>
           </a:p>
+          <a:p>
+            <a:endParaRPr lang="hu-HU" dirty="0"/>
+          </a:p>
         </p:txBody>
       </p:sp>
       <p:sp>
@@ -1428,7 +1434,7 @@
     </p:spTree>
     <p:extLst>
       <p:ext uri="{BB962C8B-B14F-4D97-AF65-F5344CB8AC3E}">
-        <p14:creationId xmlns:p14="http://schemas.microsoft.com/office/powerpoint/2010/main" val="2798272120"/>
+        <p14:creationId xmlns:p14="http://schemas.microsoft.com/office/powerpoint/2010/main" val="3931145905"/>
       </p:ext>
     </p:extLst>
   </p:cSld>
@@ -1888,7 +1894,15 @@
           <a:p>
             <a:r>
               <a:rPr lang="hu-HU" dirty="0"/>
-              <a:t>A teljesség igénye nélkül, 1-1 szót mindegyikről, talán?</a:t>
+              <a:t>Csak megemlíteni, hogy a </a:t>
+            </a:r>
+            <a:r>
+              <a:rPr lang="hu-HU" dirty="0" err="1"/>
+              <a:t>tdk</a:t>
+            </a:r>
+            <a:r>
+              <a:rPr lang="hu-HU" dirty="0"/>
+              <a:t> irodalmi kutatásában ezek részletesen taglalva lettek, itt nincs idő kitérni egyikre se</a:t>
             </a:r>
           </a:p>
         </p:txBody>
@@ -1975,8 +1989,21 @@
           <a:p>
             <a:r>
               <a:rPr lang="hu-HU" dirty="0"/>
-              <a:t>Erre nincs idő hogy itt elmagyarázzam</a:t>
-            </a:r>
+              <a:t>Erre nincs idő hogy itt elmagyarázzam, júniusi architektúra</a:t>
+            </a:r>
+            <a:r>
+              <a:rPr lang="hu-HU"/>
+              <a:t>, NMT-ben </a:t>
+            </a:r>
+            <a:r>
+              <a:rPr lang="hu-HU" dirty="0"/>
+              <a:t>lenyűgöző eredményeket ér el, sokkal kevesebb paraméterrel mint egy RNN </a:t>
+            </a:r>
+            <a:r>
+              <a:rPr lang="hu-HU"/>
+              <a:t>alapú seq2seq</a:t>
+            </a:r>
+            <a:endParaRPr lang="hu-HU" dirty="0"/>
           </a:p>
           <a:p>
             <a:r>
@@ -2217,7 +2244,7 @@
             </a:r>
             <a:r>
               <a:rPr lang="hu-HU" dirty="0"/>
-              <a:t> teljesít a metrikákon.</a:t>
+              <a:t> teljesít a metrikákon. (rossz veszteség függvény miatt)</a:t>
             </a:r>
           </a:p>
         </p:txBody>
@@ -2444,7 +2471,7 @@
           <a:p>
             <a:fld id="{4AAD347D-5ACD-4C99-B74B-A9C85AD731AF}" type="datetimeFigureOut">
               <a:rPr lang="en-US" smtClean="0"/>
-              <a:t>10/28/2017</a:t>
+              <a:t>11/2/2017</a:t>
             </a:fld>
             <a:endParaRPr lang="en-US" dirty="0"/>
           </a:p>
@@ -2719,7 +2746,7 @@
           <a:p>
             <a:fld id="{4509A250-FF31-4206-8172-F9D3106AACB1}" type="datetimeFigureOut">
               <a:rPr lang="en-US" smtClean="0"/>
-              <a:t>10/28/2017</a:t>
+              <a:t>11/2/2017</a:t>
             </a:fld>
             <a:endParaRPr lang="en-US" dirty="0"/>
           </a:p>
@@ -2913,7 +2940,7 @@
           <a:p>
             <a:fld id="{4509A250-FF31-4206-8172-F9D3106AACB1}" type="datetimeFigureOut">
               <a:rPr lang="en-US" smtClean="0"/>
-              <a:t>10/28/2017</a:t>
+              <a:t>11/2/2017</a:t>
             </a:fld>
             <a:endParaRPr lang="en-US" dirty="0"/>
           </a:p>
@@ -3186,7 +3213,7 @@
           <a:p>
             <a:fld id="{4509A250-FF31-4206-8172-F9D3106AACB1}" type="datetimeFigureOut">
               <a:rPr lang="en-US" smtClean="0"/>
-              <a:t>10/28/2017</a:t>
+              <a:t>11/2/2017</a:t>
             </a:fld>
             <a:endParaRPr lang="en-US" dirty="0"/>
           </a:p>
@@ -3527,7 +3554,7 @@
           <a:p>
             <a:fld id="{4509A250-FF31-4206-8172-F9D3106AACB1}" type="datetimeFigureOut">
               <a:rPr lang="en-US" smtClean="0"/>
-              <a:t>10/28/2017</a:t>
+              <a:t>11/2/2017</a:t>
             </a:fld>
             <a:endParaRPr lang="en-US" dirty="0"/>
           </a:p>
@@ -4150,7 +4177,7 @@
           <a:p>
             <a:fld id="{4509A250-FF31-4206-8172-F9D3106AACB1}" type="datetimeFigureOut">
               <a:rPr lang="en-US" smtClean="0"/>
-              <a:t>10/28/2017</a:t>
+              <a:t>11/2/2017</a:t>
             </a:fld>
             <a:endParaRPr lang="en-US" dirty="0"/>
           </a:p>
@@ -5010,7 +5037,7 @@
           <a:p>
             <a:fld id="{4509A250-FF31-4206-8172-F9D3106AACB1}" type="datetimeFigureOut">
               <a:rPr lang="en-US" smtClean="0"/>
-              <a:t>10/28/2017</a:t>
+              <a:t>11/2/2017</a:t>
             </a:fld>
             <a:endParaRPr lang="en-US" dirty="0"/>
           </a:p>
@@ -5180,7 +5207,7 @@
           <a:p>
             <a:fld id="{4509A250-FF31-4206-8172-F9D3106AACB1}" type="datetimeFigureOut">
               <a:rPr lang="en-US" smtClean="0"/>
-              <a:t>10/28/2017</a:t>
+              <a:t>11/2/2017</a:t>
             </a:fld>
             <a:endParaRPr lang="en-US" dirty="0"/>
           </a:p>
@@ -5360,7 +5387,7 @@
           <a:p>
             <a:fld id="{4509A250-FF31-4206-8172-F9D3106AACB1}" type="datetimeFigureOut">
               <a:rPr lang="en-US" smtClean="0"/>
-              <a:t>10/28/2017</a:t>
+              <a:t>11/2/2017</a:t>
             </a:fld>
             <a:endParaRPr lang="en-US" dirty="0"/>
           </a:p>
@@ -5530,7 +5557,7 @@
           <a:p>
             <a:fld id="{4509A250-FF31-4206-8172-F9D3106AACB1}" type="datetimeFigureOut">
               <a:rPr lang="en-US" smtClean="0"/>
-              <a:t>10/28/2017</a:t>
+              <a:t>11/2/2017</a:t>
             </a:fld>
             <a:endParaRPr lang="en-US" dirty="0"/>
           </a:p>
@@ -5777,7 +5804,7 @@
           <a:p>
             <a:fld id="{9796027F-7875-4030-9381-8BD8C4F21935}" type="datetimeFigureOut">
               <a:rPr lang="en-US" smtClean="0"/>
-              <a:t>10/28/2017</a:t>
+              <a:t>11/2/2017</a:t>
             </a:fld>
             <a:endParaRPr lang="en-US" dirty="0"/>
           </a:p>
@@ -6069,7 +6096,7 @@
           <a:p>
             <a:fld id="{9796027F-7875-4030-9381-8BD8C4F21935}" type="datetimeFigureOut">
               <a:rPr lang="en-US" smtClean="0"/>
-              <a:t>10/28/2017</a:t>
+              <a:t>11/2/2017</a:t>
             </a:fld>
             <a:endParaRPr lang="en-US" dirty="0"/>
           </a:p>
@@ -6513,7 +6540,7 @@
           <a:p>
             <a:fld id="{9796027F-7875-4030-9381-8BD8C4F21935}" type="datetimeFigureOut">
               <a:rPr lang="en-US" smtClean="0"/>
-              <a:t>10/28/2017</a:t>
+              <a:t>11/2/2017</a:t>
             </a:fld>
             <a:endParaRPr lang="en-US" dirty="0"/>
           </a:p>
@@ -6631,7 +6658,7 @@
           <a:p>
             <a:fld id="{4509A250-FF31-4206-8172-F9D3106AACB1}" type="datetimeFigureOut">
               <a:rPr lang="en-US" smtClean="0"/>
-              <a:t>10/28/2017</a:t>
+              <a:t>11/2/2017</a:t>
             </a:fld>
             <a:endParaRPr lang="en-US" dirty="0"/>
           </a:p>
@@ -6726,7 +6753,7 @@
           <a:p>
             <a:fld id="{4509A250-FF31-4206-8172-F9D3106AACB1}" type="datetimeFigureOut">
               <a:rPr lang="en-US" smtClean="0"/>
-              <a:t>10/28/2017</a:t>
+              <a:t>11/2/2017</a:t>
             </a:fld>
             <a:endParaRPr lang="en-US" dirty="0"/>
           </a:p>
@@ -7005,7 +7032,7 @@
           <a:p>
             <a:fld id="{4509A250-FF31-4206-8172-F9D3106AACB1}" type="datetimeFigureOut">
               <a:rPr lang="en-US" smtClean="0"/>
-              <a:t>10/28/2017</a:t>
+              <a:t>11/2/2017</a:t>
             </a:fld>
             <a:endParaRPr lang="en-US" dirty="0"/>
           </a:p>
@@ -7280,7 +7307,7 @@
           <a:p>
             <a:fld id="{4509A250-FF31-4206-8172-F9D3106AACB1}" type="datetimeFigureOut">
               <a:rPr lang="en-US" smtClean="0"/>
-              <a:t>10/28/2017</a:t>
+              <a:t>11/2/2017</a:t>
             </a:fld>
             <a:endParaRPr lang="en-US" dirty="0"/>
           </a:p>
@@ -7845,7 +7872,7 @@
           <a:p>
             <a:fld id="{4AAD347D-5ACD-4C99-B74B-A9C85AD731AF}" type="datetimeFigureOut">
               <a:rPr lang="en-US" smtClean="0"/>
-              <a:t>10/28/2017</a:t>
+              <a:t>11/2/2017</a:t>
             </a:fld>
             <a:endParaRPr lang="en-US" dirty="0"/>
           </a:p>
@@ -10516,7 +10543,7 @@
         </p:nvSpPr>
         <p:spPr>
           <a:xfrm>
-            <a:off x="0" y="4919008"/>
+            <a:off x="0" y="4880371"/>
             <a:ext cx="8902700" cy="1938992"/>
           </a:xfrm>
           <a:prstGeom prst="rect">
@@ -10530,454 +10557,462 @@
           </a:bodyPr>
           <a:lstStyle/>
           <a:p>
-            <a:r>
-              <a:rPr lang="en-US" sz="1000" dirty="0"/>
+            <a:pPr marL="285750" indent="-285750">
+              <a:buFont typeface="Arial" panose="020B0604020202020204" pitchFamily="34" charset="0"/>
+              <a:buChar char="•"/>
+            </a:pPr>
+            <a:r>
+              <a:rPr lang="en-US" sz="1200" dirty="0"/>
               <a:t>[</a:t>
             </a:r>
             <a:r>
-              <a:rPr lang="en-US" sz="1000" dirty="0" err="1"/>
+              <a:rPr lang="en-US" sz="1200" dirty="0" err="1"/>
               <a:t>Bordes</a:t>
             </a:r>
             <a:r>
-              <a:rPr lang="en-US" sz="1000" dirty="0"/>
+              <a:rPr lang="en-US" sz="1200" dirty="0"/>
               <a:t> et al., 2016] </a:t>
             </a:r>
             <a:r>
-              <a:rPr lang="en-US" sz="1000" dirty="0" err="1"/>
+              <a:rPr lang="en-US" sz="1200" dirty="0" err="1"/>
               <a:t>Bordes</a:t>
             </a:r>
             <a:r>
-              <a:rPr lang="en-US" sz="1000" dirty="0"/>
+              <a:rPr lang="en-US" sz="1200" dirty="0"/>
               <a:t>, A., </a:t>
             </a:r>
             <a:r>
-              <a:rPr lang="en-US" sz="1000" dirty="0" err="1"/>
+              <a:rPr lang="en-US" sz="1200" dirty="0" err="1"/>
               <a:t>Boureau</a:t>
             </a:r>
             <a:r>
-              <a:rPr lang="en-US" sz="1000" dirty="0"/>
+              <a:rPr lang="en-US" sz="1200" dirty="0"/>
               <a:t>, Y.-L., and Weston, J. (2016). Learning end-to-end </a:t>
             </a:r>
             <a:r>
-              <a:rPr lang="en-US" sz="1000" dirty="0" err="1"/>
+              <a:rPr lang="en-US" sz="1200" dirty="0" err="1"/>
               <a:t>goaloriented</a:t>
             </a:r>
             <a:r>
-              <a:rPr lang="en-US" sz="1000" dirty="0"/>
+              <a:rPr lang="en-US" sz="1200" dirty="0"/>
               <a:t> dialog. </a:t>
             </a:r>
             <a:r>
-              <a:rPr lang="en-US" sz="1000" dirty="0" err="1"/>
+              <a:rPr lang="en-US" sz="1200" dirty="0" err="1"/>
               <a:t>arXiv</a:t>
             </a:r>
             <a:r>
-              <a:rPr lang="en-US" sz="1000" dirty="0"/>
+              <a:rPr lang="en-US" sz="1200" dirty="0"/>
               <a:t> preprint arXiv:1605.07683.</a:t>
             </a:r>
-            <a:endParaRPr lang="hu-HU" sz="1000" dirty="0"/>
-          </a:p>
-          <a:p>
-            <a:endParaRPr lang="hu-HU" sz="1000" dirty="0"/>
-          </a:p>
-          <a:p>
-            <a:r>
-              <a:rPr lang="hu-HU" sz="1000" dirty="0"/>
+            <a:endParaRPr lang="hu-HU" sz="1200" dirty="0"/>
+          </a:p>
+          <a:p>
+            <a:pPr marL="285750" indent="-285750">
+              <a:buFont typeface="Arial" panose="020B0604020202020204" pitchFamily="34" charset="0"/>
+              <a:buChar char="•"/>
+            </a:pPr>
+            <a:r>
+              <a:rPr lang="hu-HU" sz="1200" dirty="0"/>
               <a:t>[</a:t>
             </a:r>
             <a:r>
-              <a:rPr lang="hu-HU" sz="1000" dirty="0" err="1"/>
+              <a:rPr lang="hu-HU" sz="1200" dirty="0" err="1"/>
               <a:t>Cho</a:t>
             </a:r>
             <a:r>
-              <a:rPr lang="hu-HU" sz="1000" dirty="0"/>
+              <a:rPr lang="hu-HU" sz="1200" dirty="0"/>
               <a:t> </a:t>
             </a:r>
             <a:r>
-              <a:rPr lang="hu-HU" sz="1000" dirty="0" err="1"/>
+              <a:rPr lang="hu-HU" sz="1200" dirty="0" err="1"/>
               <a:t>et</a:t>
             </a:r>
             <a:r>
-              <a:rPr lang="hu-HU" sz="1000" dirty="0"/>
+              <a:rPr lang="hu-HU" sz="1200" dirty="0"/>
               <a:t> </a:t>
             </a:r>
             <a:r>
-              <a:rPr lang="hu-HU" sz="1000" dirty="0" err="1"/>
+              <a:rPr lang="hu-HU" sz="1200" dirty="0" err="1"/>
               <a:t>al</a:t>
             </a:r>
             <a:r>
-              <a:rPr lang="hu-HU" sz="1000" dirty="0"/>
+              <a:rPr lang="hu-HU" sz="1200" dirty="0"/>
               <a:t>., 2014] </a:t>
             </a:r>
             <a:r>
-              <a:rPr lang="hu-HU" sz="1000" dirty="0" err="1"/>
+              <a:rPr lang="hu-HU" sz="1200" dirty="0" err="1"/>
               <a:t>Cho</a:t>
             </a:r>
             <a:r>
-              <a:rPr lang="hu-HU" sz="1000" dirty="0"/>
+              <a:rPr lang="hu-HU" sz="1200" dirty="0"/>
               <a:t>, K., Van </a:t>
             </a:r>
             <a:r>
-              <a:rPr lang="hu-HU" sz="1000" dirty="0" err="1"/>
+              <a:rPr lang="hu-HU" sz="1200" dirty="0" err="1"/>
               <a:t>Merrienboer</a:t>
             </a:r>
             <a:r>
-              <a:rPr lang="hu-HU" sz="1000" dirty="0"/>
+              <a:rPr lang="hu-HU" sz="1200" dirty="0"/>
               <a:t>, B., </a:t>
             </a:r>
             <a:r>
-              <a:rPr lang="hu-HU" sz="1000" dirty="0" err="1"/>
+              <a:rPr lang="hu-HU" sz="1200" dirty="0" err="1"/>
               <a:t>Gulcehre</a:t>
             </a:r>
             <a:r>
-              <a:rPr lang="hu-HU" sz="1000" dirty="0"/>
+              <a:rPr lang="hu-HU" sz="1200" dirty="0"/>
               <a:t>, C., </a:t>
             </a:r>
             <a:r>
-              <a:rPr lang="hu-HU" sz="1000" dirty="0" err="1"/>
+              <a:rPr lang="hu-HU" sz="1200" dirty="0" err="1"/>
               <a:t>Bahdanau</a:t>
             </a:r>
             <a:r>
-              <a:rPr lang="hu-HU" sz="1000" dirty="0"/>
+              <a:rPr lang="hu-HU" sz="1200" dirty="0"/>
               <a:t>, D., </a:t>
             </a:r>
             <a:r>
-              <a:rPr lang="hu-HU" sz="1000" dirty="0" err="1"/>
+              <a:rPr lang="hu-HU" sz="1200" dirty="0" err="1"/>
               <a:t>Bougares</a:t>
             </a:r>
             <a:r>
-              <a:rPr lang="hu-HU" sz="1000" dirty="0"/>
+              <a:rPr lang="hu-HU" sz="1200" dirty="0"/>
               <a:t>, F., </a:t>
             </a:r>
             <a:r>
-              <a:rPr lang="hu-HU" sz="1000" dirty="0" err="1"/>
+              <a:rPr lang="hu-HU" sz="1200" dirty="0" err="1"/>
               <a:t>Schwenk</a:t>
             </a:r>
             <a:r>
-              <a:rPr lang="hu-HU" sz="1000" dirty="0"/>
+              <a:rPr lang="hu-HU" sz="1200" dirty="0"/>
               <a:t>, H., and </a:t>
             </a:r>
             <a:r>
-              <a:rPr lang="hu-HU" sz="1000" dirty="0" err="1"/>
+              <a:rPr lang="hu-HU" sz="1200" dirty="0" err="1"/>
               <a:t>Bengio</a:t>
             </a:r>
             <a:r>
-              <a:rPr lang="hu-HU" sz="1000" dirty="0"/>
+              <a:rPr lang="hu-HU" sz="1200" dirty="0"/>
               <a:t>, Y. (2014). </a:t>
             </a:r>
             <a:r>
-              <a:rPr lang="hu-HU" sz="1000" dirty="0" err="1"/>
+              <a:rPr lang="hu-HU" sz="1200" dirty="0" err="1"/>
               <a:t>Learning</a:t>
             </a:r>
             <a:r>
-              <a:rPr lang="hu-HU" sz="1000" dirty="0"/>
+              <a:rPr lang="hu-HU" sz="1200" dirty="0"/>
               <a:t> </a:t>
             </a:r>
             <a:r>
-              <a:rPr lang="hu-HU" sz="1000" dirty="0" err="1"/>
+              <a:rPr lang="hu-HU" sz="1200" dirty="0" err="1"/>
               <a:t>phrase</a:t>
             </a:r>
             <a:r>
-              <a:rPr lang="hu-HU" sz="1000" dirty="0"/>
+              <a:rPr lang="hu-HU" sz="1200" dirty="0"/>
               <a:t> </a:t>
             </a:r>
             <a:r>
-              <a:rPr lang="hu-HU" sz="1000" dirty="0" err="1"/>
+              <a:rPr lang="hu-HU" sz="1200" dirty="0" err="1"/>
               <a:t>representations</a:t>
             </a:r>
             <a:r>
-              <a:rPr lang="hu-HU" sz="1000" dirty="0"/>
+              <a:rPr lang="hu-HU" sz="1200" dirty="0"/>
               <a:t> </a:t>
             </a:r>
             <a:r>
-              <a:rPr lang="hu-HU" sz="1000" dirty="0" err="1"/>
+              <a:rPr lang="hu-HU" sz="1200" dirty="0" err="1"/>
               <a:t>using</a:t>
             </a:r>
             <a:r>
-              <a:rPr lang="hu-HU" sz="1000" dirty="0"/>
+              <a:rPr lang="hu-HU" sz="1200" dirty="0"/>
               <a:t> </a:t>
             </a:r>
             <a:r>
-              <a:rPr lang="hu-HU" sz="1000" dirty="0" err="1"/>
+              <a:rPr lang="hu-HU" sz="1200" dirty="0" err="1"/>
               <a:t>rnn</a:t>
             </a:r>
             <a:r>
-              <a:rPr lang="hu-HU" sz="1000" dirty="0"/>
+              <a:rPr lang="hu-HU" sz="1200" dirty="0"/>
               <a:t> </a:t>
             </a:r>
             <a:r>
-              <a:rPr lang="hu-HU" sz="1000" dirty="0" err="1"/>
+              <a:rPr lang="hu-HU" sz="1200" dirty="0" err="1"/>
               <a:t>encoder-decoder</a:t>
             </a:r>
             <a:r>
-              <a:rPr lang="hu-HU" sz="1000" dirty="0"/>
+              <a:rPr lang="hu-HU" sz="1200" dirty="0"/>
               <a:t> </a:t>
             </a:r>
             <a:r>
-              <a:rPr lang="hu-HU" sz="1000" dirty="0" err="1"/>
+              <a:rPr lang="hu-HU" sz="1200" dirty="0" err="1"/>
               <a:t>for</a:t>
             </a:r>
             <a:r>
-              <a:rPr lang="hu-HU" sz="1000" dirty="0"/>
+              <a:rPr lang="hu-HU" sz="1200" dirty="0"/>
               <a:t> </a:t>
             </a:r>
             <a:r>
-              <a:rPr lang="hu-HU" sz="1000" dirty="0" err="1"/>
+              <a:rPr lang="hu-HU" sz="1200" dirty="0" err="1"/>
               <a:t>statistical</a:t>
             </a:r>
             <a:r>
-              <a:rPr lang="hu-HU" sz="1000" dirty="0"/>
+              <a:rPr lang="hu-HU" sz="1200" dirty="0"/>
               <a:t> </a:t>
             </a:r>
             <a:r>
-              <a:rPr lang="hu-HU" sz="1000" dirty="0" err="1"/>
+              <a:rPr lang="hu-HU" sz="1200" dirty="0" err="1"/>
               <a:t>machine</a:t>
             </a:r>
             <a:r>
-              <a:rPr lang="hu-HU" sz="1000" dirty="0"/>
+              <a:rPr lang="hu-HU" sz="1200" dirty="0"/>
               <a:t> </a:t>
             </a:r>
             <a:r>
-              <a:rPr lang="hu-HU" sz="1000" dirty="0" err="1"/>
+              <a:rPr lang="hu-HU" sz="1200" dirty="0" err="1"/>
               <a:t>translation</a:t>
             </a:r>
             <a:r>
-              <a:rPr lang="hu-HU" sz="1000" dirty="0"/>
+              <a:rPr lang="hu-HU" sz="1200" dirty="0"/>
               <a:t>. </a:t>
             </a:r>
             <a:r>
-              <a:rPr lang="hu-HU" sz="1000" dirty="0" err="1"/>
+              <a:rPr lang="hu-HU" sz="1200" dirty="0" err="1"/>
               <a:t>arXiv</a:t>
             </a:r>
             <a:r>
-              <a:rPr lang="hu-HU" sz="1000" dirty="0"/>
+              <a:rPr lang="hu-HU" sz="1200" dirty="0"/>
               <a:t> </a:t>
             </a:r>
             <a:r>
-              <a:rPr lang="hu-HU" sz="1000" dirty="0" err="1"/>
+              <a:rPr lang="hu-HU" sz="1200" dirty="0" err="1"/>
               <a:t>preprint</a:t>
             </a:r>
             <a:r>
-              <a:rPr lang="hu-HU" sz="1000" dirty="0"/>
+              <a:rPr lang="hu-HU" sz="1200" dirty="0"/>
               <a:t> arXiv:1406.1078.</a:t>
             </a:r>
           </a:p>
           <a:p>
-            <a:endParaRPr lang="hu-HU" sz="1000" dirty="0"/>
-          </a:p>
-          <a:p>
-            <a:r>
-              <a:rPr lang="en-US" sz="1000" dirty="0"/>
+            <a:pPr marL="285750" indent="-285750">
+              <a:buFont typeface="Arial" panose="020B0604020202020204" pitchFamily="34" charset="0"/>
+              <a:buChar char="•"/>
+            </a:pPr>
+            <a:r>
+              <a:rPr lang="en-US" sz="1200" dirty="0"/>
               <a:t>[</a:t>
             </a:r>
             <a:r>
-              <a:rPr lang="en-US" sz="1000" dirty="0" err="1"/>
+              <a:rPr lang="en-US" sz="1200" dirty="0" err="1"/>
               <a:t>Sutskever</a:t>
             </a:r>
             <a:r>
-              <a:rPr lang="en-US" sz="1000" dirty="0"/>
+              <a:rPr lang="en-US" sz="1200" dirty="0"/>
               <a:t> et al., 2014] </a:t>
             </a:r>
             <a:r>
-              <a:rPr lang="en-US" sz="1000" dirty="0" err="1"/>
+              <a:rPr lang="en-US" sz="1200" dirty="0" err="1"/>
               <a:t>Sutskever</a:t>
             </a:r>
             <a:r>
-              <a:rPr lang="en-US" sz="1000" dirty="0"/>
+              <a:rPr lang="en-US" sz="1200" dirty="0"/>
               <a:t>, I., </a:t>
             </a:r>
             <a:r>
-              <a:rPr lang="en-US" sz="1000" dirty="0" err="1"/>
+              <a:rPr lang="en-US" sz="1200" dirty="0" err="1"/>
               <a:t>Vinyals</a:t>
             </a:r>
             <a:r>
-              <a:rPr lang="en-US" sz="1000" dirty="0"/>
+              <a:rPr lang="en-US" sz="1200" dirty="0"/>
               <a:t>, O., and Le, Q. V. (2014). Sequence to sequence learning with neural networks. In Advances in neural information processing systems, pages 3104–3112.</a:t>
             </a:r>
-            <a:endParaRPr lang="hu-HU" sz="1000" dirty="0"/>
-          </a:p>
-          <a:p>
-            <a:endParaRPr lang="hu-HU" sz="1000" dirty="0"/>
-          </a:p>
-          <a:p>
-            <a:r>
-              <a:rPr lang="hu-HU" sz="1000" dirty="0"/>
+            <a:endParaRPr lang="hu-HU" sz="1200" dirty="0"/>
+          </a:p>
+          <a:p>
+            <a:pPr marL="285750" indent="-285750">
+              <a:buFont typeface="Arial" panose="020B0604020202020204" pitchFamily="34" charset="0"/>
+              <a:buChar char="•"/>
+            </a:pPr>
+            <a:r>
+              <a:rPr lang="hu-HU" sz="1200" dirty="0"/>
               <a:t>[</a:t>
             </a:r>
             <a:r>
-              <a:rPr lang="hu-HU" sz="1000" dirty="0" err="1"/>
+              <a:rPr lang="hu-HU" sz="1200" dirty="0" err="1"/>
               <a:t>Vaswani</a:t>
             </a:r>
             <a:r>
-              <a:rPr lang="hu-HU" sz="1000" dirty="0"/>
+              <a:rPr lang="hu-HU" sz="1200" dirty="0"/>
               <a:t> </a:t>
             </a:r>
             <a:r>
-              <a:rPr lang="hu-HU" sz="1000" dirty="0" err="1"/>
+              <a:rPr lang="hu-HU" sz="1200" dirty="0" err="1"/>
               <a:t>et</a:t>
             </a:r>
             <a:r>
-              <a:rPr lang="hu-HU" sz="1000" dirty="0"/>
+              <a:rPr lang="hu-HU" sz="1200" dirty="0"/>
               <a:t> </a:t>
             </a:r>
             <a:r>
-              <a:rPr lang="hu-HU" sz="1000" dirty="0" err="1"/>
+              <a:rPr lang="hu-HU" sz="1200" dirty="0" err="1"/>
               <a:t>al</a:t>
             </a:r>
             <a:r>
-              <a:rPr lang="hu-HU" sz="1000" dirty="0"/>
+              <a:rPr lang="hu-HU" sz="1200" dirty="0"/>
               <a:t>., 2017] </a:t>
             </a:r>
             <a:r>
-              <a:rPr lang="hu-HU" sz="1000" dirty="0" err="1"/>
+              <a:rPr lang="hu-HU" sz="1200" dirty="0" err="1"/>
               <a:t>Vaswani</a:t>
             </a:r>
             <a:r>
-              <a:rPr lang="hu-HU" sz="1000" dirty="0"/>
+              <a:rPr lang="hu-HU" sz="1200" dirty="0"/>
               <a:t>, A., </a:t>
             </a:r>
             <a:r>
-              <a:rPr lang="hu-HU" sz="1000" dirty="0" err="1"/>
+              <a:rPr lang="hu-HU" sz="1200" dirty="0" err="1"/>
               <a:t>Shazeer</a:t>
             </a:r>
             <a:r>
-              <a:rPr lang="hu-HU" sz="1000" dirty="0"/>
+              <a:rPr lang="hu-HU" sz="1200" dirty="0"/>
               <a:t>, N., Parmar, N., </a:t>
             </a:r>
             <a:r>
-              <a:rPr lang="hu-HU" sz="1000" dirty="0" err="1"/>
+              <a:rPr lang="hu-HU" sz="1200" dirty="0" err="1"/>
               <a:t>Uszkoreit</a:t>
             </a:r>
             <a:r>
-              <a:rPr lang="hu-HU" sz="1000" dirty="0"/>
+              <a:rPr lang="hu-HU" sz="1200" dirty="0"/>
               <a:t>, J., Jones, L., </a:t>
             </a:r>
             <a:r>
-              <a:rPr lang="hu-HU" sz="1000" dirty="0" err="1"/>
+              <a:rPr lang="hu-HU" sz="1200" dirty="0" err="1"/>
               <a:t>Gomez</a:t>
             </a:r>
             <a:r>
-              <a:rPr lang="hu-HU" sz="1000" dirty="0"/>
+              <a:rPr lang="hu-HU" sz="1200" dirty="0"/>
               <a:t>, A. N., Kaiser, L., and </a:t>
             </a:r>
             <a:r>
-              <a:rPr lang="hu-HU" sz="1000" dirty="0" err="1"/>
+              <a:rPr lang="hu-HU" sz="1200" dirty="0" err="1"/>
               <a:t>Polosukhin</a:t>
             </a:r>
             <a:r>
-              <a:rPr lang="hu-HU" sz="1000" dirty="0"/>
+              <a:rPr lang="hu-HU" sz="1200" dirty="0"/>
               <a:t>, I. (2017). </a:t>
             </a:r>
             <a:r>
-              <a:rPr lang="hu-HU" sz="1000" dirty="0" err="1"/>
+              <a:rPr lang="hu-HU" sz="1200" dirty="0" err="1"/>
               <a:t>Attention</a:t>
             </a:r>
             <a:r>
-              <a:rPr lang="hu-HU" sz="1000" dirty="0"/>
+              <a:rPr lang="hu-HU" sz="1200" dirty="0"/>
               <a:t> is </a:t>
             </a:r>
             <a:r>
-              <a:rPr lang="hu-HU" sz="1000" dirty="0" err="1"/>
+              <a:rPr lang="hu-HU" sz="1200" dirty="0" err="1"/>
               <a:t>all</a:t>
             </a:r>
             <a:r>
-              <a:rPr lang="hu-HU" sz="1000" dirty="0"/>
+              <a:rPr lang="hu-HU" sz="1200" dirty="0"/>
               <a:t> </a:t>
             </a:r>
             <a:r>
-              <a:rPr lang="hu-HU" sz="1000" dirty="0" err="1"/>
+              <a:rPr lang="hu-HU" sz="1200" dirty="0" err="1"/>
               <a:t>you</a:t>
             </a:r>
             <a:r>
-              <a:rPr lang="hu-HU" sz="1000" dirty="0"/>
+              <a:rPr lang="hu-HU" sz="1200" dirty="0"/>
               <a:t> </a:t>
             </a:r>
             <a:r>
-              <a:rPr lang="hu-HU" sz="1000" dirty="0" err="1"/>
+              <a:rPr lang="hu-HU" sz="1200" dirty="0" err="1"/>
               <a:t>need</a:t>
             </a:r>
             <a:r>
-              <a:rPr lang="hu-HU" sz="1000" dirty="0"/>
+              <a:rPr lang="hu-HU" sz="1200" dirty="0"/>
               <a:t>. </a:t>
             </a:r>
             <a:r>
-              <a:rPr lang="hu-HU" sz="1000" dirty="0" err="1"/>
+              <a:rPr lang="hu-HU" sz="1200" dirty="0" err="1"/>
               <a:t>arXiv</a:t>
             </a:r>
             <a:r>
-              <a:rPr lang="hu-HU" sz="1000" dirty="0"/>
+              <a:rPr lang="hu-HU" sz="1200" dirty="0"/>
               <a:t> </a:t>
             </a:r>
             <a:r>
-              <a:rPr lang="hu-HU" sz="1000" dirty="0" err="1"/>
+              <a:rPr lang="hu-HU" sz="1200" dirty="0" err="1"/>
               <a:t>preprint</a:t>
             </a:r>
             <a:r>
-              <a:rPr lang="hu-HU" sz="1000" dirty="0"/>
+              <a:rPr lang="hu-HU" sz="1200" dirty="0"/>
               <a:t> arXiv:1706.03762.</a:t>
             </a:r>
           </a:p>
           <a:p>
-            <a:endParaRPr lang="hu-HU" sz="1000" dirty="0"/>
-          </a:p>
-          <a:p>
-            <a:r>
-              <a:rPr lang="hu-HU" sz="1000" dirty="0"/>
+            <a:pPr marL="285750" indent="-285750">
+              <a:buFont typeface="Arial" panose="020B0604020202020204" pitchFamily="34" charset="0"/>
+              <a:buChar char="•"/>
+            </a:pPr>
+            <a:r>
+              <a:rPr lang="hu-HU" sz="1200" dirty="0"/>
               <a:t>[</a:t>
             </a:r>
             <a:r>
-              <a:rPr lang="hu-HU" sz="1000" dirty="0" err="1"/>
+              <a:rPr lang="hu-HU" sz="1200" dirty="0" err="1"/>
               <a:t>Vinyals</a:t>
             </a:r>
             <a:r>
-              <a:rPr lang="hu-HU" sz="1000" dirty="0"/>
+              <a:rPr lang="hu-HU" sz="1200" dirty="0"/>
               <a:t> and Le, 2015] </a:t>
             </a:r>
             <a:r>
-              <a:rPr lang="hu-HU" sz="1000" dirty="0" err="1"/>
+              <a:rPr lang="hu-HU" sz="1200" dirty="0" err="1"/>
               <a:t>Vinyals</a:t>
             </a:r>
             <a:r>
-              <a:rPr lang="hu-HU" sz="1000" dirty="0"/>
+              <a:rPr lang="hu-HU" sz="1200" dirty="0"/>
               <a:t>, O. and Le, Q. (2015). A </a:t>
             </a:r>
             <a:r>
-              <a:rPr lang="hu-HU" sz="1000" dirty="0" err="1"/>
+              <a:rPr lang="hu-HU" sz="1200" dirty="0" err="1"/>
               <a:t>neural</a:t>
             </a:r>
             <a:r>
-              <a:rPr lang="hu-HU" sz="1000" dirty="0"/>
+              <a:rPr lang="hu-HU" sz="1200" dirty="0"/>
               <a:t> </a:t>
             </a:r>
             <a:r>
-              <a:rPr lang="hu-HU" sz="1000" dirty="0" err="1"/>
+              <a:rPr lang="hu-HU" sz="1200" dirty="0" err="1"/>
               <a:t>conversational</a:t>
             </a:r>
             <a:r>
-              <a:rPr lang="hu-HU" sz="1000" dirty="0"/>
+              <a:rPr lang="hu-HU" sz="1200" dirty="0"/>
               <a:t> </a:t>
             </a:r>
             <a:r>
-              <a:rPr lang="hu-HU" sz="1000" dirty="0" err="1"/>
+              <a:rPr lang="hu-HU" sz="1200" dirty="0" err="1"/>
               <a:t>model</a:t>
             </a:r>
             <a:r>
-              <a:rPr lang="hu-HU" sz="1000" dirty="0"/>
+              <a:rPr lang="hu-HU" sz="1200" dirty="0"/>
               <a:t>. </a:t>
             </a:r>
             <a:r>
-              <a:rPr lang="hu-HU" sz="1000" dirty="0" err="1"/>
+              <a:rPr lang="hu-HU" sz="1200" dirty="0" err="1"/>
               <a:t>arXiv</a:t>
             </a:r>
             <a:r>
-              <a:rPr lang="hu-HU" sz="1000" dirty="0"/>
+              <a:rPr lang="hu-HU" sz="1200" dirty="0"/>
               <a:t> </a:t>
             </a:r>
             <a:r>
-              <a:rPr lang="hu-HU" sz="1000" dirty="0" err="1"/>
+              <a:rPr lang="hu-HU" sz="1200" dirty="0" err="1"/>
               <a:t>preprint</a:t>
             </a:r>
             <a:r>
-              <a:rPr lang="hu-HU" sz="1000" dirty="0"/>
+              <a:rPr lang="hu-HU" sz="1200" dirty="0"/>
               <a:t> arXiv:1506.05869.</a:t>
             </a:r>
           </a:p>
@@ -10997,7 +11032,7 @@
         </p:nvSpPr>
         <p:spPr>
           <a:xfrm>
-            <a:off x="0" y="4549676"/>
+            <a:off x="-21859" y="4511039"/>
             <a:ext cx="1526380" cy="369332"/>
           </a:xfrm>
           <a:prstGeom prst="rect">
@@ -11015,6 +11050,82 @@
               <a:rPr lang="hu-HU" dirty="0"/>
               <a:t>Referenciák</a:t>
             </a:r>
+          </a:p>
+        </p:txBody>
+      </p:sp>
+      <p:sp>
+        <p:nvSpPr>
+          <p:cNvPr id="6" name="Content Placeholder 2">
+            <a:extLst>
+              <a:ext uri="{FF2B5EF4-FFF2-40B4-BE49-F238E27FC236}">
+                <a16:creationId xmlns:a16="http://schemas.microsoft.com/office/drawing/2014/main" id="{F54E20E7-170B-490B-91F2-8DFFAD60BEED}"/>
+              </a:ext>
+            </a:extLst>
+          </p:cNvPr>
+          <p:cNvSpPr>
+            <a:spLocks noGrp="1"/>
+          </p:cNvSpPr>
+          <p:nvPr>
+            <p:ph idx="1"/>
+          </p:nvPr>
+        </p:nvSpPr>
+        <p:spPr>
+          <a:xfrm>
+            <a:off x="741331" y="1589286"/>
+            <a:ext cx="6711654" cy="4195481"/>
+          </a:xfrm>
+        </p:spPr>
+        <p:txBody>
+          <a:bodyPr/>
+          <a:lstStyle/>
+          <a:p>
+            <a:r>
+              <a:rPr lang="hu-HU" dirty="0">
+                <a:hlinkClick r:id="rId3"/>
+              </a:rPr>
+              <a:t>https://github.com/ricsinaruto/Seq2seqChatbots</a:t>
+            </a:r>
+            <a:endParaRPr lang="hu-HU" dirty="0"/>
+          </a:p>
+          <a:p>
+            <a:pPr lvl="1"/>
+            <a:r>
+              <a:rPr lang="hu-HU" dirty="0"/>
+              <a:t>TDK-hoz tartozó </a:t>
+            </a:r>
+            <a:r>
+              <a:rPr lang="hu-HU" dirty="0" err="1"/>
+              <a:t>github</a:t>
+            </a:r>
+            <a:r>
+              <a:rPr lang="hu-HU" dirty="0"/>
+              <a:t> </a:t>
+            </a:r>
+            <a:r>
+              <a:rPr lang="hu-HU" dirty="0" err="1"/>
+              <a:t>repository</a:t>
+            </a:r>
+            <a:endParaRPr lang="hu-HU" dirty="0"/>
+          </a:p>
+          <a:p>
+            <a:r>
+              <a:rPr lang="hu-HU" dirty="0">
+                <a:hlinkClick r:id="rId4"/>
+              </a:rPr>
+              <a:t>https://github.com/ricsinaruto/Seq2seqChatbots/wiki/Chatbot-and-Related-Research-Paper-Notes-with-Images</a:t>
+            </a:r>
+            <a:endParaRPr lang="hu-HU" dirty="0"/>
+          </a:p>
+          <a:p>
+            <a:pPr lvl="1"/>
+            <a:r>
+              <a:rPr lang="hu-HU" dirty="0"/>
+              <a:t>TDK irodalmi kutatásához több mint 70 cikk jegyzete</a:t>
+            </a:r>
+          </a:p>
+          <a:p>
+            <a:pPr lvl="1"/>
+            <a:endParaRPr lang="hu-HU" dirty="0"/>
           </a:p>
         </p:txBody>
       </p:sp>
@@ -11176,86 +11287,12 @@
           <a:chExt cx="0" cy="0"/>
         </a:xfrm>
       </p:grpSpPr>
-      <p:sp>
-        <p:nvSpPr>
-          <p:cNvPr id="2" name="Title 1">
+      <p:pic>
+        <p:nvPicPr>
+          <p:cNvPr id="4" name="Picture 3">
             <a:extLst>
               <a:ext uri="{FF2B5EF4-FFF2-40B4-BE49-F238E27FC236}">
-                <a16:creationId xmlns:a16="http://schemas.microsoft.com/office/drawing/2014/main" id="{B9B5FE07-D0BE-42F1-AD1F-E853D3BB457F}"/>
-              </a:ext>
-            </a:extLst>
-          </p:cNvPr>
-          <p:cNvSpPr>
-            <a:spLocks noGrp="1"/>
-          </p:cNvSpPr>
-          <p:nvPr>
-            <p:ph type="title"/>
-          </p:nvPr>
-        </p:nvSpPr>
-        <p:spPr/>
-        <p:txBody>
-          <a:bodyPr/>
-          <a:lstStyle/>
-          <a:p>
-            <a:r>
-              <a:rPr lang="hu-HU" dirty="0"/>
-              <a:t>Bevezetés I.</a:t>
-            </a:r>
-            <a:br>
-              <a:rPr lang="hu-HU" dirty="0"/>
-            </a:br>
-            <a:r>
-              <a:rPr lang="hu-HU" dirty="0"/>
-              <a:t>Chatbot Típusok</a:t>
-            </a:r>
-          </a:p>
-        </p:txBody>
-      </p:sp>
-      <p:sp>
-        <p:nvSpPr>
-          <p:cNvPr id="3" name="Content Placeholder 2">
-            <a:extLst>
-              <a:ext uri="{FF2B5EF4-FFF2-40B4-BE49-F238E27FC236}">
-                <a16:creationId xmlns:a16="http://schemas.microsoft.com/office/drawing/2014/main" id="{3B1639A3-70BF-4FBB-B2F1-71F9054E4552}"/>
-              </a:ext>
-            </a:extLst>
-          </p:cNvPr>
-          <p:cNvSpPr>
-            <a:spLocks noGrp="1"/>
-          </p:cNvSpPr>
-          <p:nvPr>
-            <p:ph idx="1"/>
-          </p:nvPr>
-        </p:nvSpPr>
-        <p:spPr/>
-        <p:txBody>
-          <a:bodyPr/>
-          <a:lstStyle/>
-          <a:p>
-            <a:r>
-              <a:rPr lang="hu-HU" dirty="0"/>
-              <a:t>Cél-orientált</a:t>
-            </a:r>
-          </a:p>
-          <a:p>
-            <a:r>
-              <a:rPr lang="hu-HU" dirty="0"/>
-              <a:t>Open-</a:t>
-            </a:r>
-            <a:r>
-              <a:rPr lang="hu-HU" dirty="0" err="1"/>
-              <a:t>domain</a:t>
-            </a:r>
-            <a:endParaRPr lang="hu-HU" dirty="0"/>
-          </a:p>
-        </p:txBody>
-      </p:sp>
-      <p:pic>
-        <p:nvPicPr>
-          <p:cNvPr id="5" name="Picture 4">
-            <a:extLst>
-              <a:ext uri="{FF2B5EF4-FFF2-40B4-BE49-F238E27FC236}">
-                <a16:creationId xmlns:a16="http://schemas.microsoft.com/office/drawing/2014/main" id="{1FDB0C5F-7C46-4084-85AE-E54187E53BC8}"/>
+                <a16:creationId xmlns:a16="http://schemas.microsoft.com/office/drawing/2014/main" id="{C426B3DD-B35A-49F4-B603-3191FE293E3C}"/>
               </a:ext>
             </a:extLst>
           </p:cNvPr>
@@ -11272,8 +11309,8 @@
         </p:blipFill>
         <p:spPr>
           <a:xfrm>
-            <a:off x="-1" y="2947805"/>
-            <a:ext cx="2998519" cy="3910195"/>
+            <a:off x="-1" y="1601293"/>
+            <a:ext cx="4031087" cy="5256708"/>
           </a:xfrm>
           <a:prstGeom prst="rect">
             <a:avLst/>
@@ -11282,10 +11319,10 @@
       </p:pic>
       <p:pic>
         <p:nvPicPr>
-          <p:cNvPr id="7" name="Picture 6">
+          <p:cNvPr id="5" name="Picture 4">
             <a:extLst>
               <a:ext uri="{FF2B5EF4-FFF2-40B4-BE49-F238E27FC236}">
-                <a16:creationId xmlns:a16="http://schemas.microsoft.com/office/drawing/2014/main" id="{D024B7BE-9306-47A8-AE2D-31E1CACBC9F0}"/>
+                <a16:creationId xmlns:a16="http://schemas.microsoft.com/office/drawing/2014/main" id="{76DA8918-D308-4ED0-96AC-64FE07F1DB41}"/>
               </a:ext>
             </a:extLst>
           </p:cNvPr>
@@ -11302,8 +11339,8 @@
         </p:blipFill>
         <p:spPr>
           <a:xfrm>
-            <a:off x="4548580" y="2182907"/>
-            <a:ext cx="4595420" cy="4675093"/>
+            <a:off x="3975280" y="1599667"/>
+            <a:ext cx="5168720" cy="5258333"/>
           </a:xfrm>
           <a:prstGeom prst="rect">
             <a:avLst/>
@@ -11312,10 +11349,10 @@
       </p:pic>
       <p:sp>
         <p:nvSpPr>
-          <p:cNvPr id="8" name="TextBox 7">
+          <p:cNvPr id="6" name="TextBox 5">
             <a:extLst>
               <a:ext uri="{FF2B5EF4-FFF2-40B4-BE49-F238E27FC236}">
-                <a16:creationId xmlns:a16="http://schemas.microsoft.com/office/drawing/2014/main" id="{9B8F50BE-FDF5-4AF9-8864-73699822DE1E}"/>
+                <a16:creationId xmlns:a16="http://schemas.microsoft.com/office/drawing/2014/main" id="{3DDBD8D3-04DA-42ED-BCEF-AE8ECD32C55E}"/>
               </a:ext>
             </a:extLst>
           </p:cNvPr>
@@ -11324,7 +11361,7 @@
         </p:nvSpPr>
         <p:spPr>
           <a:xfrm>
-            <a:off x="7807210" y="1929814"/>
+            <a:off x="7811502" y="1353445"/>
             <a:ext cx="1390124" cy="246221"/>
           </a:xfrm>
           <a:prstGeom prst="rect">
@@ -11369,10 +11406,122 @@
           </a:p>
         </p:txBody>
       </p:sp>
+      <p:sp>
+        <p:nvSpPr>
+          <p:cNvPr id="7" name="TextBox 6">
+            <a:extLst>
+              <a:ext uri="{FF2B5EF4-FFF2-40B4-BE49-F238E27FC236}">
+                <a16:creationId xmlns:a16="http://schemas.microsoft.com/office/drawing/2014/main" id="{C8CC411E-0167-403E-8550-9D05C94BDF55}"/>
+              </a:ext>
+            </a:extLst>
+          </p:cNvPr>
+          <p:cNvSpPr txBox="1"/>
+          <p:nvPr/>
+        </p:nvSpPr>
+        <p:spPr>
+          <a:xfrm>
+            <a:off x="816128" y="1076445"/>
+            <a:ext cx="1959191" cy="400110"/>
+          </a:xfrm>
+          <a:prstGeom prst="rect">
+            <a:avLst/>
+          </a:prstGeom>
+          <a:noFill/>
+        </p:spPr>
+        <p:txBody>
+          <a:bodyPr wrap="none" rtlCol="0">
+            <a:spAutoFit/>
+          </a:bodyPr>
+          <a:lstStyle/>
+          <a:p>
+            <a:r>
+              <a:rPr lang="hu-HU" sz="2000" dirty="0"/>
+              <a:t>Open-</a:t>
+            </a:r>
+            <a:r>
+              <a:rPr lang="hu-HU" sz="2000" dirty="0" err="1"/>
+              <a:t>domain</a:t>
+            </a:r>
+            <a:endParaRPr lang="hu-HU" sz="2000" dirty="0"/>
+          </a:p>
+        </p:txBody>
+      </p:sp>
+      <p:sp>
+        <p:nvSpPr>
+          <p:cNvPr id="8" name="TextBox 7">
+            <a:extLst>
+              <a:ext uri="{FF2B5EF4-FFF2-40B4-BE49-F238E27FC236}">
+                <a16:creationId xmlns:a16="http://schemas.microsoft.com/office/drawing/2014/main" id="{71A1AA3B-15D2-4CC8-9690-A7562C0C60B3}"/>
+              </a:ext>
+            </a:extLst>
+          </p:cNvPr>
+          <p:cNvSpPr txBox="1"/>
+          <p:nvPr/>
+        </p:nvSpPr>
+        <p:spPr>
+          <a:xfrm>
+            <a:off x="4540269" y="1076445"/>
+            <a:ext cx="1715534" cy="400110"/>
+          </a:xfrm>
+          <a:prstGeom prst="rect">
+            <a:avLst/>
+          </a:prstGeom>
+          <a:noFill/>
+        </p:spPr>
+        <p:txBody>
+          <a:bodyPr wrap="none" rtlCol="0">
+            <a:spAutoFit/>
+          </a:bodyPr>
+          <a:lstStyle/>
+          <a:p>
+            <a:r>
+              <a:rPr lang="hu-HU" sz="2000" dirty="0"/>
+              <a:t>Cél-orientált</a:t>
+            </a:r>
+          </a:p>
+        </p:txBody>
+      </p:sp>
+      <p:sp>
+        <p:nvSpPr>
+          <p:cNvPr id="10" name="Title 1">
+            <a:extLst>
+              <a:ext uri="{FF2B5EF4-FFF2-40B4-BE49-F238E27FC236}">
+                <a16:creationId xmlns:a16="http://schemas.microsoft.com/office/drawing/2014/main" id="{3F7C5261-F713-4CFC-9C48-C41795DC991C}"/>
+              </a:ext>
+            </a:extLst>
+          </p:cNvPr>
+          <p:cNvSpPr>
+            <a:spLocks noGrp="1"/>
+          </p:cNvSpPr>
+          <p:nvPr>
+            <p:ph type="title"/>
+          </p:nvPr>
+        </p:nvSpPr>
+        <p:spPr>
+          <a:xfrm>
+            <a:off x="155669" y="76025"/>
+            <a:ext cx="7055380" cy="1400530"/>
+          </a:xfrm>
+        </p:spPr>
+        <p:txBody>
+          <a:bodyPr/>
+          <a:lstStyle/>
+          <a:p>
+            <a:r>
+              <a:rPr lang="hu-HU" sz="3600" dirty="0"/>
+              <a:t>Bevezetés I. Chatbot Típusok</a:t>
+            </a:r>
+            <a:br>
+              <a:rPr lang="hu-HU" dirty="0"/>
+            </a:br>
+            <a:endParaRPr lang="hu-HU" dirty="0"/>
+          </a:p>
+        </p:txBody>
+      </p:sp>
     </p:spTree>
     <p:extLst>
       <p:ext uri="{BB962C8B-B14F-4D97-AF65-F5344CB8AC3E}">
-        <p14:creationId xmlns:p14="http://schemas.microsoft.com/office/powerpoint/2010/main" val="3345614592"/>
+        <p14:creationId xmlns:p14="http://schemas.microsoft.com/office/powerpoint/2010/main" val="2884994567"/>
       </p:ext>
     </p:extLst>
   </p:cSld>
@@ -11821,8 +11970,8 @@
           </a:p>
         </p:txBody>
       </p:sp>
-      <mc:AlternateContent xmlns:mc="http://schemas.openxmlformats.org/markup-compatibility/2006">
-        <mc:Choice xmlns:a14="http://schemas.microsoft.com/office/drawing/2010/main" Requires="a14">
+      <mc:AlternateContent xmlns:mc="http://schemas.openxmlformats.org/markup-compatibility/2006" xmlns:a14="http://schemas.microsoft.com/office/drawing/2010/main">
+        <mc:Choice Requires="a14">
           <p:sp>
             <p:nvSpPr>
               <p:cNvPr id="13" name="TextBox 12">
@@ -11851,6 +12000,7 @@
               </a:bodyPr>
               <a:lstStyle/>
               <a:p>
+                <a:pPr/>
                 <a14:m>
                   <m:oMathPara xmlns:m="http://schemas.openxmlformats.org/officeDocument/2006/math">
                     <m:oMathParaPr>
@@ -11969,7 +12119,7 @@
             </p:txBody>
           </p:sp>
         </mc:Choice>
-        <mc:Fallback>
+        <mc:Fallback xmlns="">
           <p:sp>
             <p:nvSpPr>
               <p:cNvPr id="13" name="TextBox 12">
@@ -12014,8 +12164,8 @@
           </p:sp>
         </mc:Fallback>
       </mc:AlternateContent>
-      <mc:AlternateContent xmlns:mc="http://schemas.openxmlformats.org/markup-compatibility/2006">
-        <mc:Choice xmlns:a14="http://schemas.microsoft.com/office/drawing/2010/main" Requires="a14">
+      <mc:AlternateContent xmlns:mc="http://schemas.openxmlformats.org/markup-compatibility/2006" xmlns:a14="http://schemas.microsoft.com/office/drawing/2010/main">
+        <mc:Choice Requires="a14">
           <p:sp>
             <p:nvSpPr>
               <p:cNvPr id="14" name="TextBox 13">
@@ -12044,6 +12194,7 @@
               </a:bodyPr>
               <a:lstStyle/>
               <a:p>
+                <a:pPr/>
                 <a14:m>
                   <m:oMathPara xmlns:m="http://schemas.openxmlformats.org/officeDocument/2006/math">
                     <m:oMathParaPr>
@@ -12064,7 +12215,7 @@
             </p:txBody>
           </p:sp>
         </mc:Choice>
-        <mc:Fallback>
+        <mc:Fallback xmlns="">
           <p:sp>
             <p:nvSpPr>
               <p:cNvPr id="14" name="TextBox 13">
@@ -12109,8 +12260,8 @@
           </p:sp>
         </mc:Fallback>
       </mc:AlternateContent>
-      <mc:AlternateContent xmlns:mc="http://schemas.openxmlformats.org/markup-compatibility/2006">
-        <mc:Choice xmlns:a14="http://schemas.microsoft.com/office/drawing/2010/main" Requires="a14">
+      <mc:AlternateContent xmlns:mc="http://schemas.openxmlformats.org/markup-compatibility/2006" xmlns:a14="http://schemas.microsoft.com/office/drawing/2010/main">
+        <mc:Choice Requires="a14">
           <p:sp>
             <p:nvSpPr>
               <p:cNvPr id="15" name="TextBox 14">
@@ -12139,6 +12290,7 @@
               </a:bodyPr>
               <a:lstStyle/>
               <a:p>
+                <a:pPr/>
                 <a14:m>
                   <m:oMathPara xmlns:m="http://schemas.openxmlformats.org/officeDocument/2006/math">
                     <m:oMathParaPr>
@@ -12178,7 +12330,7 @@
             </p:txBody>
           </p:sp>
         </mc:Choice>
-        <mc:Fallback>
+        <mc:Fallback xmlns="">
           <p:sp>
             <p:nvSpPr>
               <p:cNvPr id="15" name="TextBox 14">
@@ -12223,8 +12375,8 @@
           </p:sp>
         </mc:Fallback>
       </mc:AlternateContent>
-      <mc:AlternateContent xmlns:mc="http://schemas.openxmlformats.org/markup-compatibility/2006">
-        <mc:Choice xmlns:a14="http://schemas.microsoft.com/office/drawing/2010/main" Requires="a14">
+      <mc:AlternateContent xmlns:mc="http://schemas.openxmlformats.org/markup-compatibility/2006" xmlns:a14="http://schemas.microsoft.com/office/drawing/2010/main">
+        <mc:Choice Requires="a14">
           <p:sp>
             <p:nvSpPr>
               <p:cNvPr id="16" name="TextBox 15">
@@ -12253,6 +12405,7 @@
               </a:bodyPr>
               <a:lstStyle/>
               <a:p>
+                <a:pPr/>
                 <a14:m>
                   <m:oMathPara xmlns:m="http://schemas.openxmlformats.org/officeDocument/2006/math">
                     <m:oMathParaPr>
@@ -12292,7 +12445,7 @@
             </p:txBody>
           </p:sp>
         </mc:Choice>
-        <mc:Fallback>
+        <mc:Fallback xmlns="">
           <p:sp>
             <p:nvSpPr>
               <p:cNvPr id="16" name="TextBox 15">
@@ -12337,8 +12490,8 @@
           </p:sp>
         </mc:Fallback>
       </mc:AlternateContent>
-      <mc:AlternateContent xmlns:mc="http://schemas.openxmlformats.org/markup-compatibility/2006">
-        <mc:Choice xmlns:a14="http://schemas.microsoft.com/office/drawing/2010/main" Requires="a14">
+      <mc:AlternateContent xmlns:mc="http://schemas.openxmlformats.org/markup-compatibility/2006" xmlns:a14="http://schemas.microsoft.com/office/drawing/2010/main">
+        <mc:Choice Requires="a14">
           <p:sp>
             <p:nvSpPr>
               <p:cNvPr id="17" name="TextBox 16">
@@ -12367,6 +12520,7 @@
               </a:bodyPr>
               <a:lstStyle/>
               <a:p>
+                <a:pPr/>
                 <a14:m>
                   <m:oMathPara xmlns:m="http://schemas.openxmlformats.org/officeDocument/2006/math">
                     <m:oMathParaPr>
@@ -12406,7 +12560,7 @@
             </p:txBody>
           </p:sp>
         </mc:Choice>
-        <mc:Fallback>
+        <mc:Fallback xmlns="">
           <p:sp>
             <p:nvSpPr>
               <p:cNvPr id="17" name="TextBox 16">
@@ -12619,8 +12773,8 @@
           </a:fontRef>
         </p:style>
       </p:cxnSp>
-      <mc:AlternateContent xmlns:mc="http://schemas.openxmlformats.org/markup-compatibility/2006">
-        <mc:Choice xmlns:a14="http://schemas.microsoft.com/office/drawing/2010/main" Requires="a14">
+      <mc:AlternateContent xmlns:mc="http://schemas.openxmlformats.org/markup-compatibility/2006" xmlns:a14="http://schemas.microsoft.com/office/drawing/2010/main">
+        <mc:Choice Requires="a14">
           <p:sp>
             <p:nvSpPr>
               <p:cNvPr id="26" name="TextBox 25">
@@ -12649,6 +12803,7 @@
               </a:bodyPr>
               <a:lstStyle/>
               <a:p>
+                <a:pPr/>
                 <a14:m>
                   <m:oMathPara xmlns:m="http://schemas.openxmlformats.org/officeDocument/2006/math">
                     <m:oMathParaPr>
@@ -12688,7 +12843,7 @@
             </p:txBody>
           </p:sp>
         </mc:Choice>
-        <mc:Fallback>
+        <mc:Fallback xmlns="">
           <p:sp>
             <p:nvSpPr>
               <p:cNvPr id="26" name="TextBox 25">
@@ -12733,8 +12888,8 @@
           </p:sp>
         </mc:Fallback>
       </mc:AlternateContent>
-      <mc:AlternateContent xmlns:mc="http://schemas.openxmlformats.org/markup-compatibility/2006">
-        <mc:Choice xmlns:a14="http://schemas.microsoft.com/office/drawing/2010/main" Requires="a14">
+      <mc:AlternateContent xmlns:mc="http://schemas.openxmlformats.org/markup-compatibility/2006" xmlns:a14="http://schemas.microsoft.com/office/drawing/2010/main">
+        <mc:Choice Requires="a14">
           <p:sp>
             <p:nvSpPr>
               <p:cNvPr id="27" name="TextBox 26">
@@ -12763,6 +12918,7 @@
               </a:bodyPr>
               <a:lstStyle/>
               <a:p>
+                <a:pPr/>
                 <a14:m>
                   <m:oMathPara xmlns:m="http://schemas.openxmlformats.org/officeDocument/2006/math">
                     <m:oMathParaPr>
@@ -12802,7 +12958,7 @@
             </p:txBody>
           </p:sp>
         </mc:Choice>
-        <mc:Fallback>
+        <mc:Fallback xmlns="">
           <p:sp>
             <p:nvSpPr>
               <p:cNvPr id="27" name="TextBox 26">
@@ -12847,8 +13003,8 @@
           </p:sp>
         </mc:Fallback>
       </mc:AlternateContent>
-      <mc:AlternateContent xmlns:mc="http://schemas.openxmlformats.org/markup-compatibility/2006">
-        <mc:Choice xmlns:a14="http://schemas.microsoft.com/office/drawing/2010/main" Requires="a14">
+      <mc:AlternateContent xmlns:mc="http://schemas.openxmlformats.org/markup-compatibility/2006" xmlns:a14="http://schemas.microsoft.com/office/drawing/2010/main">
+        <mc:Choice Requires="a14">
           <p:sp>
             <p:nvSpPr>
               <p:cNvPr id="28" name="TextBox 27">
@@ -12877,6 +13033,7 @@
               </a:bodyPr>
               <a:lstStyle/>
               <a:p>
+                <a:pPr/>
                 <a14:m>
                   <m:oMathPara xmlns:m="http://schemas.openxmlformats.org/officeDocument/2006/math">
                     <m:oMathParaPr>
@@ -12916,7 +13073,7 @@
             </p:txBody>
           </p:sp>
         </mc:Choice>
-        <mc:Fallback>
+        <mc:Fallback xmlns="">
           <p:sp>
             <p:nvSpPr>
               <p:cNvPr id="28" name="TextBox 27">
@@ -13027,8 +13184,8 @@
           </a:p>
         </p:txBody>
       </p:sp>
-      <mc:AlternateContent xmlns:mc="http://schemas.openxmlformats.org/markup-compatibility/2006">
-        <mc:Choice xmlns:a14="http://schemas.microsoft.com/office/drawing/2010/main" Requires="a14">
+      <mc:AlternateContent xmlns:mc="http://schemas.openxmlformats.org/markup-compatibility/2006" xmlns:a14="http://schemas.microsoft.com/office/drawing/2010/main">
+        <mc:Choice Requires="a14">
           <p:sp>
             <p:nvSpPr>
               <p:cNvPr id="4" name="TextBox 3">
@@ -13043,7 +13200,7 @@
             </p:nvSpPr>
             <p:spPr>
               <a:xfrm>
-                <a:off x="3045495" y="1799809"/>
+                <a:off x="3045493" y="2371932"/>
                 <a:ext cx="3091551" cy="525272"/>
               </a:xfrm>
               <a:prstGeom prst="rect">
@@ -13057,6 +13214,7 @@
               </a:bodyPr>
               <a:lstStyle/>
               <a:p>
+                <a:pPr/>
                 <a14:m>
                   <m:oMathPara xmlns:m="http://schemas.openxmlformats.org/officeDocument/2006/math">
                     <m:oMathParaPr>
@@ -13283,7 +13441,7 @@
             </p:txBody>
           </p:sp>
         </mc:Choice>
-        <mc:Fallback>
+        <mc:Fallback xmlns="">
           <p:sp>
             <p:nvSpPr>
               <p:cNvPr id="4" name="TextBox 3">
@@ -13300,7 +13458,7 @@
             </p:nvSpPr>
             <p:spPr>
               <a:xfrm>
-                <a:off x="3045495" y="1799809"/>
+                <a:off x="3045493" y="2371932"/>
                 <a:ext cx="3091551" cy="525272"/>
               </a:xfrm>
               <a:prstGeom prst="rect">
@@ -13350,7 +13508,7 @@
         </p:blipFill>
         <p:spPr>
           <a:xfrm>
-            <a:off x="844302" y="2690459"/>
+            <a:off x="833544" y="3081119"/>
             <a:ext cx="7515451" cy="3015634"/>
           </a:xfrm>
           <a:prstGeom prst="rect">
@@ -13577,8 +13735,8 @@
           </a:p>
         </p:txBody>
       </p:sp>
-      <mc:AlternateContent xmlns:mc="http://schemas.openxmlformats.org/markup-compatibility/2006">
-        <mc:Choice xmlns:a14="http://schemas.microsoft.com/office/drawing/2010/main" Requires="a14">
+      <mc:AlternateContent xmlns:mc="http://schemas.openxmlformats.org/markup-compatibility/2006" xmlns:a14="http://schemas.microsoft.com/office/drawing/2010/main">
+        <mc:Choice Requires="a14">
           <p:sp>
             <p:nvSpPr>
               <p:cNvPr id="7" name="TextBox 6">
@@ -13607,6 +13765,7 @@
               </a:bodyPr>
               <a:lstStyle/>
               <a:p>
+                <a:pPr/>
                 <a14:m>
                   <m:oMathPara xmlns:m="http://schemas.openxmlformats.org/officeDocument/2006/math">
                     <m:oMathParaPr>
@@ -13764,7 +13923,7 @@
             </p:txBody>
           </p:sp>
         </mc:Choice>
-        <mc:Fallback>
+        <mc:Fallback xmlns="">
           <p:sp>
             <p:nvSpPr>
               <p:cNvPr id="7" name="TextBox 6">

--- a/doc/tdk.pptx
+++ b/doc/tdk.pptx
@@ -5,7 +5,7 @@
     <p:sldMasterId id="2147483671" r:id="rId1"/>
   </p:sldMasterIdLst>
   <p:notesMasterIdLst>
-    <p:notesMasterId r:id="rId19"/>
+    <p:notesMasterId r:id="rId20"/>
   </p:notesMasterIdLst>
   <p:sldIdLst>
     <p:sldId id="256" r:id="rId2"/>
@@ -23,8 +23,9 @@
     <p:sldId id="268" r:id="rId14"/>
     <p:sldId id="269" r:id="rId15"/>
     <p:sldId id="270" r:id="rId16"/>
-    <p:sldId id="271" r:id="rId17"/>
-    <p:sldId id="272" r:id="rId18"/>
+    <p:sldId id="274" r:id="rId17"/>
+    <p:sldId id="271" r:id="rId18"/>
+    <p:sldId id="272" r:id="rId19"/>
   </p:sldIdLst>
   <p:sldSz cx="9144000" cy="6858000" type="screen4x3"/>
   <p:notesSz cx="6858000" cy="9144000"/>
@@ -217,7 +218,7 @@
           <a:p>
             <a:fld id="{BEDC94E2-AC39-4BD8-A1F5-4456F3D6B430}" type="datetimeFigureOut">
               <a:rPr lang="hu-HU" smtClean="0"/>
-              <a:t>2017. 11. 02.</a:t>
+              <a:t>2017. 11. 11.</a:t>
             </a:fld>
             <a:endParaRPr lang="hu-HU"/>
           </a:p>
@@ -529,7 +530,72 @@
           <a:bodyPr/>
           <a:lstStyle/>
           <a:p>
-            <a:endParaRPr lang="hu-HU" dirty="0"/>
+            <a:r>
+              <a:rPr lang="hu-HU" dirty="0"/>
+              <a:t>Tartalom:</a:t>
+            </a:r>
+          </a:p>
+          <a:p>
+            <a:r>
+              <a:rPr lang="hu-HU" dirty="0"/>
+              <a:t>Bevezetés a chatbotokhoz</a:t>
+            </a:r>
+          </a:p>
+          <a:p>
+            <a:r>
+              <a:rPr lang="hu-HU" dirty="0" err="1"/>
+              <a:t>Enkóder</a:t>
+            </a:r>
+            <a:r>
+              <a:rPr lang="hu-HU" dirty="0"/>
+              <a:t>-dekóder modell</a:t>
+            </a:r>
+          </a:p>
+          <a:p>
+            <a:r>
+              <a:rPr lang="hu-HU" dirty="0" err="1"/>
+              <a:t>Transformer</a:t>
+            </a:r>
+            <a:r>
+              <a:rPr lang="hu-HU" dirty="0"/>
+              <a:t> modell -&gt; saját </a:t>
+            </a:r>
+            <a:r>
+              <a:rPr lang="hu-HU" dirty="0" err="1"/>
+              <a:t>kontribúció</a:t>
+            </a:r>
+            <a:r>
+              <a:rPr lang="hu-HU" dirty="0"/>
+              <a:t>: </a:t>
+            </a:r>
+            <a:r>
+              <a:rPr lang="hu-HU" dirty="0" err="1"/>
+              <a:t>transformer</a:t>
+            </a:r>
+            <a:r>
+              <a:rPr lang="hu-HU" dirty="0"/>
+              <a:t> egy új </a:t>
+            </a:r>
+            <a:r>
+              <a:rPr lang="hu-HU" dirty="0" err="1"/>
+              <a:t>model</a:t>
+            </a:r>
+            <a:r>
+              <a:rPr lang="hu-HU" dirty="0"/>
+              <a:t> amit én először próbálok ki két dialógus adattal is</a:t>
+            </a:r>
+          </a:p>
+          <a:p>
+            <a:r>
+              <a:rPr lang="hu-HU" dirty="0"/>
+              <a:t>Eredmények</a:t>
+            </a:r>
+          </a:p>
+          <a:p>
+            <a:r>
+              <a:rPr lang="hu-HU" dirty="0"/>
+              <a:t>Problémák és jövőbeli tervek</a:t>
+            </a:r>
           </a:p>
         </p:txBody>
       </p:sp>
@@ -550,7 +616,7 @@
           <a:p>
             <a:fld id="{41A90325-8D64-4826-AA68-2E98B322FAA0}" type="slidenum">
               <a:rPr lang="hu-HU" smtClean="0"/>
-              <a:t>2</a:t>
+              <a:t>1</a:t>
             </a:fld>
             <a:endParaRPr lang="hu-HU"/>
           </a:p>
@@ -559,7 +625,7 @@
     </p:spTree>
     <p:extLst>
       <p:ext uri="{BB962C8B-B14F-4D97-AF65-F5344CB8AC3E}">
-        <p14:creationId xmlns:p14="http://schemas.microsoft.com/office/powerpoint/2010/main" val="1977420259"/>
+        <p14:creationId xmlns:p14="http://schemas.microsoft.com/office/powerpoint/2010/main" val="179863759"/>
       </p:ext>
     </p:extLst>
   </p:cSld>
@@ -615,64 +681,91 @@
           <a:p>
             <a:r>
               <a:rPr lang="hu-HU" dirty="0"/>
-              <a:t>Ezek ilyen általános kérdések, mindegyik modell egész jól teljesít</a:t>
-            </a:r>
-          </a:p>
-          <a:p>
-            <a:r>
-              <a:rPr lang="hu-HU" dirty="0"/>
-              <a:t>Érdekesség: 	sir </a:t>
+              <a:t>Ezek a metrikák azt mérik, hogy mennyire hasonlóak a generált mondatok a </a:t>
             </a:r>
             <a:r>
               <a:rPr lang="hu-HU" dirty="0" err="1"/>
-              <a:t>robin</a:t>
-            </a:r>
-            <a:r>
-              <a:rPr lang="hu-HU" dirty="0"/>
-              <a:t> of </a:t>
+              <a:t>targetekhez</a:t>
+            </a:r>
+            <a:r>
+              <a:rPr lang="hu-HU" dirty="0"/>
+              <a:t>, </a:t>
             </a:r>
             <a:r>
               <a:rPr lang="hu-HU" dirty="0" err="1"/>
-              <a:t>camelot</a:t>
-            </a:r>
-            <a:endParaRPr lang="hu-HU" dirty="0"/>
-          </a:p>
-          <a:p>
-            <a:r>
-              <a:rPr lang="hu-HU" dirty="0"/>
-              <a:t>	</a:t>
+              <a:t>perplexity</a:t>
+            </a:r>
+            <a:r>
+              <a:rPr lang="hu-HU" dirty="0"/>
+              <a:t> minél kisebb annál jobb, </a:t>
             </a:r>
             <a:r>
               <a:rPr lang="hu-HU" dirty="0" err="1"/>
-              <a:t>where</a:t>
-            </a:r>
-            <a:r>
-              <a:rPr lang="hu-HU" dirty="0"/>
-              <a:t> </a:t>
+              <a:t>bleu</a:t>
+            </a:r>
+            <a:r>
+              <a:rPr lang="hu-HU" dirty="0"/>
+              <a:t> minél magasabb annál jobb</a:t>
+            </a:r>
+          </a:p>
+          <a:p>
+            <a:r>
+              <a:rPr lang="hu-HU" dirty="0"/>
+              <a:t>Elmagyarázni a különböző tanítási procedúrákat (s2s egy sima </a:t>
             </a:r>
             <a:r>
               <a:rPr lang="hu-HU" dirty="0" err="1"/>
-              <a:t>you</a:t>
-            </a:r>
-            <a:r>
-              <a:rPr lang="hu-HU" dirty="0"/>
-              <a:t> </a:t>
+              <a:t>rnn</a:t>
+            </a:r>
+            <a:r>
+              <a:rPr lang="hu-HU" dirty="0"/>
+              <a:t> alapú </a:t>
             </a:r>
             <a:r>
               <a:rPr lang="hu-HU" dirty="0" err="1"/>
-              <a:t>off</a:t>
-            </a:r>
-            <a:r>
-              <a:rPr lang="hu-HU" dirty="0"/>
-              <a:t> </a:t>
+              <a:t>enkóder</a:t>
+            </a:r>
+            <a:r>
+              <a:rPr lang="hu-HU" dirty="0"/>
+              <a:t> dekóder </a:t>
             </a:r>
             <a:r>
               <a:rPr lang="hu-HU" dirty="0" err="1"/>
-              <a:t>to</a:t>
-            </a:r>
-            <a:r>
-              <a:rPr lang="hu-HU" dirty="0"/>
-              <a:t>?</a:t>
+              <a:t>baseline</a:t>
+            </a:r>
+            <a:r>
+              <a:rPr lang="hu-HU" dirty="0"/>
+              <a:t>)</a:t>
+            </a:r>
+          </a:p>
+          <a:p>
+            <a:r>
+              <a:rPr lang="hu-HU" dirty="0"/>
+              <a:t>Magyarázatokat adni, hogy az </a:t>
+            </a:r>
+            <a:r>
+              <a:rPr lang="hu-HU" dirty="0" err="1"/>
+              <a:t>opensubtitles</a:t>
+            </a:r>
+            <a:r>
+              <a:rPr lang="hu-HU" dirty="0"/>
+              <a:t> mér lett a legjobb pedig generikusakat generál amint majd látni fogjuk, és a </a:t>
+            </a:r>
+            <a:r>
+              <a:rPr lang="hu-HU" dirty="0" err="1"/>
+              <a:t>finetuneolt</a:t>
+            </a:r>
+            <a:r>
+              <a:rPr lang="hu-HU" dirty="0"/>
+              <a:t> jobb, mégis </a:t>
+            </a:r>
+            <a:r>
+              <a:rPr lang="hu-HU" dirty="0" err="1"/>
+              <a:t>rosszabbul</a:t>
+            </a:r>
+            <a:r>
+              <a:rPr lang="hu-HU" dirty="0"/>
+              <a:t> teljesít a metrikákon. (rossz veszteség függvény miatt)</a:t>
             </a:r>
           </a:p>
         </p:txBody>
@@ -694,7 +787,7 @@
           <a:p>
             <a:fld id="{41A90325-8D64-4826-AA68-2E98B322FAA0}" type="slidenum">
               <a:rPr lang="hu-HU" smtClean="0"/>
-              <a:t>11</a:t>
+              <a:t>10</a:t>
             </a:fld>
             <a:endParaRPr lang="hu-HU"/>
           </a:p>
@@ -703,7 +796,7 @@
     </p:spTree>
     <p:extLst>
       <p:ext uri="{BB962C8B-B14F-4D97-AF65-F5344CB8AC3E}">
-        <p14:creationId xmlns:p14="http://schemas.microsoft.com/office/powerpoint/2010/main" val="3699643770"/>
+        <p14:creationId xmlns:p14="http://schemas.microsoft.com/office/powerpoint/2010/main" val="1968002307"/>
       </p:ext>
     </p:extLst>
   </p:cSld>
@@ -759,27 +852,125 @@
           <a:p>
             <a:r>
               <a:rPr lang="hu-HU" dirty="0"/>
-              <a:t>Általános tudást mérő kérdések</a:t>
-            </a:r>
-          </a:p>
-          <a:p>
-            <a:r>
-              <a:rPr lang="hu-HU" dirty="0"/>
-              <a:t>Látható, hogy a </a:t>
+              <a:t>Példa mondatok azok az S2S cikkből vannak, ott válogatták ki őket </a:t>
             </a:r>
             <a:r>
               <a:rPr lang="hu-HU" dirty="0" err="1"/>
-              <a:t>finetunolt</a:t>
-            </a:r>
-            <a:r>
-              <a:rPr lang="hu-HU" dirty="0"/>
-              <a:t> sokkal jobban teljesít mint a sima </a:t>
+              <a:t>evaluálásra</a:t>
+            </a:r>
+            <a:r>
+              <a:rPr lang="hu-HU" dirty="0"/>
+              <a:t> (nem csak égből kapott)</a:t>
+            </a:r>
+          </a:p>
+          <a:p>
+            <a:r>
+              <a:rPr lang="hu-HU" dirty="0"/>
+              <a:t>Ezek ilyen általános kérdések, mindegyik modell egész jól teljesít</a:t>
+            </a:r>
+          </a:p>
+          <a:p>
+            <a:r>
+              <a:rPr lang="hu-HU" dirty="0"/>
+              <a:t>Érdekesség: 	sir </a:t>
             </a:r>
             <a:r>
               <a:rPr lang="hu-HU" dirty="0" err="1"/>
-              <a:t>opensubtitles</a:t>
+              <a:t>robin</a:t>
+            </a:r>
+            <a:r>
+              <a:rPr lang="hu-HU" dirty="0"/>
+              <a:t> of </a:t>
+            </a:r>
+            <a:r>
+              <a:rPr lang="hu-HU" dirty="0" err="1"/>
+              <a:t>camelot</a:t>
             </a:r>
             <a:endParaRPr lang="hu-HU" dirty="0"/>
+          </a:p>
+          <a:p>
+            <a:r>
+              <a:rPr lang="hu-HU" dirty="0"/>
+              <a:t>	</a:t>
+            </a:r>
+            <a:r>
+              <a:rPr lang="hu-HU" dirty="0" err="1"/>
+              <a:t>my</a:t>
+            </a:r>
+            <a:r>
+              <a:rPr lang="hu-HU" dirty="0"/>
+              <a:t> </a:t>
+            </a:r>
+            <a:r>
+              <a:rPr lang="hu-HU" dirty="0" err="1"/>
+              <a:t>father</a:t>
+            </a:r>
+            <a:r>
+              <a:rPr lang="hu-HU" dirty="0"/>
+              <a:t> </a:t>
+            </a:r>
+            <a:r>
+              <a:rPr lang="hu-HU" dirty="0" err="1"/>
+              <a:t>was</a:t>
+            </a:r>
+            <a:r>
+              <a:rPr lang="hu-HU" dirty="0"/>
+              <a:t> </a:t>
+            </a:r>
+            <a:r>
+              <a:rPr lang="hu-HU" dirty="0" err="1"/>
+              <a:t>the</a:t>
+            </a:r>
+            <a:r>
+              <a:rPr lang="hu-HU" dirty="0"/>
+              <a:t> </a:t>
+            </a:r>
+            <a:r>
+              <a:rPr lang="hu-HU" dirty="0" err="1"/>
+              <a:t>paper</a:t>
+            </a:r>
+            <a:r>
+              <a:rPr lang="hu-HU" dirty="0"/>
+              <a:t> . (teljesen rossz válasz)</a:t>
+            </a:r>
+          </a:p>
+          <a:p>
+            <a:r>
+              <a:rPr lang="hu-HU" dirty="0"/>
+              <a:t>	</a:t>
+            </a:r>
+            <a:r>
+              <a:rPr lang="hu-HU" dirty="0" err="1"/>
+              <a:t>where</a:t>
+            </a:r>
+            <a:r>
+              <a:rPr lang="hu-HU" dirty="0"/>
+              <a:t> </a:t>
+            </a:r>
+            <a:r>
+              <a:rPr lang="hu-HU" dirty="0" err="1"/>
+              <a:t>you</a:t>
+            </a:r>
+            <a:r>
+              <a:rPr lang="hu-HU" dirty="0"/>
+              <a:t> </a:t>
+            </a:r>
+            <a:r>
+              <a:rPr lang="hu-HU" dirty="0" err="1"/>
+              <a:t>off</a:t>
+            </a:r>
+            <a:r>
+              <a:rPr lang="hu-HU" dirty="0"/>
+              <a:t> </a:t>
+            </a:r>
+            <a:r>
+              <a:rPr lang="hu-HU" dirty="0" err="1"/>
+              <a:t>to</a:t>
+            </a:r>
+            <a:r>
+              <a:rPr lang="hu-HU" dirty="0"/>
+              <a:t>?</a:t>
+            </a:r>
           </a:p>
         </p:txBody>
       </p:sp>
@@ -800,7 +991,7 @@
           <a:p>
             <a:fld id="{41A90325-8D64-4826-AA68-2E98B322FAA0}" type="slidenum">
               <a:rPr lang="hu-HU" smtClean="0"/>
-              <a:t>12</a:t>
+              <a:t>11</a:t>
             </a:fld>
             <a:endParaRPr lang="hu-HU"/>
           </a:p>
@@ -809,7 +1000,7 @@
     </p:spTree>
     <p:extLst>
       <p:ext uri="{BB962C8B-B14F-4D97-AF65-F5344CB8AC3E}">
-        <p14:creationId xmlns:p14="http://schemas.microsoft.com/office/powerpoint/2010/main" val="588060055"/>
+        <p14:creationId xmlns:p14="http://schemas.microsoft.com/office/powerpoint/2010/main" val="3699643770"/>
       </p:ext>
     </p:extLst>
   </p:cSld>
@@ -865,81 +1056,32 @@
           <a:p>
             <a:r>
               <a:rPr lang="hu-HU" dirty="0"/>
-              <a:t>Megmagyarázni, hogy </a:t>
+              <a:t>Általános tudást mérő kérdések</a:t>
+            </a:r>
+          </a:p>
+          <a:p>
+            <a:r>
+              <a:rPr lang="hu-HU" dirty="0"/>
+              <a:t>Látható, hogy a </a:t>
             </a:r>
             <a:r>
               <a:rPr lang="hu-HU" dirty="0" err="1"/>
-              <a:t>ben</a:t>
-            </a:r>
-            <a:r>
-              <a:rPr lang="hu-HU" dirty="0"/>
-              <a:t> és </a:t>
+              <a:t>finetunolt</a:t>
+            </a:r>
+            <a:r>
+              <a:rPr lang="hu-HU" dirty="0"/>
+              <a:t> sokkal jobban teljesít mint a sima </a:t>
             </a:r>
             <a:r>
               <a:rPr lang="hu-HU" dirty="0" err="1"/>
-              <a:t>mrs.</a:t>
-            </a:r>
-            <a:r>
-              <a:rPr lang="hu-HU" dirty="0"/>
-              <a:t> Robinson két szereplő azonos filmből</a:t>
-            </a:r>
-          </a:p>
-          <a:p>
-            <a:r>
-              <a:rPr lang="hu-HU" dirty="0" err="1"/>
-              <a:t>Differentnél</a:t>
-            </a:r>
-            <a:r>
-              <a:rPr lang="hu-HU" dirty="0"/>
-              <a:t> olyan neveket adtam be akik nem azonos filmben szerepelnek, de még így </a:t>
-            </a:r>
-            <a:r>
-              <a:rPr lang="hu-HU" dirty="0" err="1"/>
-              <a:t>benjaminnal</a:t>
-            </a:r>
-            <a:r>
-              <a:rPr lang="hu-HU" dirty="0"/>
-              <a:t> válaszol a </a:t>
-            </a:r>
-            <a:r>
-              <a:rPr lang="hu-HU" dirty="0" err="1"/>
-              <a:t>see</a:t>
-            </a:r>
-            <a:r>
-              <a:rPr lang="hu-HU" dirty="0"/>
-              <a:t> </a:t>
-            </a:r>
-            <a:r>
-              <a:rPr lang="hu-HU" dirty="0" err="1"/>
-              <a:t>you</a:t>
-            </a:r>
-            <a:r>
-              <a:rPr lang="hu-HU" dirty="0"/>
-              <a:t> </a:t>
-            </a:r>
-            <a:r>
-              <a:rPr lang="hu-HU" dirty="0" err="1"/>
-              <a:t>laterre</a:t>
-            </a:r>
-            <a:r>
-              <a:rPr lang="hu-HU" dirty="0"/>
-              <a:t>, mert </a:t>
-            </a:r>
-            <a:r>
-              <a:rPr lang="hu-HU" dirty="0" err="1"/>
-              <a:t>benjamin</a:t>
-            </a:r>
-            <a:r>
-              <a:rPr lang="hu-HU" dirty="0"/>
-              <a:t> az egyik (+</a:t>
-            </a:r>
-            <a:r>
-              <a:rPr lang="hu-HU" dirty="0" err="1"/>
-              <a:t>mrs.</a:t>
-            </a:r>
-            <a:r>
-              <a:rPr lang="hu-HU" dirty="0"/>
-              <a:t> Robinson)</a:t>
+              <a:t>opensubtitles</a:t>
+            </a:r>
+            <a:endParaRPr lang="hu-HU" dirty="0"/>
+          </a:p>
+          <a:p>
+            <a:r>
+              <a:rPr lang="hu-HU" dirty="0"/>
+              <a:t>Szín kérdésekre színekkel, mennyiségi kérdésekre számokkal válaszol (kiemelni konkrét példákat)</a:t>
             </a:r>
           </a:p>
         </p:txBody>
@@ -961,7 +1103,7 @@
           <a:p>
             <a:fld id="{41A90325-8D64-4826-AA68-2E98B322FAA0}" type="slidenum">
               <a:rPr lang="hu-HU" smtClean="0"/>
-              <a:t>13</a:t>
+              <a:t>12</a:t>
             </a:fld>
             <a:endParaRPr lang="hu-HU"/>
           </a:p>
@@ -970,7 +1112,7 @@
     </p:spTree>
     <p:extLst>
       <p:ext uri="{BB962C8B-B14F-4D97-AF65-F5344CB8AC3E}">
-        <p14:creationId xmlns:p14="http://schemas.microsoft.com/office/powerpoint/2010/main" val="2470105798"/>
+        <p14:creationId xmlns:p14="http://schemas.microsoft.com/office/powerpoint/2010/main" val="588060055"/>
       </p:ext>
     </p:extLst>
   </p:cSld>
@@ -1026,55 +1168,89 @@
           <a:p>
             <a:r>
               <a:rPr lang="hu-HU" dirty="0"/>
-              <a:t>A s2s </a:t>
+              <a:t>Megmagyarázni, hogy </a:t>
             </a:r>
             <a:r>
               <a:rPr lang="hu-HU" dirty="0" err="1"/>
-              <a:t>baseline</a:t>
-            </a:r>
-            <a:r>
-              <a:rPr lang="hu-HU" dirty="0"/>
-              <a:t> sokkal nagyobb volt. Semmilyen </a:t>
+              <a:t>ben</a:t>
+            </a:r>
+            <a:r>
+              <a:rPr lang="hu-HU" dirty="0"/>
+              <a:t> és </a:t>
             </a:r>
             <a:r>
               <a:rPr lang="hu-HU" dirty="0" err="1"/>
-              <a:t>hiperparamétert</a:t>
-            </a:r>
-            <a:r>
-              <a:rPr lang="hu-HU" dirty="0"/>
-              <a:t> nem állítottam hanem egy az egyben átvettem nmt-</a:t>
+              <a:t>mrs.</a:t>
+            </a:r>
+            <a:r>
+              <a:rPr lang="hu-HU" dirty="0"/>
+              <a:t> Robinson két szereplő azonos filmből, és hogy a </a:t>
             </a:r>
             <a:r>
               <a:rPr lang="hu-HU" dirty="0" err="1"/>
-              <a:t>től</a:t>
-            </a:r>
-            <a:r>
-              <a:rPr lang="hu-HU" dirty="0"/>
-              <a:t> a </a:t>
-            </a:r>
+              <a:t>matching</a:t>
+            </a:r>
+            <a:r>
+              <a:rPr lang="hu-HU" dirty="0"/>
+              <a:t> párosítás a megfelelő névvel válaszol</a:t>
+            </a:r>
+          </a:p>
+          <a:p>
             <a:r>
               <a:rPr lang="hu-HU" dirty="0" err="1"/>
-              <a:t>transformert</a:t>
-            </a:r>
-            <a:r>
-              <a:rPr lang="hu-HU" dirty="0"/>
-              <a:t>.</a:t>
-            </a:r>
-          </a:p>
-          <a:p>
-            <a:r>
-              <a:rPr lang="hu-HU" dirty="0"/>
-              <a:t> -&gt; ezeket a jövőben kipróbálni</a:t>
-            </a:r>
-          </a:p>
-          <a:p>
+              <a:t>Differentnél</a:t>
+            </a:r>
+            <a:r>
+              <a:rPr lang="hu-HU" dirty="0"/>
+              <a:t> olyan neveket adtam be akik nem azonos filmben szerepelnek, de még így </a:t>
+            </a:r>
             <a:r>
               <a:rPr lang="hu-HU" dirty="0" err="1"/>
-              <a:t>Cornellesen</a:t>
-            </a:r>
-            <a:r>
-              <a:rPr lang="hu-HU" dirty="0"/>
-              <a:t> overfitelt, ezért lettek jobb eredmények, ez azt mutatja, hogy maga a veszteség függvény se méri jól hogy mennyire jó a modell a validációs adaton, hisz preferálja az átlagos, unalmas válaszokat</a:t>
+              <a:t>benjaminnal</a:t>
+            </a:r>
+            <a:r>
+              <a:rPr lang="hu-HU" dirty="0"/>
+              <a:t> válaszol a </a:t>
+            </a:r>
+            <a:r>
+              <a:rPr lang="hu-HU" dirty="0" err="1"/>
+              <a:t>see</a:t>
+            </a:r>
+            <a:r>
+              <a:rPr lang="hu-HU" dirty="0"/>
+              <a:t> </a:t>
+            </a:r>
+            <a:r>
+              <a:rPr lang="hu-HU" dirty="0" err="1"/>
+              <a:t>you</a:t>
+            </a:r>
+            <a:r>
+              <a:rPr lang="hu-HU" dirty="0"/>
+              <a:t> </a:t>
+            </a:r>
+            <a:r>
+              <a:rPr lang="hu-HU" dirty="0" err="1"/>
+              <a:t>laterre</a:t>
+            </a:r>
+            <a:r>
+              <a:rPr lang="hu-HU" dirty="0"/>
+              <a:t>, mert </a:t>
+            </a:r>
+            <a:r>
+              <a:rPr lang="hu-HU" dirty="0" err="1"/>
+              <a:t>benjamin</a:t>
+            </a:r>
+            <a:r>
+              <a:rPr lang="hu-HU" dirty="0"/>
+              <a:t> az egyik (+</a:t>
+            </a:r>
+            <a:r>
+              <a:rPr lang="hu-HU" dirty="0" err="1"/>
+              <a:t>mrs.</a:t>
+            </a:r>
+            <a:r>
+              <a:rPr lang="hu-HU" dirty="0"/>
+              <a:t> Robinson)</a:t>
             </a:r>
           </a:p>
         </p:txBody>
@@ -1096,7 +1272,7 @@
           <a:p>
             <a:fld id="{41A90325-8D64-4826-AA68-2E98B322FAA0}" type="slidenum">
               <a:rPr lang="hu-HU" smtClean="0"/>
-              <a:t>14</a:t>
+              <a:t>13</a:t>
             </a:fld>
             <a:endParaRPr lang="hu-HU"/>
           </a:p>
@@ -1105,7 +1281,7 @@
     </p:spTree>
     <p:extLst>
       <p:ext uri="{BB962C8B-B14F-4D97-AF65-F5344CB8AC3E}">
-        <p14:creationId xmlns:p14="http://schemas.microsoft.com/office/powerpoint/2010/main" val="4142112210"/>
+        <p14:creationId xmlns:p14="http://schemas.microsoft.com/office/powerpoint/2010/main" val="2470105798"/>
       </p:ext>
     </p:extLst>
   </p:cSld>
@@ -1161,46 +1337,55 @@
           <a:p>
             <a:r>
               <a:rPr lang="hu-HU" dirty="0"/>
-              <a:t>Egy beszélgetés sok mindenen alapszik, ezeken mind kondicionálni kéne a tanítást, mert a veszteség függvény egy bemenetre egy adott kimenetet akar. Ha több dolgon kondicionálunk akkor a veszteség függvény alapján a modell is megtanul érdekesebb válaszokat adni.</a:t>
-            </a:r>
-          </a:p>
-          <a:p>
-            <a:r>
-              <a:rPr lang="hu-HU" dirty="0"/>
-              <a:t>Egy egyszerű kérdésre nagyon sok féle válasz létezhet amik mind más-más tényezőktől függenek</a:t>
-            </a:r>
-          </a:p>
-          <a:p>
-            <a:endParaRPr lang="hu-HU" dirty="0"/>
-          </a:p>
-          <a:p>
-            <a:r>
-              <a:rPr lang="hu-HU" dirty="0"/>
-              <a:t>János – haver</a:t>
-            </a:r>
-          </a:p>
-          <a:p>
-            <a:r>
-              <a:rPr lang="hu-HU" dirty="0"/>
-              <a:t>Ricsi – de ne zavarjon</a:t>
-            </a:r>
-          </a:p>
-          <a:p>
-            <a:r>
-              <a:rPr lang="hu-HU" dirty="0"/>
-              <a:t>Beszélgetés előzmény – gyors témaváltás</a:t>
-            </a:r>
-          </a:p>
-          <a:p>
-            <a:r>
-              <a:rPr lang="hu-HU" dirty="0"/>
-              <a:t>Külső tényező / kérdés – amúgy majdnem elütött egy autó az előbb</a:t>
-            </a:r>
-          </a:p>
-          <a:p>
-            <a:r>
-              <a:rPr lang="hu-HU" dirty="0"/>
-              <a:t>Hangulat - :D</a:t>
+              <a:t>A s2s </a:t>
+            </a:r>
+            <a:r>
+              <a:rPr lang="hu-HU" dirty="0" err="1"/>
+              <a:t>baseline</a:t>
+            </a:r>
+            <a:r>
+              <a:rPr lang="hu-HU" dirty="0"/>
+              <a:t> sokkal nagyobb volt. Semmilyen </a:t>
+            </a:r>
+            <a:r>
+              <a:rPr lang="hu-HU" dirty="0" err="1"/>
+              <a:t>hiperparamétert</a:t>
+            </a:r>
+            <a:r>
+              <a:rPr lang="hu-HU" dirty="0"/>
+              <a:t> nem állítottam hanem egy az egyben átvettem nmt-</a:t>
+            </a:r>
+            <a:r>
+              <a:rPr lang="hu-HU" dirty="0" err="1"/>
+              <a:t>től</a:t>
+            </a:r>
+            <a:r>
+              <a:rPr lang="hu-HU" dirty="0"/>
+              <a:t> a </a:t>
+            </a:r>
+            <a:r>
+              <a:rPr lang="hu-HU" dirty="0" err="1"/>
+              <a:t>transformert</a:t>
+            </a:r>
+            <a:r>
+              <a:rPr lang="hu-HU" dirty="0"/>
+              <a:t>.</a:t>
+            </a:r>
+          </a:p>
+          <a:p>
+            <a:r>
+              <a:rPr lang="hu-HU" dirty="0"/>
+              <a:t> -&gt; ezeket a jövőben kipróbálni</a:t>
+            </a:r>
+          </a:p>
+          <a:p>
+            <a:r>
+              <a:rPr lang="hu-HU" dirty="0" err="1"/>
+              <a:t>Cornellesen</a:t>
+            </a:r>
+            <a:r>
+              <a:rPr lang="hu-HU" dirty="0"/>
+              <a:t> overfitelt, ezért lettek jobb eredmények, ez azt mutatja, hogy maga a veszteség függvény se méri jól hogy mennyire jó a modell a validációs adaton, hisz preferálja az átlagos, unalmas válaszokat</a:t>
             </a:r>
           </a:p>
         </p:txBody>
@@ -1222,7 +1407,7 @@
           <a:p>
             <a:fld id="{41A90325-8D64-4826-AA68-2E98B322FAA0}" type="slidenum">
               <a:rPr lang="hu-HU" smtClean="0"/>
-              <a:t>15</a:t>
+              <a:t>14</a:t>
             </a:fld>
             <a:endParaRPr lang="hu-HU"/>
           </a:p>
@@ -1231,7 +1416,7 @@
     </p:spTree>
     <p:extLst>
       <p:ext uri="{BB962C8B-B14F-4D97-AF65-F5344CB8AC3E}">
-        <p14:creationId xmlns:p14="http://schemas.microsoft.com/office/powerpoint/2010/main" val="3429119551"/>
+        <p14:creationId xmlns:p14="http://schemas.microsoft.com/office/powerpoint/2010/main" val="4142112210"/>
       </p:ext>
     </p:extLst>
   </p:cSld>
@@ -1285,7 +1470,481 @@
           <a:bodyPr/>
           <a:lstStyle/>
           <a:p>
+            <a:r>
+              <a:rPr lang="hu-HU" dirty="0"/>
+              <a:t>Egy beszélgetés sok mindenen alapszik, ezeken mind kondicionálni kéne a tanítást, mert a veszteség függvény egy bemenetre egy adott kimenetet akar. Ha több dolgon kondicionálunk akkor a veszteség függvény alapján a modell is megtanul érdekesebb válaszokat adni.</a:t>
+            </a:r>
+          </a:p>
+          <a:p>
+            <a:r>
+              <a:rPr lang="hu-HU" dirty="0"/>
+              <a:t>Egy egyszerű kérdésre nagyon sok féle válasz létezhet amik mind más-más tényezőktől függenek</a:t>
+            </a:r>
+          </a:p>
+          <a:p>
             <a:endParaRPr lang="hu-HU" dirty="0"/>
+          </a:p>
+          <a:p>
+            <a:r>
+              <a:rPr lang="hu-HU" dirty="0"/>
+              <a:t>János – haver</a:t>
+            </a:r>
+          </a:p>
+          <a:p>
+            <a:r>
+              <a:rPr lang="hu-HU" dirty="0"/>
+              <a:t>Ricsi – de ne zavarjon</a:t>
+            </a:r>
+          </a:p>
+          <a:p>
+            <a:r>
+              <a:rPr lang="hu-HU" dirty="0"/>
+              <a:t>Beszélgetés előzmény – gyors témaváltás</a:t>
+            </a:r>
+          </a:p>
+          <a:p>
+            <a:r>
+              <a:rPr lang="hu-HU" dirty="0"/>
+              <a:t>Külső tényező / kérdés – amúgy majdnem elütött egy autó az előbb</a:t>
+            </a:r>
+          </a:p>
+          <a:p>
+            <a:r>
+              <a:rPr lang="hu-HU" dirty="0"/>
+              <a:t>Hangulat - :D</a:t>
+            </a:r>
+          </a:p>
+        </p:txBody>
+      </p:sp>
+      <p:sp>
+        <p:nvSpPr>
+          <p:cNvPr id="4" name="Slide Number Placeholder 3"/>
+          <p:cNvSpPr>
+            <a:spLocks noGrp="1"/>
+          </p:cNvSpPr>
+          <p:nvPr>
+            <p:ph type="sldNum" sz="quarter" idx="10"/>
+          </p:nvPr>
+        </p:nvSpPr>
+        <p:spPr/>
+        <p:txBody>
+          <a:bodyPr/>
+          <a:lstStyle/>
+          <a:p>
+            <a:fld id="{41A90325-8D64-4826-AA68-2E98B322FAA0}" type="slidenum">
+              <a:rPr lang="hu-HU" smtClean="0"/>
+              <a:t>15</a:t>
+            </a:fld>
+            <a:endParaRPr lang="hu-HU"/>
+          </a:p>
+        </p:txBody>
+      </p:sp>
+    </p:spTree>
+    <p:extLst>
+      <p:ext uri="{BB962C8B-B14F-4D97-AF65-F5344CB8AC3E}">
+        <p14:creationId xmlns:p14="http://schemas.microsoft.com/office/powerpoint/2010/main" val="3429119551"/>
+      </p:ext>
+    </p:extLst>
+  </p:cSld>
+  <p:clrMapOvr>
+    <a:masterClrMapping/>
+  </p:clrMapOvr>
+</p:notes>
+</file>
+
+<file path=ppt/notesSlides/notesSlide16.xml><?xml version="1.0" encoding="utf-8"?>
+<p:notes xmlns:a="http://schemas.openxmlformats.org/drawingml/2006/main" xmlns:r="http://schemas.openxmlformats.org/officeDocument/2006/relationships" xmlns:p="http://schemas.openxmlformats.org/presentationml/2006/main">
+  <p:cSld>
+    <p:spTree>
+      <p:nvGrpSpPr>
+        <p:cNvPr id="1" name=""/>
+        <p:cNvGrpSpPr/>
+        <p:nvPr/>
+      </p:nvGrpSpPr>
+      <p:grpSpPr>
+        <a:xfrm>
+          <a:off x="0" y="0"/>
+          <a:ext cx="0" cy="0"/>
+          <a:chOff x="0" y="0"/>
+          <a:chExt cx="0" cy="0"/>
+        </a:xfrm>
+      </p:grpSpPr>
+      <p:sp>
+        <p:nvSpPr>
+          <p:cNvPr id="2" name="Slide Image Placeholder 1"/>
+          <p:cNvSpPr>
+            <a:spLocks noGrp="1" noRot="1" noChangeAspect="1"/>
+          </p:cNvSpPr>
+          <p:nvPr>
+            <p:ph type="sldImg"/>
+          </p:nvPr>
+        </p:nvSpPr>
+        <p:spPr/>
+      </p:sp>
+      <p:sp>
+        <p:nvSpPr>
+          <p:cNvPr id="3" name="Notes Placeholder 2"/>
+          <p:cNvSpPr>
+            <a:spLocks noGrp="1"/>
+          </p:cNvSpPr>
+          <p:nvPr>
+            <p:ph type="body" idx="1"/>
+          </p:nvPr>
+        </p:nvSpPr>
+        <p:spPr/>
+        <p:txBody>
+          <a:bodyPr/>
+          <a:lstStyle/>
+          <a:p>
+            <a:r>
+              <a:rPr lang="hu-HU" dirty="0"/>
+              <a:t>1.: hogyan növelném a </a:t>
+            </a:r>
+            <a:r>
+              <a:rPr lang="hu-HU" dirty="0" err="1"/>
+              <a:t>transformer</a:t>
+            </a:r>
+            <a:r>
+              <a:rPr lang="hu-HU" dirty="0"/>
+              <a:t> kapacitását, hogy </a:t>
+            </a:r>
+            <a:r>
+              <a:rPr lang="hu-HU" dirty="0" err="1"/>
+              <a:t>opensubtitles</a:t>
+            </a:r>
+            <a:r>
+              <a:rPr lang="hu-HU" dirty="0"/>
+              <a:t>-ön is elfogadható eredményt adjon</a:t>
+            </a:r>
+          </a:p>
+          <a:p>
+            <a:r>
+              <a:rPr lang="hu-HU" dirty="0"/>
+              <a:t>	kipróbálnám a </a:t>
+            </a:r>
+            <a:r>
+              <a:rPr lang="hu-HU" dirty="0" err="1"/>
+              <a:t>big</a:t>
+            </a:r>
+            <a:r>
+              <a:rPr lang="hu-HU" dirty="0"/>
+              <a:t> verziót az eredeti </a:t>
+            </a:r>
+            <a:r>
+              <a:rPr lang="hu-HU" dirty="0" err="1"/>
+              <a:t>cikbből</a:t>
+            </a:r>
+            <a:r>
+              <a:rPr lang="hu-HU" dirty="0"/>
+              <a:t> (amivel </a:t>
+            </a:r>
+            <a:r>
+              <a:rPr lang="hu-HU" dirty="0" err="1"/>
+              <a:t>state</a:t>
+            </a:r>
+            <a:r>
+              <a:rPr lang="hu-HU" dirty="0"/>
+              <a:t>-of-</a:t>
+            </a:r>
+            <a:r>
+              <a:rPr lang="hu-HU" dirty="0" err="1"/>
+              <a:t>the</a:t>
+            </a:r>
+            <a:r>
+              <a:rPr lang="hu-HU" dirty="0"/>
+              <a:t> </a:t>
+            </a:r>
+            <a:r>
+              <a:rPr lang="hu-HU" dirty="0" err="1"/>
+              <a:t>artot</a:t>
+            </a:r>
+            <a:r>
+              <a:rPr lang="hu-HU" dirty="0"/>
+              <a:t> értek el)</a:t>
+            </a:r>
+          </a:p>
+          <a:p>
+            <a:r>
+              <a:rPr lang="hu-HU" dirty="0"/>
+              <a:t>	növelném a rétegek számát, a figyelem fejek számát, és a belső állapotvektor nagyságát</a:t>
+            </a:r>
+          </a:p>
+          <a:p>
+            <a:r>
+              <a:rPr lang="hu-HU" dirty="0"/>
+              <a:t>2.: hogyan végezném el a </a:t>
+            </a:r>
+            <a:r>
+              <a:rPr lang="hu-HU" dirty="0" err="1"/>
+              <a:t>hiperparaméter</a:t>
+            </a:r>
+            <a:r>
+              <a:rPr lang="hu-HU" dirty="0"/>
+              <a:t> optimalizációt</a:t>
+            </a:r>
+          </a:p>
+          <a:p>
+            <a:r>
+              <a:rPr lang="hu-HU" dirty="0"/>
+              <a:t>	</a:t>
+            </a:r>
+            <a:r>
+              <a:rPr lang="hu-HU" dirty="0" err="1"/>
+              <a:t>learning</a:t>
+            </a:r>
+            <a:r>
+              <a:rPr lang="hu-HU" dirty="0"/>
+              <a:t> </a:t>
+            </a:r>
+            <a:r>
+              <a:rPr lang="hu-HU" dirty="0" err="1"/>
+              <a:t>rate</a:t>
+            </a:r>
+            <a:r>
+              <a:rPr lang="hu-HU" dirty="0"/>
+              <a:t>-t állítanám, </a:t>
+            </a:r>
+            <a:r>
+              <a:rPr lang="hu-HU" dirty="0" err="1"/>
+              <a:t>végigmennék</a:t>
+            </a:r>
+            <a:r>
+              <a:rPr lang="hu-HU" dirty="0"/>
+              <a:t> az előbb említett paramétereken, több konfigurációt kipróbálnak egyetlen paraméter állításával, hogy megnézzem mi a hatása (</a:t>
+            </a:r>
+            <a:r>
+              <a:rPr lang="hu-HU" dirty="0" err="1"/>
+              <a:t>grid</a:t>
+            </a:r>
+            <a:r>
+              <a:rPr lang="hu-HU" dirty="0"/>
+              <a:t> </a:t>
+            </a:r>
+            <a:r>
+              <a:rPr lang="hu-HU" dirty="0" err="1"/>
+              <a:t>search</a:t>
+            </a:r>
+            <a:r>
+              <a:rPr lang="hu-HU" dirty="0"/>
+              <a:t> féle)</a:t>
+            </a:r>
+          </a:p>
+          <a:p>
+            <a:r>
+              <a:rPr lang="hu-HU" dirty="0"/>
+              <a:t>	RL-el </a:t>
+            </a:r>
+            <a:r>
+              <a:rPr lang="hu-HU" dirty="0" err="1"/>
+              <a:t>hiperparaméter</a:t>
+            </a:r>
+            <a:r>
+              <a:rPr lang="hu-HU" dirty="0"/>
+              <a:t> optimalizáció (ez nagyon költséges lenne, sok modellt kell betanítani és mindegyikhez kell egy pontos jóság mérték)</a:t>
+            </a:r>
+          </a:p>
+          <a:p>
+            <a:r>
+              <a:rPr lang="hu-HU" dirty="0"/>
+              <a:t>3.: hogyan hoznék létre egy adatbázist melyben a beszélgető személyek hangulata is benne van</a:t>
+            </a:r>
+          </a:p>
+          <a:p>
+            <a:r>
+              <a:rPr lang="hu-HU" dirty="0"/>
+              <a:t>	</a:t>
+            </a:r>
+            <a:r>
+              <a:rPr lang="hu-HU" dirty="0" err="1"/>
+              <a:t>sentiment</a:t>
+            </a:r>
+            <a:r>
+              <a:rPr lang="hu-HU" dirty="0"/>
+              <a:t> </a:t>
+            </a:r>
+            <a:r>
+              <a:rPr lang="hu-HU" dirty="0" err="1"/>
+              <a:t>analysis-al</a:t>
+            </a:r>
+            <a:r>
+              <a:rPr lang="hu-HU" dirty="0"/>
+              <a:t> minden mondatra megadni egy hangulat kategóriát az adatbázisban, például egyszerű </a:t>
+            </a:r>
+            <a:r>
+              <a:rPr lang="hu-HU" dirty="0" err="1"/>
+              <a:t>bag</a:t>
+            </a:r>
+            <a:r>
+              <a:rPr lang="hu-HU" dirty="0"/>
+              <a:t>-of-</a:t>
+            </a:r>
+            <a:r>
+              <a:rPr lang="hu-HU" dirty="0" err="1"/>
+              <a:t>words</a:t>
+            </a:r>
+            <a:r>
+              <a:rPr lang="hu-HU" dirty="0"/>
+              <a:t>, vagy bonyolultabb modellek használatával</a:t>
+            </a:r>
+          </a:p>
+          <a:p>
+            <a:r>
+              <a:rPr lang="hu-HU" dirty="0"/>
+              <a:t>4.: hogyan módosítanám a rendszert, hogy ipari </a:t>
+            </a:r>
+            <a:r>
+              <a:rPr lang="hu-HU" dirty="0" err="1"/>
+              <a:t>alkalmázoskban</a:t>
+            </a:r>
+            <a:r>
+              <a:rPr lang="hu-HU" dirty="0"/>
+              <a:t> is bevethető váljék</a:t>
+            </a:r>
+          </a:p>
+          <a:p>
+            <a:r>
+              <a:rPr lang="hu-HU" dirty="0"/>
+              <a:t>	bár ennek alapvetően nem az a célja, hasonlóan járnék el, mint más dialógus rendszerekben, amelyekről írtam is a </a:t>
+            </a:r>
+            <a:r>
+              <a:rPr lang="hu-HU" dirty="0" err="1"/>
+              <a:t>tdk-ban</a:t>
+            </a:r>
+            <a:r>
+              <a:rPr lang="hu-HU" dirty="0"/>
+              <a:t> ahol </a:t>
+            </a:r>
+            <a:r>
+              <a:rPr lang="hu-HU" dirty="0" err="1"/>
+              <a:t>open-domain</a:t>
+            </a:r>
+            <a:r>
+              <a:rPr lang="hu-HU" dirty="0"/>
+              <a:t> és cél-orientált komponenseket integrálnak</a:t>
+            </a:r>
+          </a:p>
+          <a:p>
+            <a:r>
+              <a:rPr lang="hu-HU" dirty="0"/>
+              <a:t>	például van egy cél orientált modell, és az én modellem, mindkettő generál választ, és egy betanított (pl. RL) </a:t>
+            </a:r>
+            <a:r>
+              <a:rPr lang="hu-HU" dirty="0" err="1"/>
+              <a:t>ranker</a:t>
+            </a:r>
+            <a:r>
+              <a:rPr lang="hu-HU" dirty="0"/>
+              <a:t> kiválasztja a jobb választ az adott bemenetre</a:t>
+            </a:r>
+          </a:p>
+          <a:p>
+            <a:r>
+              <a:rPr lang="hu-HU" dirty="0"/>
+              <a:t>	ennek az lehet a célja, hogy egy alapvetően cél-orientált feladatot általánosabbá tenni, és teret adni a felhasználónak és a rendszernek hogy jobban kezeljen out-of-</a:t>
+            </a:r>
+            <a:r>
+              <a:rPr lang="hu-HU" dirty="0" err="1"/>
+              <a:t>domain</a:t>
+            </a:r>
+            <a:r>
+              <a:rPr lang="hu-HU" dirty="0"/>
+              <a:t> mondatokat</a:t>
+            </a:r>
+          </a:p>
+        </p:txBody>
+      </p:sp>
+      <p:sp>
+        <p:nvSpPr>
+          <p:cNvPr id="4" name="Slide Number Placeholder 3"/>
+          <p:cNvSpPr>
+            <a:spLocks noGrp="1"/>
+          </p:cNvSpPr>
+          <p:nvPr>
+            <p:ph type="sldNum" sz="quarter" idx="10"/>
+          </p:nvPr>
+        </p:nvSpPr>
+        <p:spPr/>
+        <p:txBody>
+          <a:bodyPr/>
+          <a:lstStyle/>
+          <a:p>
+            <a:fld id="{41A90325-8D64-4826-AA68-2E98B322FAA0}" type="slidenum">
+              <a:rPr lang="hu-HU" smtClean="0"/>
+              <a:t>16</a:t>
+            </a:fld>
+            <a:endParaRPr lang="hu-HU"/>
+          </a:p>
+        </p:txBody>
+      </p:sp>
+    </p:spTree>
+    <p:extLst>
+      <p:ext uri="{BB962C8B-B14F-4D97-AF65-F5344CB8AC3E}">
+        <p14:creationId xmlns:p14="http://schemas.microsoft.com/office/powerpoint/2010/main" val="1536254298"/>
+      </p:ext>
+    </p:extLst>
+  </p:cSld>
+  <p:clrMapOvr>
+    <a:masterClrMapping/>
+  </p:clrMapOvr>
+</p:notes>
+</file>
+
+<file path=ppt/notesSlides/notesSlide17.xml><?xml version="1.0" encoding="utf-8"?>
+<p:notes xmlns:a="http://schemas.openxmlformats.org/drawingml/2006/main" xmlns:r="http://schemas.openxmlformats.org/officeDocument/2006/relationships" xmlns:p="http://schemas.openxmlformats.org/presentationml/2006/main">
+  <p:cSld>
+    <p:spTree>
+      <p:nvGrpSpPr>
+        <p:cNvPr id="1" name=""/>
+        <p:cNvGrpSpPr/>
+        <p:nvPr/>
+      </p:nvGrpSpPr>
+      <p:grpSpPr>
+        <a:xfrm>
+          <a:off x="0" y="0"/>
+          <a:ext cx="0" cy="0"/>
+          <a:chOff x="0" y="0"/>
+          <a:chExt cx="0" cy="0"/>
+        </a:xfrm>
+      </p:grpSpPr>
+      <p:sp>
+        <p:nvSpPr>
+          <p:cNvPr id="2" name="Slide Image Placeholder 1"/>
+          <p:cNvSpPr>
+            <a:spLocks noGrp="1" noRot="1" noChangeAspect="1"/>
+          </p:cNvSpPr>
+          <p:nvPr>
+            <p:ph type="sldImg"/>
+          </p:nvPr>
+        </p:nvSpPr>
+        <p:spPr/>
+      </p:sp>
+      <p:sp>
+        <p:nvSpPr>
+          <p:cNvPr id="3" name="Notes Placeholder 2"/>
+          <p:cNvSpPr>
+            <a:spLocks noGrp="1"/>
+          </p:cNvSpPr>
+          <p:nvPr>
+            <p:ph type="body" idx="1"/>
+          </p:nvPr>
+        </p:nvSpPr>
+        <p:spPr/>
+        <p:txBody>
+          <a:bodyPr/>
+          <a:lstStyle/>
+          <a:p>
+            <a:r>
+              <a:rPr lang="hu-HU" dirty="0"/>
+              <a:t>Kiemelni megint, hogy én mit tettem hozzá (komoly irodalmi kutatás, és a </a:t>
+            </a:r>
+            <a:r>
+              <a:rPr lang="hu-HU" dirty="0" err="1"/>
+              <a:t>transformer</a:t>
+            </a:r>
+            <a:r>
+              <a:rPr lang="hu-HU" dirty="0"/>
+              <a:t> modell adaptálása 2 dialógus adatra)</a:t>
+            </a:r>
           </a:p>
         </p:txBody>
       </p:sp>
@@ -1307,6 +1966,90 @@
             <a:fld id="{41A90325-8D64-4826-AA68-2E98B322FAA0}" type="slidenum">
               <a:rPr lang="hu-HU" smtClean="0"/>
               <a:t>17</a:t>
+            </a:fld>
+            <a:endParaRPr lang="hu-HU"/>
+          </a:p>
+        </p:txBody>
+      </p:sp>
+    </p:spTree>
+    <p:extLst>
+      <p:ext uri="{BB962C8B-B14F-4D97-AF65-F5344CB8AC3E}">
+        <p14:creationId xmlns:p14="http://schemas.microsoft.com/office/powerpoint/2010/main" val="1025208518"/>
+      </p:ext>
+    </p:extLst>
+  </p:cSld>
+  <p:clrMapOvr>
+    <a:masterClrMapping/>
+  </p:clrMapOvr>
+</p:notes>
+</file>
+
+<file path=ppt/notesSlides/notesSlide18.xml><?xml version="1.0" encoding="utf-8"?>
+<p:notes xmlns:a="http://schemas.openxmlformats.org/drawingml/2006/main" xmlns:r="http://schemas.openxmlformats.org/officeDocument/2006/relationships" xmlns:p="http://schemas.openxmlformats.org/presentationml/2006/main">
+  <p:cSld>
+    <p:spTree>
+      <p:nvGrpSpPr>
+        <p:cNvPr id="1" name=""/>
+        <p:cNvGrpSpPr/>
+        <p:nvPr/>
+      </p:nvGrpSpPr>
+      <p:grpSpPr>
+        <a:xfrm>
+          <a:off x="0" y="0"/>
+          <a:ext cx="0" cy="0"/>
+          <a:chOff x="0" y="0"/>
+          <a:chExt cx="0" cy="0"/>
+        </a:xfrm>
+      </p:grpSpPr>
+      <p:sp>
+        <p:nvSpPr>
+          <p:cNvPr id="2" name="Slide Image Placeholder 1"/>
+          <p:cNvSpPr>
+            <a:spLocks noGrp="1" noRot="1" noChangeAspect="1"/>
+          </p:cNvSpPr>
+          <p:nvPr>
+            <p:ph type="sldImg"/>
+          </p:nvPr>
+        </p:nvSpPr>
+        <p:spPr/>
+      </p:sp>
+      <p:sp>
+        <p:nvSpPr>
+          <p:cNvPr id="3" name="Notes Placeholder 2"/>
+          <p:cNvSpPr>
+            <a:spLocks noGrp="1"/>
+          </p:cNvSpPr>
+          <p:nvPr>
+            <p:ph type="body" idx="1"/>
+          </p:nvPr>
+        </p:nvSpPr>
+        <p:spPr/>
+        <p:txBody>
+          <a:bodyPr/>
+          <a:lstStyle/>
+          <a:p>
+            <a:endParaRPr lang="hu-HU" dirty="0"/>
+          </a:p>
+        </p:txBody>
+      </p:sp>
+      <p:sp>
+        <p:nvSpPr>
+          <p:cNvPr id="4" name="Slide Number Placeholder 3"/>
+          <p:cNvSpPr>
+            <a:spLocks noGrp="1"/>
+          </p:cNvSpPr>
+          <p:nvPr>
+            <p:ph type="sldNum" sz="quarter" idx="10"/>
+          </p:nvPr>
+        </p:nvSpPr>
+        <p:spPr/>
+        <p:txBody>
+          <a:bodyPr/>
+          <a:lstStyle/>
+          <a:p>
+            <a:fld id="{41A90325-8D64-4826-AA68-2E98B322FAA0}" type="slidenum">
+              <a:rPr lang="hu-HU" smtClean="0"/>
+              <a:t>18</a:t>
             </a:fld>
             <a:endParaRPr lang="hu-HU"/>
           </a:p>
@@ -1369,41 +2112,6 @@
           <a:bodyPr/>
           <a:lstStyle/>
           <a:p>
-            <a:r>
-              <a:rPr lang="hu-HU" dirty="0"/>
-              <a:t>Chatbotok egy nyelvfeldolgozás terület</a:t>
-            </a:r>
-          </a:p>
-          <a:p>
-            <a:r>
-              <a:rPr lang="hu-HU" dirty="0"/>
-              <a:t>Cél-orientált dolgokra nem neurális alapú, szabály alapú chatbotok is egész jók</a:t>
-            </a:r>
-          </a:p>
-          <a:p>
-            <a:pPr marL="0" marR="0" lvl="0" indent="0" algn="l" defTabSz="914400" rtl="0" eaLnBrk="1" fontAlgn="auto" latinLnBrk="0" hangingPunct="1">
-              <a:lnSpc>
-                <a:spcPct val="100000"/>
-              </a:lnSpc>
-              <a:spcBef>
-                <a:spcPts val="0"/>
-              </a:spcBef>
-              <a:spcAft>
-                <a:spcPts val="0"/>
-              </a:spcAft>
-              <a:buClrTx/>
-              <a:buSzTx/>
-              <a:buFontTx/>
-              <a:buNone/>
-              <a:tabLst/>
-              <a:defRPr/>
-            </a:pPr>
-            <a:r>
-              <a:rPr lang="hu-HU" dirty="0"/>
-              <a:t>Mély tanulás felváltott mindent a nyelvfeldolgozásban 2014 óta -&gt; szavak reprezentálás sokdimenziós vektorokként</a:t>
-            </a:r>
-          </a:p>
-          <a:p>
             <a:endParaRPr lang="hu-HU" dirty="0"/>
           </a:p>
         </p:txBody>
@@ -1425,7 +2133,7 @@
           <a:p>
             <a:fld id="{41A90325-8D64-4826-AA68-2E98B322FAA0}" type="slidenum">
               <a:rPr lang="hu-HU" smtClean="0"/>
-              <a:t>3</a:t>
+              <a:t>2</a:t>
             </a:fld>
             <a:endParaRPr lang="hu-HU"/>
           </a:p>
@@ -1434,7 +2142,7 @@
     </p:spTree>
     <p:extLst>
       <p:ext uri="{BB962C8B-B14F-4D97-AF65-F5344CB8AC3E}">
-        <p14:creationId xmlns:p14="http://schemas.microsoft.com/office/powerpoint/2010/main" val="3931145905"/>
+        <p14:creationId xmlns:p14="http://schemas.microsoft.com/office/powerpoint/2010/main" val="1977420259"/>
       </p:ext>
     </p:extLst>
   </p:cSld>
@@ -1490,32 +2198,54 @@
           <a:p>
             <a:r>
               <a:rPr lang="hu-HU" dirty="0"/>
-              <a:t>Sok dimenziós vektorok</a:t>
-            </a:r>
-          </a:p>
-          <a:p>
+              <a:t>Chatbotok egy nyelvfeldolgozás terület</a:t>
+            </a:r>
+          </a:p>
+          <a:p>
+            <a:r>
+              <a:rPr lang="hu-HU" dirty="0"/>
+              <a:t>Cél-orientált dolgokra nem neurális alapú, szabály alapú chatbotok is egész jók</a:t>
+            </a:r>
+          </a:p>
+          <a:p>
+            <a:r>
+              <a:rPr lang="hu-HU" dirty="0"/>
+              <a:t>Open-</a:t>
+            </a:r>
             <a:r>
               <a:rPr lang="hu-HU" dirty="0" err="1"/>
-              <a:t>Szemantikailag</a:t>
-            </a:r>
-            <a:r>
-              <a:rPr lang="hu-HU" dirty="0"/>
-              <a:t> hasonló szavak egymás mellett kell hogy elhelyezkedjenek a sokdimenziós térben is</a:t>
-            </a:r>
-          </a:p>
-          <a:p>
-            <a:r>
-              <a:rPr lang="hu-HU" dirty="0"/>
-              <a:t>Ez csak egy 2d-s </a:t>
-            </a:r>
-            <a:r>
-              <a:rPr lang="hu-HU" dirty="0" err="1"/>
-              <a:t>leprojektálás</a:t>
-            </a:r>
-            <a:r>
-              <a:rPr lang="hu-HU" dirty="0"/>
-              <a:t> de itt is látszik a lényeg</a:t>
-            </a:r>
+              <a:t>domain</a:t>
+            </a:r>
+            <a:r>
+              <a:rPr lang="hu-HU" dirty="0"/>
+              <a:t> chatbotok még nagyon limitáltak</a:t>
+            </a:r>
+          </a:p>
+          <a:p>
+            <a:pPr marL="0" marR="0" lvl="0" indent="0" algn="l" defTabSz="914400" rtl="0" eaLnBrk="1" fontAlgn="auto" latinLnBrk="0" hangingPunct="1">
+              <a:lnSpc>
+                <a:spcPct val="100000"/>
+              </a:lnSpc>
+              <a:spcBef>
+                <a:spcPts val="0"/>
+              </a:spcBef>
+              <a:spcAft>
+                <a:spcPts val="0"/>
+              </a:spcAft>
+              <a:buClrTx/>
+              <a:buSzTx/>
+              <a:buFontTx/>
+              <a:buNone/>
+              <a:tabLst/>
+              <a:defRPr/>
+            </a:pPr>
+            <a:r>
+              <a:rPr lang="hu-HU" dirty="0"/>
+              <a:t>Mély tanulás felváltott mindent a nyelvfeldolgozásban 2014 óta -&gt; szavak reprezentálás sokdimenziós folytonos vektorokként</a:t>
+            </a:r>
+          </a:p>
+          <a:p>
+            <a:endParaRPr lang="hu-HU" dirty="0"/>
           </a:p>
         </p:txBody>
       </p:sp>
@@ -1536,7 +2266,7 @@
           <a:p>
             <a:fld id="{41A90325-8D64-4826-AA68-2E98B322FAA0}" type="slidenum">
               <a:rPr lang="hu-HU" smtClean="0"/>
-              <a:t>4</a:t>
+              <a:t>3</a:t>
             </a:fld>
             <a:endParaRPr lang="hu-HU"/>
           </a:p>
@@ -1545,7 +2275,7 @@
     </p:spTree>
     <p:extLst>
       <p:ext uri="{BB962C8B-B14F-4D97-AF65-F5344CB8AC3E}">
-        <p14:creationId xmlns:p14="http://schemas.microsoft.com/office/powerpoint/2010/main" val="3176425200"/>
+        <p14:creationId xmlns:p14="http://schemas.microsoft.com/office/powerpoint/2010/main" val="3931145905"/>
       </p:ext>
     </p:extLst>
   </p:cSld>
@@ -1601,21 +2331,31 @@
           <a:p>
             <a:r>
               <a:rPr lang="hu-HU" dirty="0"/>
-              <a:t>F egy nemlineáris folytonos </a:t>
-            </a:r>
+              <a:t>Sok dimenziós vektorok</a:t>
+            </a:r>
+          </a:p>
+          <a:p>
             <a:r>
               <a:rPr lang="hu-HU" dirty="0" err="1"/>
-              <a:t>aktivizációs</a:t>
-            </a:r>
-            <a:r>
-              <a:rPr lang="hu-HU" dirty="0"/>
-              <a:t> függvény mely 0-1 közé passzírozza a kimenetet</a:t>
-            </a:r>
-          </a:p>
-          <a:p>
-            <a:r>
-              <a:rPr lang="hu-HU" dirty="0"/>
-              <a:t>A tanítás egy minimalizálás, melyben deriválással meghatározzuk mennyit változtassuk minden paraméter értékét</a:t>
+              <a:t>Szemantikailag</a:t>
+            </a:r>
+            <a:r>
+              <a:rPr lang="hu-HU" dirty="0"/>
+              <a:t> hasonló szavak egymás mellett kell hogy elhelyezkedjenek a sokdimenziós térben is</a:t>
+            </a:r>
+          </a:p>
+          <a:p>
+            <a:r>
+              <a:rPr lang="hu-HU" dirty="0"/>
+              <a:t>Ez csak egy 2d-s </a:t>
+            </a:r>
+            <a:r>
+              <a:rPr lang="hu-HU" dirty="0" err="1"/>
+              <a:t>leprojektálás</a:t>
+            </a:r>
+            <a:r>
+              <a:rPr lang="hu-HU" dirty="0"/>
+              <a:t> de itt is látszik a lényeg</a:t>
             </a:r>
           </a:p>
         </p:txBody>
@@ -1637,7 +2377,7 @@
           <a:p>
             <a:fld id="{41A90325-8D64-4826-AA68-2E98B322FAA0}" type="slidenum">
               <a:rPr lang="hu-HU" smtClean="0"/>
-              <a:t>5</a:t>
+              <a:t>4</a:t>
             </a:fld>
             <a:endParaRPr lang="hu-HU"/>
           </a:p>
@@ -1646,7 +2386,7 @@
     </p:spTree>
     <p:extLst>
       <p:ext uri="{BB962C8B-B14F-4D97-AF65-F5344CB8AC3E}">
-        <p14:creationId xmlns:p14="http://schemas.microsoft.com/office/powerpoint/2010/main" val="3359623568"/>
+        <p14:creationId xmlns:p14="http://schemas.microsoft.com/office/powerpoint/2010/main" val="3176425200"/>
       </p:ext>
     </p:extLst>
   </p:cSld>
@@ -1702,19 +2442,21 @@
           <a:p>
             <a:r>
               <a:rPr lang="hu-HU" dirty="0"/>
-              <a:t>X a bementi vektor, s a belső állapot vektor</a:t>
-            </a:r>
-          </a:p>
-          <a:p>
-            <a:r>
-              <a:rPr lang="hu-HU" dirty="0"/>
-              <a:t>W és U tanulandó paramétérek</a:t>
-            </a:r>
-          </a:p>
-          <a:p>
-            <a:r>
-              <a:rPr lang="hu-HU" dirty="0"/>
-              <a:t>F ugyanúgy egy nemlineáris függvény</a:t>
+              <a:t>F egy nemlineáris folytonos </a:t>
+            </a:r>
+            <a:r>
+              <a:rPr lang="hu-HU" dirty="0" err="1"/>
+              <a:t>aktivizációs</a:t>
+            </a:r>
+            <a:r>
+              <a:rPr lang="hu-HU" dirty="0"/>
+              <a:t> függvény mely 0-1 közé passzírozza a kimenetet</a:t>
+            </a:r>
+          </a:p>
+          <a:p>
+            <a:r>
+              <a:rPr lang="hu-HU" dirty="0"/>
+              <a:t>A tanítás egy minimalizálás, melyben deriválással meghatározzuk mennyit változtassuk minden paraméter értékét</a:t>
             </a:r>
           </a:p>
         </p:txBody>
@@ -1736,7 +2478,7 @@
           <a:p>
             <a:fld id="{41A90325-8D64-4826-AA68-2E98B322FAA0}" type="slidenum">
               <a:rPr lang="hu-HU" smtClean="0"/>
-              <a:t>6</a:t>
+              <a:t>5</a:t>
             </a:fld>
             <a:endParaRPr lang="hu-HU"/>
           </a:p>
@@ -1745,7 +2487,7 @@
     </p:spTree>
     <p:extLst>
       <p:ext uri="{BB962C8B-B14F-4D97-AF65-F5344CB8AC3E}">
-        <p14:creationId xmlns:p14="http://schemas.microsoft.com/office/powerpoint/2010/main" val="1831755477"/>
+        <p14:creationId xmlns:p14="http://schemas.microsoft.com/office/powerpoint/2010/main" val="3359623568"/>
       </p:ext>
     </p:extLst>
   </p:cSld>
@@ -1801,13 +2543,33 @@
           <a:p>
             <a:r>
               <a:rPr lang="hu-HU" dirty="0"/>
-              <a:t>Alapvetően NMT-re lett kitalálva, seq2seq-nek is hívják</a:t>
-            </a:r>
-          </a:p>
-          <a:p>
-            <a:r>
-              <a:rPr lang="hu-HU" dirty="0"/>
-              <a:t>Két RNN, stb.</a:t>
+              <a:t>Ez az alapja az </a:t>
+            </a:r>
+            <a:r>
+              <a:rPr lang="hu-HU" dirty="0" err="1"/>
+              <a:t>enkóder</a:t>
+            </a:r>
+            <a:r>
+              <a:rPr lang="hu-HU" dirty="0"/>
+              <a:t>-dekóder modellnek</a:t>
+            </a:r>
+          </a:p>
+          <a:p>
+            <a:r>
+              <a:rPr lang="hu-HU" dirty="0"/>
+              <a:t>X a bementi vektor, s a belső állapot vektor</a:t>
+            </a:r>
+          </a:p>
+          <a:p>
+            <a:r>
+              <a:rPr lang="hu-HU" dirty="0"/>
+              <a:t>W és U tanulandó paramétérek</a:t>
+            </a:r>
+          </a:p>
+          <a:p>
+            <a:r>
+              <a:rPr lang="hu-HU" dirty="0"/>
+              <a:t>F egy nemlineáris függvény</a:t>
             </a:r>
           </a:p>
         </p:txBody>
@@ -1829,7 +2591,7 @@
           <a:p>
             <a:fld id="{41A90325-8D64-4826-AA68-2E98B322FAA0}" type="slidenum">
               <a:rPr lang="hu-HU" smtClean="0"/>
-              <a:t>7</a:t>
+              <a:t>6</a:t>
             </a:fld>
             <a:endParaRPr lang="hu-HU"/>
           </a:p>
@@ -1838,7 +2600,7 @@
     </p:spTree>
     <p:extLst>
       <p:ext uri="{BB962C8B-B14F-4D97-AF65-F5344CB8AC3E}">
-        <p14:creationId xmlns:p14="http://schemas.microsoft.com/office/powerpoint/2010/main" val="3905784722"/>
+        <p14:creationId xmlns:p14="http://schemas.microsoft.com/office/powerpoint/2010/main" val="1831755477"/>
       </p:ext>
     </p:extLst>
   </p:cSld>
@@ -1894,15 +2656,35 @@
           <a:p>
             <a:r>
               <a:rPr lang="hu-HU" dirty="0"/>
-              <a:t>Csak megemlíteni, hogy a </a:t>
+              <a:t>Alapvetően NMT-re lett kitalálva, seq2seq-nek is hívják</a:t>
+            </a:r>
+          </a:p>
+          <a:p>
+            <a:r>
+              <a:rPr lang="hu-HU" dirty="0"/>
+              <a:t>Különböző hosszúságú bemenetet tud feldolgozni és kimenetet generálni -&gt; dinamikus</a:t>
+            </a:r>
+          </a:p>
+          <a:p>
+            <a:r>
+              <a:rPr lang="hu-HU" dirty="0"/>
+              <a:t>Két RNN, az </a:t>
             </a:r>
             <a:r>
               <a:rPr lang="hu-HU" dirty="0" err="1"/>
-              <a:t>tdk</a:t>
-            </a:r>
-            <a:r>
-              <a:rPr lang="hu-HU" dirty="0"/>
-              <a:t> irodalmi kutatásában ezek részletesen taglalva lettek, itt nincs idő kitérni egyikre se</a:t>
+              <a:t>enkódernek</a:t>
+            </a:r>
+            <a:r>
+              <a:rPr lang="hu-HU" dirty="0"/>
+              <a:t> az utolsó </a:t>
+            </a:r>
+            <a:r>
+              <a:rPr lang="hu-HU" dirty="0" err="1"/>
+              <a:t>állapotvektorával</a:t>
+            </a:r>
+            <a:r>
+              <a:rPr lang="hu-HU" dirty="0"/>
+              <a:t> inicializáljuk a dekódert, ami minden lépésben generál egy szót, míg egy mondatvégi szimbólumot nem generál</a:t>
             </a:r>
           </a:p>
         </p:txBody>
@@ -1924,7 +2706,7 @@
           <a:p>
             <a:fld id="{41A90325-8D64-4826-AA68-2E98B322FAA0}" type="slidenum">
               <a:rPr lang="hu-HU" smtClean="0"/>
-              <a:t>8</a:t>
+              <a:t>7</a:t>
             </a:fld>
             <a:endParaRPr lang="hu-HU"/>
           </a:p>
@@ -1933,7 +2715,7 @@
     </p:spTree>
     <p:extLst>
       <p:ext uri="{BB962C8B-B14F-4D97-AF65-F5344CB8AC3E}">
-        <p14:creationId xmlns:p14="http://schemas.microsoft.com/office/powerpoint/2010/main" val="1870590489"/>
+        <p14:creationId xmlns:p14="http://schemas.microsoft.com/office/powerpoint/2010/main" val="3905784722"/>
       </p:ext>
     </p:extLst>
   </p:cSld>
@@ -1989,26 +2771,21 @@
           <a:p>
             <a:r>
               <a:rPr lang="hu-HU" dirty="0"/>
-              <a:t>Erre nincs idő hogy itt elmagyarázzam, júniusi architektúra</a:t>
-            </a:r>
-            <a:r>
-              <a:rPr lang="hu-HU"/>
-              <a:t>, NMT-ben </a:t>
-            </a:r>
-            <a:r>
-              <a:rPr lang="hu-HU" dirty="0"/>
-              <a:t>lenyűgöző eredményeket ér el, sokkal kevesebb paraméterrel mint egy RNN </a:t>
-            </a:r>
-            <a:r>
-              <a:rPr lang="hu-HU"/>
-              <a:t>alapú seq2seq</a:t>
-            </a:r>
-            <a:endParaRPr lang="hu-HU" dirty="0"/>
-          </a:p>
-          <a:p>
-            <a:r>
-              <a:rPr lang="hu-HU" dirty="0"/>
-              <a:t>Alapvetően </a:t>
+              <a:t>Csak megemlíteni, hogy a </a:t>
+            </a:r>
+            <a:r>
+              <a:rPr lang="hu-HU" dirty="0" err="1"/>
+              <a:t>tdk</a:t>
+            </a:r>
+            <a:r>
+              <a:rPr lang="hu-HU" dirty="0"/>
+              <a:t> irodalmi kutatásában ezek részletesen taglalva lettek, itt nincs idő kitérni egyikre se</a:t>
+            </a:r>
+          </a:p>
+          <a:p>
+            <a:r>
+              <a:rPr lang="hu-HU" dirty="0"/>
+              <a:t>Hierarchikus modellek – kiterjesztett </a:t>
             </a:r>
             <a:r>
               <a:rPr lang="hu-HU" dirty="0" err="1"/>
@@ -2016,64 +2793,49 @@
             </a:r>
             <a:r>
               <a:rPr lang="hu-HU" dirty="0"/>
-              <a:t>-dekóder, de nem </a:t>
+              <a:t> dekóder architektúra, melyben egy RNN </a:t>
             </a:r>
             <a:r>
               <a:rPr lang="hu-HU" dirty="0" err="1"/>
-              <a:t>rekurrens</a:t>
-            </a:r>
-            <a:r>
-              <a:rPr lang="hu-HU" dirty="0"/>
-              <a:t> neurális </a:t>
+              <a:t>enkódolja</a:t>
+            </a:r>
+            <a:r>
+              <a:rPr lang="hu-HU" dirty="0"/>
+              <a:t> a külön mondatokat, és egy ezen felüli RNN </a:t>
             </a:r>
             <a:r>
               <a:rPr lang="hu-HU" dirty="0" err="1"/>
-              <a:t>hálózatokat</a:t>
-            </a:r>
-            <a:r>
-              <a:rPr lang="hu-HU" dirty="0"/>
-              <a:t> használ hanem simákat, meg egyéb </a:t>
-            </a:r>
+              <a:t>enkódolja</a:t>
+            </a:r>
+            <a:r>
+              <a:rPr lang="hu-HU" dirty="0"/>
+              <a:t> az előző RNN mondat reprezentációit (direkt chatbotokra fejlesztve)</a:t>
+            </a:r>
+          </a:p>
+          <a:p>
             <a:r>
               <a:rPr lang="hu-HU" dirty="0" err="1"/>
-              <a:t>komponeneseket</a:t>
-            </a:r>
-            <a:r>
-              <a:rPr lang="hu-HU" dirty="0"/>
-              <a:t> mint a figyelem, ami csak különböző mátrix szorzásokból áll</a:t>
-            </a:r>
-          </a:p>
-          <a:p>
-            <a:endParaRPr lang="hu-HU" dirty="0"/>
-          </a:p>
-          <a:p>
-            <a:r>
-              <a:rPr lang="hu-HU" dirty="0"/>
-              <a:t>Két tanító adatról pár szó, </a:t>
+              <a:t>Reinforcement</a:t>
+            </a:r>
+            <a:r>
+              <a:rPr lang="hu-HU" dirty="0"/>
+              <a:t> </a:t>
             </a:r>
             <a:r>
               <a:rPr lang="hu-HU" dirty="0" err="1"/>
-              <a:t>transformernek</a:t>
-            </a:r>
-            <a:r>
-              <a:rPr lang="hu-HU" dirty="0"/>
-              <a:t> egy hivatalos implementációját használtam </a:t>
+              <a:t>learning</a:t>
+            </a:r>
+            <a:r>
+              <a:rPr lang="hu-HU" dirty="0"/>
+              <a:t> – </a:t>
             </a:r>
             <a:r>
               <a:rPr lang="hu-HU" dirty="0" err="1"/>
-              <a:t>tensorflowban</a:t>
-            </a:r>
-            <a:r>
-              <a:rPr lang="hu-HU" dirty="0"/>
-              <a:t> és ezt integráltam össze az általam </a:t>
-            </a:r>
-            <a:r>
-              <a:rPr lang="hu-HU" dirty="0" err="1"/>
-              <a:t>preprocesszált</a:t>
-            </a:r>
-            <a:r>
-              <a:rPr lang="hu-HU" dirty="0"/>
-              <a:t> tanító adatokkal</a:t>
+              <a:t>adverzariális</a:t>
+            </a:r>
+            <a:r>
+              <a:rPr lang="hu-HU" dirty="0"/>
+              <a:t> alapú tanítás, melyben az egyik chatbot válaszokat generál, a másik modell pedig próbálja megkülönböztetni  a generált választ a valóstól, és azon a jutalmon van tanítva mindkettő RL alapon, hogy jól teljesít-e a diszkrimináló</a:t>
             </a:r>
           </a:p>
         </p:txBody>
@@ -2095,7 +2857,7 @@
           <a:p>
             <a:fld id="{41A90325-8D64-4826-AA68-2E98B322FAA0}" type="slidenum">
               <a:rPr lang="hu-HU" smtClean="0"/>
-              <a:t>9</a:t>
+              <a:t>8</a:t>
             </a:fld>
             <a:endParaRPr lang="hu-HU"/>
           </a:p>
@@ -2104,7 +2866,7 @@
     </p:spTree>
     <p:extLst>
       <p:ext uri="{BB962C8B-B14F-4D97-AF65-F5344CB8AC3E}">
-        <p14:creationId xmlns:p14="http://schemas.microsoft.com/office/powerpoint/2010/main" val="784935274"/>
+        <p14:creationId xmlns:p14="http://schemas.microsoft.com/office/powerpoint/2010/main" val="1870590489"/>
       </p:ext>
     </p:extLst>
   </p:cSld>
@@ -2160,45 +2922,13 @@
           <a:p>
             <a:r>
               <a:rPr lang="hu-HU" dirty="0"/>
-              <a:t>Ezek a metrikák azt mérik, hogy mennyire hasonlóak a generált mondatok a </a:t>
-            </a:r>
-            <a:r>
-              <a:rPr lang="hu-HU" dirty="0" err="1"/>
-              <a:t>targetekhez</a:t>
-            </a:r>
-            <a:r>
-              <a:rPr lang="hu-HU" dirty="0"/>
-              <a:t>, </a:t>
-            </a:r>
-            <a:r>
-              <a:rPr lang="hu-HU" dirty="0" err="1"/>
-              <a:t>perplexity</a:t>
-            </a:r>
-            <a:r>
-              <a:rPr lang="hu-HU" dirty="0"/>
-              <a:t> minél kisebb annál jobb, </a:t>
-            </a:r>
-            <a:r>
-              <a:rPr lang="hu-HU" dirty="0" err="1"/>
-              <a:t>bleu</a:t>
-            </a:r>
-            <a:r>
-              <a:rPr lang="hu-HU" dirty="0"/>
-              <a:t> minél magasabb annál jobb</a:t>
-            </a:r>
-          </a:p>
-          <a:p>
-            <a:r>
-              <a:rPr lang="hu-HU" dirty="0"/>
-              <a:t>Elmagyarázni a különböző tanítási procedúrákat (s2s egy sima </a:t>
-            </a:r>
-            <a:r>
-              <a:rPr lang="hu-HU" dirty="0" err="1"/>
-              <a:t>rnn</a:t>
-            </a:r>
-            <a:r>
-              <a:rPr lang="hu-HU" dirty="0"/>
-              <a:t> alapú </a:t>
+              <a:t>Erre nincs idő hogy itt elmagyarázzam, júniusi architektúra, NMT-ben lenyűgöző eredményeket ér el, sokkal kevesebb paraméterrel mint egy RNN alapú seq2seq</a:t>
+            </a:r>
+          </a:p>
+          <a:p>
+            <a:r>
+              <a:rPr lang="hu-HU" dirty="0"/>
+              <a:t>Alapvetően </a:t>
             </a:r>
             <a:r>
               <a:rPr lang="hu-HU" dirty="0" err="1"/>
@@ -2206,45 +2936,64 @@
             </a:r>
             <a:r>
               <a:rPr lang="hu-HU" dirty="0"/>
-              <a:t> dekóder </a:t>
+              <a:t>-dekóder, de nem </a:t>
             </a:r>
             <a:r>
               <a:rPr lang="hu-HU" dirty="0" err="1"/>
-              <a:t>baseline</a:t>
-            </a:r>
-            <a:r>
-              <a:rPr lang="hu-HU" dirty="0"/>
-              <a:t>)</a:t>
-            </a:r>
-          </a:p>
-          <a:p>
-            <a:r>
-              <a:rPr lang="hu-HU" dirty="0"/>
-              <a:t>Magyarázatokat adni, hogy az </a:t>
+              <a:t>rekurrens</a:t>
+            </a:r>
+            <a:r>
+              <a:rPr lang="hu-HU" dirty="0"/>
+              <a:t> neurális </a:t>
             </a:r>
             <a:r>
               <a:rPr lang="hu-HU" dirty="0" err="1"/>
-              <a:t>opensubtitles</a:t>
-            </a:r>
-            <a:r>
-              <a:rPr lang="hu-HU" dirty="0"/>
-              <a:t> mér lett a legjobb pedig generikusakat generál amint majd látni fogjuk, és a </a:t>
+              <a:t>hálózatokat</a:t>
+            </a:r>
+            <a:r>
+              <a:rPr lang="hu-HU" dirty="0"/>
+              <a:t> használ hanem simákat, meg egyéb </a:t>
             </a:r>
             <a:r>
               <a:rPr lang="hu-HU" dirty="0" err="1"/>
-              <a:t>finetuneolt</a:t>
-            </a:r>
-            <a:r>
-              <a:rPr lang="hu-HU" dirty="0"/>
-              <a:t> jobb, mégis </a:t>
+              <a:t>komponeneseket</a:t>
+            </a:r>
+            <a:r>
+              <a:rPr lang="hu-HU" dirty="0"/>
+              <a:t> mint a figyelem, ami csak különböző mátrix szorzásokból áll</a:t>
+            </a:r>
+          </a:p>
+          <a:p>
+            <a:endParaRPr lang="hu-HU" dirty="0"/>
+          </a:p>
+          <a:p>
+            <a:r>
+              <a:rPr lang="hu-HU" dirty="0"/>
+              <a:t>Két tanító adatról pár szó, </a:t>
             </a:r>
             <a:r>
               <a:rPr lang="hu-HU" dirty="0" err="1"/>
-              <a:t>rosszabbul</a:t>
-            </a:r>
-            <a:r>
-              <a:rPr lang="hu-HU" dirty="0"/>
-              <a:t> teljesít a metrikákon. (rossz veszteség függvény miatt)</a:t>
+              <a:t>transformernek</a:t>
+            </a:r>
+            <a:r>
+              <a:rPr lang="hu-HU" dirty="0"/>
+              <a:t> egy hivatalos implementációját használtam </a:t>
+            </a:r>
+            <a:r>
+              <a:rPr lang="hu-HU" dirty="0" err="1"/>
+              <a:t>tensorflowban</a:t>
+            </a:r>
+            <a:r>
+              <a:rPr lang="hu-HU" dirty="0"/>
+              <a:t> és ezt integráltam össze az általam </a:t>
+            </a:r>
+            <a:r>
+              <a:rPr lang="hu-HU" dirty="0" err="1"/>
+              <a:t>preprocesszált</a:t>
+            </a:r>
+            <a:r>
+              <a:rPr lang="hu-HU" dirty="0"/>
+              <a:t> tanító adatokkal</a:t>
             </a:r>
           </a:p>
         </p:txBody>
@@ -2266,7 +3015,7 @@
           <a:p>
             <a:fld id="{41A90325-8D64-4826-AA68-2E98B322FAA0}" type="slidenum">
               <a:rPr lang="hu-HU" smtClean="0"/>
-              <a:t>10</a:t>
+              <a:t>9</a:t>
             </a:fld>
             <a:endParaRPr lang="hu-HU"/>
           </a:p>
@@ -2275,7 +3024,7 @@
     </p:spTree>
     <p:extLst>
       <p:ext uri="{BB962C8B-B14F-4D97-AF65-F5344CB8AC3E}">
-        <p14:creationId xmlns:p14="http://schemas.microsoft.com/office/powerpoint/2010/main" val="1968002307"/>
+        <p14:creationId xmlns:p14="http://schemas.microsoft.com/office/powerpoint/2010/main" val="784935274"/>
       </p:ext>
     </p:extLst>
   </p:cSld>
@@ -2471,7 +3220,7 @@
           <a:p>
             <a:fld id="{4AAD347D-5ACD-4C99-B74B-A9C85AD731AF}" type="datetimeFigureOut">
               <a:rPr lang="en-US" smtClean="0"/>
-              <a:t>11/2/2017</a:t>
+              <a:t>11/11/2017</a:t>
             </a:fld>
             <a:endParaRPr lang="en-US" dirty="0"/>
           </a:p>
@@ -2746,7 +3495,7 @@
           <a:p>
             <a:fld id="{4509A250-FF31-4206-8172-F9D3106AACB1}" type="datetimeFigureOut">
               <a:rPr lang="en-US" smtClean="0"/>
-              <a:t>11/2/2017</a:t>
+              <a:t>11/11/2017</a:t>
             </a:fld>
             <a:endParaRPr lang="en-US" dirty="0"/>
           </a:p>
@@ -2940,7 +3689,7 @@
           <a:p>
             <a:fld id="{4509A250-FF31-4206-8172-F9D3106AACB1}" type="datetimeFigureOut">
               <a:rPr lang="en-US" smtClean="0"/>
-              <a:t>11/2/2017</a:t>
+              <a:t>11/11/2017</a:t>
             </a:fld>
             <a:endParaRPr lang="en-US" dirty="0"/>
           </a:p>
@@ -3213,7 +3962,7 @@
           <a:p>
             <a:fld id="{4509A250-FF31-4206-8172-F9D3106AACB1}" type="datetimeFigureOut">
               <a:rPr lang="en-US" smtClean="0"/>
-              <a:t>11/2/2017</a:t>
+              <a:t>11/11/2017</a:t>
             </a:fld>
             <a:endParaRPr lang="en-US" dirty="0"/>
           </a:p>
@@ -3554,7 +4303,7 @@
           <a:p>
             <a:fld id="{4509A250-FF31-4206-8172-F9D3106AACB1}" type="datetimeFigureOut">
               <a:rPr lang="en-US" smtClean="0"/>
-              <a:t>11/2/2017</a:t>
+              <a:t>11/11/2017</a:t>
             </a:fld>
             <a:endParaRPr lang="en-US" dirty="0"/>
           </a:p>
@@ -4177,7 +4926,7 @@
           <a:p>
             <a:fld id="{4509A250-FF31-4206-8172-F9D3106AACB1}" type="datetimeFigureOut">
               <a:rPr lang="en-US" smtClean="0"/>
-              <a:t>11/2/2017</a:t>
+              <a:t>11/11/2017</a:t>
             </a:fld>
             <a:endParaRPr lang="en-US" dirty="0"/>
           </a:p>
@@ -5037,7 +5786,7 @@
           <a:p>
             <a:fld id="{4509A250-FF31-4206-8172-F9D3106AACB1}" type="datetimeFigureOut">
               <a:rPr lang="en-US" smtClean="0"/>
-              <a:t>11/2/2017</a:t>
+              <a:t>11/11/2017</a:t>
             </a:fld>
             <a:endParaRPr lang="en-US" dirty="0"/>
           </a:p>
@@ -5207,7 +5956,7 @@
           <a:p>
             <a:fld id="{4509A250-FF31-4206-8172-F9D3106AACB1}" type="datetimeFigureOut">
               <a:rPr lang="en-US" smtClean="0"/>
-              <a:t>11/2/2017</a:t>
+              <a:t>11/11/2017</a:t>
             </a:fld>
             <a:endParaRPr lang="en-US" dirty="0"/>
           </a:p>
@@ -5387,7 +6136,7 @@
           <a:p>
             <a:fld id="{4509A250-FF31-4206-8172-F9D3106AACB1}" type="datetimeFigureOut">
               <a:rPr lang="en-US" smtClean="0"/>
-              <a:t>11/2/2017</a:t>
+              <a:t>11/11/2017</a:t>
             </a:fld>
             <a:endParaRPr lang="en-US" dirty="0"/>
           </a:p>
@@ -5557,7 +6306,7 @@
           <a:p>
             <a:fld id="{4509A250-FF31-4206-8172-F9D3106AACB1}" type="datetimeFigureOut">
               <a:rPr lang="en-US" smtClean="0"/>
-              <a:t>11/2/2017</a:t>
+              <a:t>11/11/2017</a:t>
             </a:fld>
             <a:endParaRPr lang="en-US" dirty="0"/>
           </a:p>
@@ -5804,7 +6553,7 @@
           <a:p>
             <a:fld id="{9796027F-7875-4030-9381-8BD8C4F21935}" type="datetimeFigureOut">
               <a:rPr lang="en-US" smtClean="0"/>
-              <a:t>11/2/2017</a:t>
+              <a:t>11/11/2017</a:t>
             </a:fld>
             <a:endParaRPr lang="en-US" dirty="0"/>
           </a:p>
@@ -6096,7 +6845,7 @@
           <a:p>
             <a:fld id="{9796027F-7875-4030-9381-8BD8C4F21935}" type="datetimeFigureOut">
               <a:rPr lang="en-US" smtClean="0"/>
-              <a:t>11/2/2017</a:t>
+              <a:t>11/11/2017</a:t>
             </a:fld>
             <a:endParaRPr lang="en-US" dirty="0"/>
           </a:p>
@@ -6540,7 +7289,7 @@
           <a:p>
             <a:fld id="{9796027F-7875-4030-9381-8BD8C4F21935}" type="datetimeFigureOut">
               <a:rPr lang="en-US" smtClean="0"/>
-              <a:t>11/2/2017</a:t>
+              <a:t>11/11/2017</a:t>
             </a:fld>
             <a:endParaRPr lang="en-US" dirty="0"/>
           </a:p>
@@ -6658,7 +7407,7 @@
           <a:p>
             <a:fld id="{4509A250-FF31-4206-8172-F9D3106AACB1}" type="datetimeFigureOut">
               <a:rPr lang="en-US" smtClean="0"/>
-              <a:t>11/2/2017</a:t>
+              <a:t>11/11/2017</a:t>
             </a:fld>
             <a:endParaRPr lang="en-US" dirty="0"/>
           </a:p>
@@ -6753,7 +7502,7 @@
           <a:p>
             <a:fld id="{4509A250-FF31-4206-8172-F9D3106AACB1}" type="datetimeFigureOut">
               <a:rPr lang="en-US" smtClean="0"/>
-              <a:t>11/2/2017</a:t>
+              <a:t>11/11/2017</a:t>
             </a:fld>
             <a:endParaRPr lang="en-US" dirty="0"/>
           </a:p>
@@ -7032,7 +7781,7 @@
           <a:p>
             <a:fld id="{4509A250-FF31-4206-8172-F9D3106AACB1}" type="datetimeFigureOut">
               <a:rPr lang="en-US" smtClean="0"/>
-              <a:t>11/2/2017</a:t>
+              <a:t>11/11/2017</a:t>
             </a:fld>
             <a:endParaRPr lang="en-US" dirty="0"/>
           </a:p>
@@ -7307,7 +8056,7 @@
           <a:p>
             <a:fld id="{4509A250-FF31-4206-8172-F9D3106AACB1}" type="datetimeFigureOut">
               <a:rPr lang="en-US" smtClean="0"/>
-              <a:t>11/2/2017</a:t>
+              <a:t>11/11/2017</a:t>
             </a:fld>
             <a:endParaRPr lang="en-US" dirty="0"/>
           </a:p>
@@ -7872,7 +8621,7 @@
           <a:p>
             <a:fld id="{4AAD347D-5ACD-4C99-B74B-A9C85AD731AF}" type="datetimeFigureOut">
               <a:rPr lang="en-US" smtClean="0"/>
-              <a:t>11/2/2017</a:t>
+              <a:t>11/11/2017</a:t>
             </a:fld>
             <a:endParaRPr lang="en-US" dirty="0"/>
           </a:p>
@@ -8844,7 +9593,7 @@
             <p:ph idx="1"/>
             <p:extLst>
               <p:ext uri="{D42A27DB-BD31-4B8C-83A1-F6EECF244321}">
-                <p14:modId xmlns:p14="http://schemas.microsoft.com/office/powerpoint/2010/main" val="3814414938"/>
+                <p14:modId xmlns:p14="http://schemas.microsoft.com/office/powerpoint/2010/main" val="4210530317"/>
               </p:ext>
             </p:extLst>
           </p:nvPr>
@@ -9104,7 +9853,7 @@
                     <a:p>
                       <a:r>
                         <a:rPr lang="hu-HU" sz="1400" dirty="0" err="1"/>
-                        <a:t>Blue</a:t>
+                        <a:t>Bleu</a:t>
                       </a:r>
                       <a:endParaRPr lang="hu-HU" sz="1400" dirty="0"/>
                     </a:p>
@@ -9576,7 +10325,7 @@
           <a:p>
             <a:r>
               <a:rPr lang="hu-HU" dirty="0"/>
-              <a:t>Problémák I.</a:t>
+              <a:t>Problémák </a:t>
             </a:r>
             <a:br>
               <a:rPr lang="hu-HU" dirty="0"/>
@@ -9623,6 +10372,12 @@
             <a:r>
               <a:rPr lang="hu-HU" dirty="0"/>
               <a:t>Nagyobb modell</a:t>
+            </a:r>
+          </a:p>
+          <a:p>
+            <a:r>
+              <a:rPr lang="hu-HU" dirty="0"/>
+              <a:t>Specifikus teszt adat</a:t>
             </a:r>
           </a:p>
         </p:txBody>
@@ -9680,7 +10435,7 @@
           <a:p>
             <a:r>
               <a:rPr lang="hu-HU" dirty="0"/>
-              <a:t>Jövőbeli irányok II.</a:t>
+              <a:t>Jövőbeli irányok </a:t>
             </a:r>
             <a:br>
               <a:rPr lang="hu-HU" dirty="0"/>
@@ -10332,7 +11087,7 @@
 </file>
 
 <file path=ppt/slides/slide16.xml><?xml version="1.0" encoding="utf-8"?>
-<p:sld xmlns:a="http://schemas.openxmlformats.org/drawingml/2006/main" xmlns:r="http://schemas.openxmlformats.org/officeDocument/2006/relationships" xmlns:p="http://schemas.openxmlformats.org/presentationml/2006/main" show="0">
+<p:sld xmlns:a="http://schemas.openxmlformats.org/drawingml/2006/main" xmlns:r="http://schemas.openxmlformats.org/officeDocument/2006/relationships" xmlns:p="http://schemas.openxmlformats.org/presentationml/2006/main">
   <p:cSld>
     <p:spTree>
       <p:nvGrpSpPr>
@@ -10353,7 +11108,7 @@
           <p:cNvPr id="2" name="Title 1">
             <a:extLst>
               <a:ext uri="{FF2B5EF4-FFF2-40B4-BE49-F238E27FC236}">
-                <a16:creationId xmlns:a16="http://schemas.microsoft.com/office/drawing/2014/main" id="{3F3D9A54-128E-4C22-BBC3-E09252B349FC}"/>
+                <a16:creationId xmlns:a16="http://schemas.microsoft.com/office/drawing/2014/main" id="{C3CC41D2-19BE-4FD3-97BE-9D502D1D0236}"/>
               </a:ext>
             </a:extLst>
           </p:cNvPr>
@@ -10371,7 +11126,7 @@
           <a:p>
             <a:r>
               <a:rPr lang="hu-HU" dirty="0"/>
-              <a:t>Konklúzió</a:t>
+              <a:t>Kérdések</a:t>
             </a:r>
           </a:p>
         </p:txBody>
@@ -10381,7 +11136,7 @@
           <p:cNvPr id="3" name="Content Placeholder 2">
             <a:extLst>
               <a:ext uri="{FF2B5EF4-FFF2-40B4-BE49-F238E27FC236}">
-                <a16:creationId xmlns:a16="http://schemas.microsoft.com/office/drawing/2014/main" id="{788E8A1C-B198-4627-928A-084C5C9DD2F9}"/>
+                <a16:creationId xmlns:a16="http://schemas.microsoft.com/office/drawing/2014/main" id="{B4D8DCC2-8EB1-4BF0-8360-7858948408CA}"/>
               </a:ext>
             </a:extLst>
           </p:cNvPr>
@@ -10398,75 +11153,42 @@
           <a:lstStyle/>
           <a:p>
             <a:r>
-              <a:rPr lang="hu-HU" dirty="0"/>
-              <a:t>Chatbotok </a:t>
-            </a:r>
-          </a:p>
-          <a:p>
-            <a:pPr lvl="1"/>
-            <a:r>
-              <a:rPr lang="hu-HU" dirty="0"/>
-              <a:t>Cél-orientált</a:t>
-            </a:r>
-          </a:p>
-          <a:p>
-            <a:pPr lvl="1"/>
-            <a:r>
-              <a:rPr lang="hu-HU" dirty="0"/>
-              <a:t>Open-</a:t>
-            </a:r>
-            <a:r>
-              <a:rPr lang="hu-HU" dirty="0" err="1"/>
-              <a:t>domain</a:t>
-            </a:r>
-            <a:endParaRPr lang="hu-HU" dirty="0"/>
-          </a:p>
-          <a:p>
-            <a:r>
-              <a:rPr lang="hu-HU" dirty="0"/>
-              <a:t>Szavak reprezentálása vektorokként</a:t>
-            </a:r>
-          </a:p>
-          <a:p>
-            <a:r>
-              <a:rPr lang="hu-HU" dirty="0" err="1"/>
-              <a:t>Rekurrens</a:t>
-            </a:r>
-            <a:r>
-              <a:rPr lang="hu-HU" dirty="0"/>
-              <a:t> Neurális Hálózatok</a:t>
-            </a:r>
-          </a:p>
-          <a:p>
-            <a:r>
-              <a:rPr lang="hu-HU" dirty="0" err="1"/>
-              <a:t>Enkóder</a:t>
-            </a:r>
-            <a:r>
-              <a:rPr lang="hu-HU" dirty="0"/>
-              <a:t>-Dekóder Modell</a:t>
-            </a:r>
-          </a:p>
-          <a:p>
-            <a:r>
               <a:rPr lang="hu-HU" dirty="0" err="1"/>
               <a:t>Transformer</a:t>
             </a:r>
             <a:r>
               <a:rPr lang="hu-HU" dirty="0"/>
-              <a:t> Modell</a:t>
-            </a:r>
-          </a:p>
-          <a:p>
-            <a:r>
-              <a:rPr lang="hu-HU" dirty="0"/>
-              <a:t>Különböző tanítások összehasonlítása</a:t>
-            </a:r>
-          </a:p>
-          <a:p>
-            <a:r>
-              <a:rPr lang="hu-HU" dirty="0"/>
-              <a:t>Problémák és Jövőbeli irányok</a:t>
+              <a:t> kapacitásának növelése</a:t>
+            </a:r>
+          </a:p>
+          <a:p>
+            <a:r>
+              <a:rPr lang="hu-HU" dirty="0" err="1"/>
+              <a:t>Transformer</a:t>
+            </a:r>
+            <a:r>
+              <a:rPr lang="hu-HU" dirty="0"/>
+              <a:t> </a:t>
+            </a:r>
+            <a:r>
+              <a:rPr lang="hu-HU" dirty="0" err="1"/>
+              <a:t>hiperparaméter</a:t>
+            </a:r>
+            <a:r>
+              <a:rPr lang="hu-HU" dirty="0"/>
+              <a:t> optimalizációja</a:t>
+            </a:r>
+          </a:p>
+          <a:p>
+            <a:r>
+              <a:rPr lang="hu-HU" dirty="0"/>
+              <a:t>Hangulat információval ellátott adatbázis</a:t>
+            </a:r>
+          </a:p>
+          <a:p>
+            <a:r>
+              <a:rPr lang="hu-HU" dirty="0"/>
+              <a:t>Rendszer integrálása ipari alkalmazásokba</a:t>
             </a:r>
           </a:p>
         </p:txBody>
@@ -10474,7 +11196,7 @@
     </p:spTree>
     <p:extLst>
       <p:ext uri="{BB962C8B-B14F-4D97-AF65-F5344CB8AC3E}">
-        <p14:creationId xmlns:p14="http://schemas.microsoft.com/office/powerpoint/2010/main" val="2592960792"/>
+        <p14:creationId xmlns:p14="http://schemas.microsoft.com/office/powerpoint/2010/main" val="1536095351"/>
       </p:ext>
     </p:extLst>
   </p:cSld>
@@ -10506,6 +11228,143 @@
           <p:cNvPr id="2" name="Title 1">
             <a:extLst>
               <a:ext uri="{FF2B5EF4-FFF2-40B4-BE49-F238E27FC236}">
+                <a16:creationId xmlns:a16="http://schemas.microsoft.com/office/drawing/2014/main" id="{3F3D9A54-128E-4C22-BBC3-E09252B349FC}"/>
+              </a:ext>
+            </a:extLst>
+          </p:cNvPr>
+          <p:cNvSpPr>
+            <a:spLocks noGrp="1"/>
+          </p:cNvSpPr>
+          <p:nvPr>
+            <p:ph type="title"/>
+          </p:nvPr>
+        </p:nvSpPr>
+        <p:spPr/>
+        <p:txBody>
+          <a:bodyPr/>
+          <a:lstStyle/>
+          <a:p>
+            <a:r>
+              <a:rPr lang="hu-HU" dirty="0"/>
+              <a:t>Konklúzió</a:t>
+            </a:r>
+          </a:p>
+        </p:txBody>
+      </p:sp>
+      <p:sp>
+        <p:nvSpPr>
+          <p:cNvPr id="3" name="Content Placeholder 2">
+            <a:extLst>
+              <a:ext uri="{FF2B5EF4-FFF2-40B4-BE49-F238E27FC236}">
+                <a16:creationId xmlns:a16="http://schemas.microsoft.com/office/drawing/2014/main" id="{788E8A1C-B198-4627-928A-084C5C9DD2F9}"/>
+              </a:ext>
+            </a:extLst>
+          </p:cNvPr>
+          <p:cNvSpPr>
+            <a:spLocks noGrp="1"/>
+          </p:cNvSpPr>
+          <p:nvPr>
+            <p:ph idx="1"/>
+          </p:nvPr>
+        </p:nvSpPr>
+        <p:spPr/>
+        <p:txBody>
+          <a:bodyPr/>
+          <a:lstStyle/>
+          <a:p>
+            <a:r>
+              <a:rPr lang="hu-HU" dirty="0"/>
+              <a:t>Chatbotok </a:t>
+            </a:r>
+          </a:p>
+          <a:p>
+            <a:pPr lvl="1"/>
+            <a:r>
+              <a:rPr lang="hu-HU" dirty="0"/>
+              <a:t>Cél-orientált</a:t>
+            </a:r>
+          </a:p>
+          <a:p>
+            <a:pPr lvl="1"/>
+            <a:r>
+              <a:rPr lang="hu-HU" dirty="0"/>
+              <a:t>Open-</a:t>
+            </a:r>
+            <a:r>
+              <a:rPr lang="hu-HU" dirty="0" err="1"/>
+              <a:t>domain</a:t>
+            </a:r>
+            <a:endParaRPr lang="hu-HU" dirty="0"/>
+          </a:p>
+          <a:p>
+            <a:r>
+              <a:rPr lang="hu-HU" dirty="0" err="1"/>
+              <a:t>Enkóder</a:t>
+            </a:r>
+            <a:r>
+              <a:rPr lang="hu-HU" dirty="0"/>
+              <a:t>-Dekóder Modell</a:t>
+            </a:r>
+          </a:p>
+          <a:p>
+            <a:r>
+              <a:rPr lang="hu-HU" dirty="0" err="1"/>
+              <a:t>Transformer</a:t>
+            </a:r>
+            <a:r>
+              <a:rPr lang="hu-HU" dirty="0"/>
+              <a:t> Modell</a:t>
+            </a:r>
+          </a:p>
+          <a:p>
+            <a:r>
+              <a:rPr lang="hu-HU" dirty="0"/>
+              <a:t>Metrikák és kvalitatív összehasonlítások közötti eltérések</a:t>
+            </a:r>
+          </a:p>
+          <a:p>
+            <a:r>
+              <a:rPr lang="hu-HU" dirty="0"/>
+              <a:t>Párbeszéd kondicionálása több információn</a:t>
+            </a:r>
+          </a:p>
+        </p:txBody>
+      </p:sp>
+    </p:spTree>
+    <p:extLst>
+      <p:ext uri="{BB962C8B-B14F-4D97-AF65-F5344CB8AC3E}">
+        <p14:creationId xmlns:p14="http://schemas.microsoft.com/office/powerpoint/2010/main" val="2592960792"/>
+      </p:ext>
+    </p:extLst>
+  </p:cSld>
+  <p:clrMapOvr>
+    <a:masterClrMapping/>
+  </p:clrMapOvr>
+</p:sld>
+</file>
+
+<file path=ppt/slides/slide18.xml><?xml version="1.0" encoding="utf-8"?>
+<p:sld xmlns:a="http://schemas.openxmlformats.org/drawingml/2006/main" xmlns:r="http://schemas.openxmlformats.org/officeDocument/2006/relationships" xmlns:p="http://schemas.openxmlformats.org/presentationml/2006/main">
+  <p:cSld>
+    <p:spTree>
+      <p:nvGrpSpPr>
+        <p:cNvPr id="1" name=""/>
+        <p:cNvGrpSpPr/>
+        <p:nvPr/>
+      </p:nvGrpSpPr>
+      <p:grpSpPr>
+        <a:xfrm>
+          <a:off x="0" y="0"/>
+          <a:ext cx="0" cy="0"/>
+          <a:chOff x="0" y="0"/>
+          <a:chExt cx="0" cy="0"/>
+        </a:xfrm>
+      </p:grpSpPr>
+      <p:sp>
+        <p:nvSpPr>
+          <p:cNvPr id="2" name="Title 1">
+            <a:extLst>
+              <a:ext uri="{FF2B5EF4-FFF2-40B4-BE49-F238E27FC236}">
                 <a16:creationId xmlns:a16="http://schemas.microsoft.com/office/drawing/2014/main" id="{1CD487AC-CCEE-4F07-9C88-BE5D5684F387}"/>
               </a:ext>
             </a:extLst>
@@ -11143,7 +12002,7 @@
 </file>
 
 <file path=ppt/slides/slide2.xml><?xml version="1.0" encoding="utf-8"?>
-<p:sld xmlns:a="http://schemas.openxmlformats.org/drawingml/2006/main" xmlns:r="http://schemas.openxmlformats.org/officeDocument/2006/relationships" xmlns:p="http://schemas.openxmlformats.org/presentationml/2006/main">
+<p:sld xmlns:a="http://schemas.openxmlformats.org/drawingml/2006/main" xmlns:r="http://schemas.openxmlformats.org/officeDocument/2006/relationships" xmlns:p="http://schemas.openxmlformats.org/presentationml/2006/main" show="0">
   <p:cSld>
     <p:spTree>
       <p:nvGrpSpPr>
@@ -11309,7 +12168,7 @@
         </p:blipFill>
         <p:spPr>
           <a:xfrm>
-            <a:off x="-1" y="1601293"/>
+            <a:off x="0" y="1601292"/>
             <a:ext cx="4031087" cy="5256708"/>
           </a:xfrm>
           <a:prstGeom prst="rect">
@@ -11509,7 +12368,7 @@
           <a:p>
             <a:r>
               <a:rPr lang="hu-HU" sz="3600" dirty="0"/>
-              <a:t>Bevezetés I. Chatbot Típusok</a:t>
+              <a:t>Chatbot Típusok</a:t>
             </a:r>
             <a:br>
               <a:rPr lang="hu-HU" dirty="0"/>
@@ -11669,7 +12528,7 @@
 </file>
 
 <file path=ppt/slides/slide5.xml><?xml version="1.0" encoding="utf-8"?>
-<p:sld xmlns:a="http://schemas.openxmlformats.org/drawingml/2006/main" xmlns:r="http://schemas.openxmlformats.org/officeDocument/2006/relationships" xmlns:p="http://schemas.openxmlformats.org/presentationml/2006/main">
+<p:sld xmlns:a="http://schemas.openxmlformats.org/drawingml/2006/main" xmlns:r="http://schemas.openxmlformats.org/officeDocument/2006/relationships" xmlns:p="http://schemas.openxmlformats.org/presentationml/2006/main" show="0">
   <p:cSld>
     <p:spTree>
       <p:nvGrpSpPr>
@@ -13132,7 +13991,7 @@
 </file>
 
 <file path=ppt/slides/slide6.xml><?xml version="1.0" encoding="utf-8"?>
-<p:sld xmlns:a="http://schemas.openxmlformats.org/drawingml/2006/main" xmlns:r="http://schemas.openxmlformats.org/officeDocument/2006/relationships" xmlns:p="http://schemas.openxmlformats.org/presentationml/2006/main">
+<p:sld xmlns:a="http://schemas.openxmlformats.org/drawingml/2006/main" xmlns:r="http://schemas.openxmlformats.org/officeDocument/2006/relationships" xmlns:p="http://schemas.openxmlformats.org/presentationml/2006/main" show="0">
   <p:cSld>
     <p:spTree>
       <p:nvGrpSpPr>
@@ -13170,17 +14029,13 @@
           <a:lstStyle/>
           <a:p>
             <a:r>
-              <a:rPr lang="hu-HU" dirty="0"/>
-              <a:t>RNN II.</a:t>
-            </a:r>
-            <a:br>
-              <a:rPr lang="hu-HU" dirty="0"/>
-            </a:br>
-            <a:r>
               <a:rPr lang="hu-HU" dirty="0" err="1"/>
-              <a:t>Rekurrencia</a:t>
-            </a:r>
-            <a:endParaRPr lang="hu-HU" dirty="0"/>
+              <a:t>Rekurrens</a:t>
+            </a:r>
+            <a:r>
+              <a:rPr lang="hu-HU" dirty="0"/>
+              <a:t> Neurális Hálózatok (RNN)</a:t>
+            </a:r>
           </a:p>
         </p:txBody>
       </p:sp>
@@ -14199,7 +15054,7 @@
             </a:r>
             <a:r>
               <a:rPr lang="hu-HU" dirty="0"/>
-              <a:t> Modell I.</a:t>
+              <a:t> Modell </a:t>
             </a:r>
           </a:p>
         </p:txBody>

--- a/doc/tdk.pptx
+++ b/doc/tdk.pptx
@@ -218,7 +218,7 @@
           <a:p>
             <a:fld id="{BEDC94E2-AC39-4BD8-A1F5-4456F3D6B430}" type="datetimeFigureOut">
               <a:rPr lang="hu-HU" smtClean="0"/>
-              <a:t>2017. 11. 11.</a:t>
+              <a:t>2017. 11. 14.</a:t>
             </a:fld>
             <a:endParaRPr lang="hu-HU"/>
           </a:p>
@@ -681,23 +681,25 @@
           <a:p>
             <a:r>
               <a:rPr lang="hu-HU" dirty="0"/>
-              <a:t>Ezek a metrikák azt mérik, hogy mennyire hasonlóak a generált mondatok a </a:t>
+              <a:t>Generált és </a:t>
             </a:r>
             <a:r>
               <a:rPr lang="hu-HU" dirty="0" err="1"/>
-              <a:t>targetekhez</a:t>
-            </a:r>
-            <a:r>
-              <a:rPr lang="hu-HU" dirty="0"/>
-              <a:t>, </a:t>
-            </a:r>
+              <a:t>target</a:t>
+            </a:r>
+            <a:r>
+              <a:rPr lang="hu-HU" dirty="0"/>
+              <a:t> mondat közti hasonlóság</a:t>
+            </a:r>
+          </a:p>
+          <a:p>
             <a:r>
               <a:rPr lang="hu-HU" dirty="0" err="1"/>
-              <a:t>perplexity</a:t>
-            </a:r>
-            <a:r>
-              <a:rPr lang="hu-HU" dirty="0"/>
-              <a:t> minél kisebb annál jobb, </a:t>
+              <a:t>Perplexity</a:t>
+            </a:r>
+            <a:r>
+              <a:rPr lang="hu-HU" dirty="0"/>
+              <a:t> kisebb legyen, </a:t>
             </a:r>
             <a:r>
               <a:rPr lang="hu-HU" dirty="0" err="1"/>
@@ -705,67 +707,103 @@
             </a:r>
             <a:r>
               <a:rPr lang="hu-HU" dirty="0"/>
-              <a:t> minél magasabb annál jobb</a:t>
-            </a:r>
-          </a:p>
-          <a:p>
-            <a:r>
-              <a:rPr lang="hu-HU" dirty="0"/>
-              <a:t>Elmagyarázni a különböző tanítási procedúrákat (s2s egy sima </a:t>
+              <a:t> nagyobb</a:t>
+            </a:r>
+          </a:p>
+          <a:p>
+            <a:r>
+              <a:rPr lang="hu-HU" dirty="0"/>
+              <a:t>Mik ezek:</a:t>
+            </a:r>
+          </a:p>
+          <a:p>
+            <a:r>
+              <a:rPr lang="hu-HU" dirty="0"/>
+              <a:t>	S2S</a:t>
+            </a:r>
+          </a:p>
+          <a:p>
+            <a:r>
+              <a:rPr lang="hu-HU" dirty="0"/>
+              <a:t>	</a:t>
             </a:r>
             <a:r>
               <a:rPr lang="hu-HU" dirty="0" err="1"/>
-              <a:t>rnn</a:t>
-            </a:r>
-            <a:r>
-              <a:rPr lang="hu-HU" dirty="0"/>
-              <a:t> alapú </a:t>
+              <a:t>Cornell</a:t>
+            </a:r>
+            <a:endParaRPr lang="hu-HU" dirty="0"/>
+          </a:p>
+          <a:p>
+            <a:r>
+              <a:rPr lang="hu-HU" dirty="0"/>
+              <a:t>	</a:t>
             </a:r>
             <a:r>
               <a:rPr lang="hu-HU" dirty="0" err="1"/>
-              <a:t>enkóder</a:t>
-            </a:r>
-            <a:r>
-              <a:rPr lang="hu-HU" dirty="0"/>
-              <a:t> dekóder </a:t>
+              <a:t>Cornell</a:t>
+            </a:r>
+            <a:r>
+              <a:rPr lang="hu-HU" dirty="0"/>
+              <a:t> S</a:t>
+            </a:r>
+          </a:p>
+          <a:p>
+            <a:r>
+              <a:rPr lang="hu-HU" dirty="0"/>
+              <a:t>	</a:t>
             </a:r>
             <a:r>
               <a:rPr lang="hu-HU" dirty="0" err="1"/>
-              <a:t>baseline</a:t>
-            </a:r>
-            <a:r>
-              <a:rPr lang="hu-HU" dirty="0"/>
-              <a:t>)</a:t>
-            </a:r>
-          </a:p>
-          <a:p>
-            <a:r>
-              <a:rPr lang="hu-HU" dirty="0"/>
-              <a:t>Magyarázatokat adni, hogy az </a:t>
+              <a:t>OpenSubtitles</a:t>
+            </a:r>
+            <a:endParaRPr lang="hu-HU" dirty="0"/>
+          </a:p>
+          <a:p>
+            <a:r>
+              <a:rPr lang="hu-HU" dirty="0"/>
+              <a:t>	</a:t>
             </a:r>
             <a:r>
               <a:rPr lang="hu-HU" dirty="0" err="1"/>
-              <a:t>opensubtitles</a:t>
-            </a:r>
-            <a:r>
-              <a:rPr lang="hu-HU" dirty="0"/>
-              <a:t> mér lett a legjobb pedig generikusakat generál amint majd látni fogjuk, és a </a:t>
-            </a:r>
+              <a:t>OpenSubtitles</a:t>
+            </a:r>
+            <a:r>
+              <a:rPr lang="hu-HU" dirty="0"/>
+              <a:t> F</a:t>
+            </a:r>
+          </a:p>
+          <a:p>
             <a:r>
               <a:rPr lang="hu-HU" dirty="0" err="1"/>
-              <a:t>finetuneolt</a:t>
-            </a:r>
-            <a:r>
-              <a:rPr lang="hu-HU" dirty="0"/>
-              <a:t> jobb, mégis </a:t>
+              <a:t>Opensubs</a:t>
+            </a:r>
+            <a:r>
+              <a:rPr lang="hu-HU" dirty="0"/>
+              <a:t> és </a:t>
             </a:r>
             <a:r>
               <a:rPr lang="hu-HU" dirty="0" err="1"/>
-              <a:t>rosszabbul</a:t>
-            </a:r>
-            <a:r>
-              <a:rPr lang="hu-HU" dirty="0"/>
-              <a:t> teljesít a metrikákon. (rossz veszteség függvény miatt)</a:t>
+              <a:t>opensubs</a:t>
+            </a:r>
+            <a:r>
+              <a:rPr lang="hu-HU" dirty="0"/>
+              <a:t> f közti diszkrepancia (</a:t>
+            </a:r>
+            <a:r>
+              <a:rPr lang="hu-HU" dirty="0" err="1"/>
+              <a:t>loss</a:t>
+            </a:r>
+            <a:r>
+              <a:rPr lang="hu-HU" dirty="0"/>
+              <a:t> </a:t>
+            </a:r>
+            <a:r>
+              <a:rPr lang="hu-HU" dirty="0" err="1"/>
+              <a:t>function</a:t>
+            </a:r>
+            <a:r>
+              <a:rPr lang="hu-HU" dirty="0"/>
+              <a:t> miatt)</a:t>
             </a:r>
           </a:p>
         </p:txBody>
@@ -858,10 +896,7 @@
               <a:rPr lang="hu-HU" dirty="0" err="1"/>
               <a:t>evaluálásra</a:t>
             </a:r>
-            <a:r>
-              <a:rPr lang="hu-HU" dirty="0"/>
-              <a:t> (nem csak égből kapott)</a:t>
-            </a:r>
+            <a:endParaRPr lang="hu-HU" dirty="0"/>
           </a:p>
           <a:p>
             <a:r>
@@ -895,6 +930,44 @@
             </a:r>
             <a:r>
               <a:rPr lang="hu-HU" dirty="0" err="1"/>
+              <a:t>where</a:t>
+            </a:r>
+            <a:r>
+              <a:rPr lang="hu-HU" dirty="0"/>
+              <a:t> </a:t>
+            </a:r>
+            <a:r>
+              <a:rPr lang="hu-HU" dirty="0" err="1"/>
+              <a:t>you</a:t>
+            </a:r>
+            <a:r>
+              <a:rPr lang="hu-HU" dirty="0"/>
+              <a:t> </a:t>
+            </a:r>
+            <a:r>
+              <a:rPr lang="hu-HU" dirty="0" err="1"/>
+              <a:t>off</a:t>
+            </a:r>
+            <a:r>
+              <a:rPr lang="hu-HU" dirty="0"/>
+              <a:t> </a:t>
+            </a:r>
+            <a:r>
+              <a:rPr lang="hu-HU" dirty="0" err="1"/>
+              <a:t>to</a:t>
+            </a:r>
+            <a:r>
+              <a:rPr lang="hu-HU" dirty="0"/>
+              <a:t>?</a:t>
+            </a:r>
+          </a:p>
+          <a:p>
+            <a:r>
+              <a:rPr lang="hu-HU" dirty="0"/>
+              <a:t>	</a:t>
+            </a:r>
+            <a:r>
+              <a:rPr lang="hu-HU" dirty="0" err="1"/>
               <a:t>my</a:t>
             </a:r>
             <a:r>
@@ -938,38 +1011,6 @@
             <a:r>
               <a:rPr lang="hu-HU" dirty="0"/>
               <a:t>	</a:t>
-            </a:r>
-            <a:r>
-              <a:rPr lang="hu-HU" dirty="0" err="1"/>
-              <a:t>where</a:t>
-            </a:r>
-            <a:r>
-              <a:rPr lang="hu-HU" dirty="0"/>
-              <a:t> </a:t>
-            </a:r>
-            <a:r>
-              <a:rPr lang="hu-HU" dirty="0" err="1"/>
-              <a:t>you</a:t>
-            </a:r>
-            <a:r>
-              <a:rPr lang="hu-HU" dirty="0"/>
-              <a:t> </a:t>
-            </a:r>
-            <a:r>
-              <a:rPr lang="hu-HU" dirty="0" err="1"/>
-              <a:t>off</a:t>
-            </a:r>
-            <a:r>
-              <a:rPr lang="hu-HU" dirty="0"/>
-              <a:t> </a:t>
-            </a:r>
-            <a:r>
-              <a:rPr lang="hu-HU" dirty="0" err="1"/>
-              <a:t>to</a:t>
-            </a:r>
-            <a:r>
-              <a:rPr lang="hu-HU" dirty="0"/>
-              <a:t>?</a:t>
             </a:r>
           </a:p>
         </p:txBody>
@@ -1084,6 +1125,12 @@
               <a:t>Szín kérdésekre színekkel, mennyiségi kérdésekre számokkal válaszol (kiemelni konkrét példákat)</a:t>
             </a:r>
           </a:p>
+          <a:p>
+            <a:endParaRPr lang="hu-HU" dirty="0"/>
+          </a:p>
+          <a:p>
+            <a:endParaRPr lang="hu-HU" dirty="0"/>
+          </a:p>
         </p:txBody>
       </p:sp>
       <p:sp>
@@ -1167,16 +1214,34 @@
           <a:lstStyle/>
           <a:p>
             <a:r>
-              <a:rPr lang="hu-HU" dirty="0"/>
-              <a:t>Megmagyarázni, hogy </a:t>
-            </a:r>
-            <a:r>
               <a:rPr lang="hu-HU" dirty="0" err="1"/>
-              <a:t>ben</a:t>
-            </a:r>
-            <a:r>
-              <a:rPr lang="hu-HU" dirty="0"/>
-              <a:t> és </a:t>
+              <a:t>What’s</a:t>
+            </a:r>
+            <a:r>
+              <a:rPr lang="hu-HU" dirty="0"/>
+              <a:t> </a:t>
+            </a:r>
+            <a:r>
+              <a:rPr lang="hu-HU" dirty="0" err="1"/>
+              <a:t>your</a:t>
+            </a:r>
+            <a:r>
+              <a:rPr lang="hu-HU" dirty="0"/>
+              <a:t> </a:t>
+            </a:r>
+            <a:r>
+              <a:rPr lang="hu-HU" dirty="0" err="1"/>
+              <a:t>name</a:t>
+            </a:r>
+            <a:r>
+              <a:rPr lang="hu-HU" dirty="0"/>
+              <a:t>? </a:t>
+            </a:r>
+          </a:p>
+          <a:p>
+            <a:r>
+              <a:rPr lang="hu-HU" dirty="0"/>
+              <a:t>	</a:t>
             </a:r>
             <a:r>
               <a:rPr lang="hu-HU" dirty="0" err="1"/>
@@ -1184,74 +1249,22 @@
             </a:r>
             <a:r>
               <a:rPr lang="hu-HU" dirty="0"/>
-              <a:t> Robinson két szereplő azonos filmből, és hogy a </a:t>
-            </a:r>
-            <a:r>
-              <a:rPr lang="hu-HU" dirty="0" err="1"/>
-              <a:t>matching</a:t>
-            </a:r>
-            <a:r>
-              <a:rPr lang="hu-HU" dirty="0"/>
-              <a:t> párosítás a megfelelő névvel válaszol</a:t>
-            </a:r>
-          </a:p>
-          <a:p>
-            <a:r>
-              <a:rPr lang="hu-HU" dirty="0" err="1"/>
-              <a:t>Differentnél</a:t>
-            </a:r>
-            <a:r>
-              <a:rPr lang="hu-HU" dirty="0"/>
-              <a:t> olyan neveket adtam be akik nem azonos filmben szerepelnek, de még így </a:t>
-            </a:r>
-            <a:r>
-              <a:rPr lang="hu-HU" dirty="0" err="1"/>
-              <a:t>benjaminnal</a:t>
-            </a:r>
-            <a:r>
-              <a:rPr lang="hu-HU" dirty="0"/>
-              <a:t> válaszol a </a:t>
-            </a:r>
-            <a:r>
-              <a:rPr lang="hu-HU" dirty="0" err="1"/>
-              <a:t>see</a:t>
-            </a:r>
-            <a:r>
-              <a:rPr lang="hu-HU" dirty="0"/>
-              <a:t> </a:t>
-            </a:r>
-            <a:r>
-              <a:rPr lang="hu-HU" dirty="0" err="1"/>
-              <a:t>you</a:t>
-            </a:r>
-            <a:r>
-              <a:rPr lang="hu-HU" dirty="0"/>
-              <a:t> </a:t>
-            </a:r>
-            <a:r>
-              <a:rPr lang="hu-HU" dirty="0" err="1"/>
-              <a:t>laterre</a:t>
-            </a:r>
-            <a:r>
-              <a:rPr lang="hu-HU" dirty="0"/>
-              <a:t>, mert </a:t>
+              <a:t> Robinson</a:t>
+            </a:r>
+          </a:p>
+          <a:p>
+            <a:r>
+              <a:rPr lang="hu-HU" dirty="0"/>
+              <a:t>	</a:t>
             </a:r>
             <a:r>
               <a:rPr lang="hu-HU" dirty="0" err="1"/>
               <a:t>benjamin</a:t>
             </a:r>
-            <a:r>
-              <a:rPr lang="hu-HU" dirty="0"/>
-              <a:t> az egyik (+</a:t>
-            </a:r>
-            <a:r>
-              <a:rPr lang="hu-HU" dirty="0" err="1"/>
-              <a:t>mrs.</a:t>
-            </a:r>
-            <a:r>
-              <a:rPr lang="hu-HU" dirty="0"/>
-              <a:t> Robinson)</a:t>
-            </a:r>
+            <a:endParaRPr lang="hu-HU" dirty="0"/>
+          </a:p>
+          <a:p>
+            <a:endParaRPr lang="hu-HU" dirty="0"/>
           </a:p>
         </p:txBody>
       </p:sp>
@@ -1337,45 +1350,17 @@
           <a:p>
             <a:r>
               <a:rPr lang="hu-HU" dirty="0"/>
-              <a:t>A s2s </a:t>
-            </a:r>
+              <a:t>S2S nagyobb volt</a:t>
+            </a:r>
+          </a:p>
+          <a:p>
             <a:r>
               <a:rPr lang="hu-HU" dirty="0" err="1"/>
-              <a:t>baseline</a:t>
-            </a:r>
-            <a:r>
-              <a:rPr lang="hu-HU" dirty="0"/>
-              <a:t> sokkal nagyobb volt. Semmilyen </a:t>
-            </a:r>
-            <a:r>
-              <a:rPr lang="hu-HU" dirty="0" err="1"/>
-              <a:t>hiperparamétert</a:t>
-            </a:r>
-            <a:r>
-              <a:rPr lang="hu-HU" dirty="0"/>
-              <a:t> nem állítottam hanem egy az egyben átvettem nmt-</a:t>
-            </a:r>
-            <a:r>
-              <a:rPr lang="hu-HU" dirty="0" err="1"/>
-              <a:t>től</a:t>
-            </a:r>
-            <a:r>
-              <a:rPr lang="hu-HU" dirty="0"/>
-              <a:t> a </a:t>
-            </a:r>
-            <a:r>
-              <a:rPr lang="hu-HU" dirty="0" err="1"/>
-              <a:t>transformert</a:t>
-            </a:r>
-            <a:r>
-              <a:rPr lang="hu-HU" dirty="0"/>
-              <a:t>.</a:t>
-            </a:r>
-          </a:p>
-          <a:p>
-            <a:r>
-              <a:rPr lang="hu-HU" dirty="0"/>
-              <a:t> -&gt; ezeket a jövőben kipróbálni</a:t>
+              <a:t>Hiperparaméterekt</a:t>
+            </a:r>
+            <a:r>
+              <a:rPr lang="hu-HU" dirty="0"/>
+              <a:t> gépi fordításra tervezett modellről vettem át</a:t>
             </a:r>
           </a:p>
           <a:p>
@@ -1385,7 +1370,29 @@
             </a:r>
             <a:r>
               <a:rPr lang="hu-HU" dirty="0"/>
-              <a:t> overfitelt, ezért lettek jobb eredmények, ez azt mutatja, hogy maga a veszteség függvény se méri jól hogy mennyire jó a modell a validációs adaton, hisz preferálja az átlagos, unalmas válaszokat</a:t>
+              <a:t> overfitelt, ezért lettek jobb eredmények </a:t>
+            </a:r>
+          </a:p>
+          <a:p>
+            <a:r>
+              <a:rPr lang="hu-HU" dirty="0"/>
+              <a:t>	</a:t>
+            </a:r>
+            <a:r>
+              <a:rPr lang="hu-HU" dirty="0" err="1"/>
+              <a:t>loss</a:t>
+            </a:r>
+            <a:r>
+              <a:rPr lang="hu-HU" dirty="0"/>
+              <a:t> </a:t>
+            </a:r>
+            <a:r>
+              <a:rPr lang="hu-HU" dirty="0" err="1"/>
+              <a:t>function</a:t>
+            </a:r>
+            <a:r>
+              <a:rPr lang="hu-HU" dirty="0"/>
+              <a:t> rossz hisz preferálja az átlagos, unalmas válaszokat</a:t>
             </a:r>
           </a:p>
         </p:txBody>
@@ -1470,36 +1477,60 @@
           <a:bodyPr/>
           <a:lstStyle/>
           <a:p>
-            <a:r>
-              <a:rPr lang="hu-HU" dirty="0"/>
-              <a:t>Egy beszélgetés sok mindenen alapszik, ezeken mind kondicionálni kéne a tanítást, mert a veszteség függvény egy bemenetre egy adott kimenetet akar. Ha több dolgon kondicionálunk akkor a veszteség függvény alapján a modell is megtanul érdekesebb válaszokat adni.</a:t>
-            </a:r>
-          </a:p>
-          <a:p>
+            <a:pPr marL="0" marR="0" lvl="0" indent="0" algn="l" defTabSz="914400" rtl="0" eaLnBrk="1" fontAlgn="auto" latinLnBrk="0" hangingPunct="1">
+              <a:lnSpc>
+                <a:spcPct val="100000"/>
+              </a:lnSpc>
+              <a:spcBef>
+                <a:spcPts val="0"/>
+              </a:spcBef>
+              <a:spcAft>
+                <a:spcPts val="0"/>
+              </a:spcAft>
+              <a:buClrTx/>
+              <a:buSzTx/>
+              <a:buFontTx/>
+              <a:buNone/>
+              <a:tabLst/>
+              <a:defRPr/>
+            </a:pPr>
             <a:r>
               <a:rPr lang="hu-HU" dirty="0"/>
               <a:t>Egy egyszerű kérdésre nagyon sok féle válasz létezhet amik mind más-más tényezőktől függenek</a:t>
             </a:r>
           </a:p>
           <a:p>
+            <a:r>
+              <a:rPr lang="hu-HU" dirty="0"/>
+              <a:t>Több dolgon kondicionálni, hogy egy bemenetre egy kimenet legyen</a:t>
+            </a:r>
+          </a:p>
+          <a:p>
+            <a:r>
+              <a:rPr lang="hu-HU" dirty="0"/>
+              <a:t>	ezt várja a </a:t>
+            </a:r>
+            <a:r>
+              <a:rPr lang="hu-HU" dirty="0" err="1"/>
+              <a:t>loss</a:t>
+            </a:r>
+            <a:r>
+              <a:rPr lang="hu-HU" dirty="0"/>
+              <a:t> </a:t>
+            </a:r>
+            <a:r>
+              <a:rPr lang="hu-HU" dirty="0" err="1"/>
+              <a:t>function</a:t>
+            </a:r>
             <a:endParaRPr lang="hu-HU" dirty="0"/>
           </a:p>
           <a:p>
+            <a:endParaRPr lang="hu-HU" dirty="0"/>
+          </a:p>
+          <a:p>
             <a:r>
               <a:rPr lang="hu-HU" dirty="0"/>
               <a:t>János – haver</a:t>
-            </a:r>
-          </a:p>
-          <a:p>
-            <a:r>
-              <a:rPr lang="hu-HU" dirty="0"/>
-              <a:t>Ricsi – de ne zavarjon</a:t>
-            </a:r>
-          </a:p>
-          <a:p>
-            <a:r>
-              <a:rPr lang="hu-HU" dirty="0"/>
-              <a:t>Beszélgetés előzmény – gyors témaváltás</a:t>
             </a:r>
           </a:p>
           <a:p>
@@ -1666,7 +1697,7 @@
           <a:p>
             <a:r>
               <a:rPr lang="hu-HU" dirty="0"/>
-              <a:t>	növelném a rétegek számát, a figyelem fejek számát, és a belső állapotvektor nagyságát</a:t>
+              <a:t>	növelném a rétegek számát, a figyelem fejek számát, és a belső vektor reprezentáció nagyságát</a:t>
             </a:r>
           </a:p>
           <a:p>
@@ -1752,7 +1783,7 @@
           <a:p>
             <a:r>
               <a:rPr lang="hu-HU" dirty="0"/>
-              <a:t>	</a:t>
+              <a:t>	olyan </a:t>
             </a:r>
             <a:r>
               <a:rPr lang="hu-HU" dirty="0" err="1"/>
@@ -1764,11 +1795,11 @@
             </a:r>
             <a:r>
               <a:rPr lang="hu-HU" dirty="0" err="1"/>
-              <a:t>analysis-al</a:t>
-            </a:r>
-            <a:r>
-              <a:rPr lang="hu-HU" dirty="0"/>
-              <a:t> minden mondatra megadni egy hangulat kategóriát az adatbázisban, például egyszerű </a:t>
+              <a:t>analysis</a:t>
+            </a:r>
+            <a:r>
+              <a:rPr lang="hu-HU" dirty="0"/>
+              <a:t> mely minden mondatra megad egy hangulat kategóriát az adatbázisban, például egyszerű </a:t>
             </a:r>
             <a:r>
               <a:rPr lang="hu-HU" dirty="0" err="1"/>
@@ -1804,29 +1835,15 @@
           <a:p>
             <a:r>
               <a:rPr lang="hu-HU" dirty="0"/>
-              <a:t>	bár ennek alapvetően nem az a célja, hasonlóan járnék el, mint más dialógus rendszerekben, amelyekről írtam is a </a:t>
+              <a:t>	</a:t>
             </a:r>
             <a:r>
               <a:rPr lang="hu-HU" dirty="0" err="1"/>
-              <a:t>tdk-ban</a:t>
-            </a:r>
-            <a:r>
-              <a:rPr lang="hu-HU" dirty="0"/>
-              <a:t> ahol </a:t>
-            </a:r>
-            <a:r>
-              <a:rPr lang="hu-HU" dirty="0" err="1"/>
-              <a:t>open-domain</a:t>
-            </a:r>
-            <a:r>
-              <a:rPr lang="hu-HU" dirty="0"/>
-              <a:t> és cél-orientált komponenseket integrálnak</a:t>
-            </a:r>
-          </a:p>
-          <a:p>
-            <a:r>
-              <a:rPr lang="hu-HU" dirty="0"/>
-              <a:t>	például van egy cél orientált modell, és az én modellem, mindkettő generál választ, és egy betanított (pl. RL) </a:t>
+              <a:t>domain</a:t>
+            </a:r>
+            <a:r>
+              <a:rPr lang="hu-HU" dirty="0"/>
+              <a:t>-specifikus cél-orientált feladatokra még mindig a szabály-alapúak jobbak, de ezeket is fel lehet váltani neurális módszerekkel, például van egy cél orientált modell, és az én modellem, mindkettő generál választ, és egy betanított (pl. RL) </a:t>
             </a:r>
             <a:r>
               <a:rPr lang="hu-HU" dirty="0" err="1"/>
@@ -2028,7 +2045,10 @@
           <a:bodyPr/>
           <a:lstStyle/>
           <a:p>
-            <a:endParaRPr lang="hu-HU" dirty="0"/>
+            <a:r>
+              <a:rPr lang="hu-HU" dirty="0"/>
+              <a:t>Csak köszönd meg a figyelmet, ne olvass fel semmit!</a:t>
+            </a:r>
           </a:p>
         </p:txBody>
       </p:sp>
@@ -2198,13 +2218,13 @@
           <a:p>
             <a:r>
               <a:rPr lang="hu-HU" dirty="0"/>
-              <a:t>Chatbotok egy nyelvfeldolgozás terület</a:t>
-            </a:r>
-          </a:p>
-          <a:p>
-            <a:r>
-              <a:rPr lang="hu-HU" dirty="0"/>
-              <a:t>Cél-orientált dolgokra nem neurális alapú, szabály alapú chatbotok is egész jók</a:t>
+              <a:t>Nyelvfeldolgozás terület</a:t>
+            </a:r>
+          </a:p>
+          <a:p>
+            <a:r>
+              <a:rPr lang="hu-HU" dirty="0"/>
+              <a:t>Cél-orientált dolgokra szabály alapúak jobbak</a:t>
             </a:r>
           </a:p>
           <a:p>
@@ -2771,15 +2791,15 @@
           <a:p>
             <a:r>
               <a:rPr lang="hu-HU" dirty="0"/>
-              <a:t>Csak megemlíteni, hogy a </a:t>
+              <a:t>TDK irodalmi kutatásában </a:t>
             </a:r>
             <a:r>
               <a:rPr lang="hu-HU" dirty="0" err="1"/>
-              <a:t>tdk</a:t>
-            </a:r>
-            <a:r>
-              <a:rPr lang="hu-HU" dirty="0"/>
-              <a:t> irodalmi kutatásában ezek részletesen taglalva lettek, itt nincs idő kitérni egyikre se</a:t>
+              <a:t>részletesn</a:t>
+            </a:r>
+            <a:r>
+              <a:rPr lang="hu-HU" dirty="0"/>
+              <a:t> taglalom mindet</a:t>
             </a:r>
           </a:p>
           <a:p>
@@ -2809,7 +2829,7 @@
             </a:r>
             <a:r>
               <a:rPr lang="hu-HU" dirty="0"/>
-              <a:t> az előző RNN mondat reprezentációit (direkt chatbotokra fejlesztve)</a:t>
+              <a:t> az előző RNN mondat reprezentációit (direkt chatbotokra fejlesztve), hogy beszélgetés előzményt mely több mondatból áll lehessen kezelni</a:t>
             </a:r>
           </a:p>
           <a:p>
@@ -2922,45 +2942,59 @@
           <a:p>
             <a:r>
               <a:rPr lang="hu-HU" dirty="0"/>
-              <a:t>Erre nincs idő hogy itt elmagyarázzam, júniusi architektúra, NMT-ben lenyűgöző eredményeket ér el, sokkal kevesebb paraméterrel mint egy RNN alapú seq2seq</a:t>
-            </a:r>
-          </a:p>
-          <a:p>
-            <a:r>
-              <a:rPr lang="hu-HU" dirty="0"/>
-              <a:t>Alapvetően </a:t>
-            </a:r>
+              <a:t>Júniusi architektúra, NMT-re</a:t>
+            </a:r>
+          </a:p>
+          <a:p>
             <a:r>
               <a:rPr lang="hu-HU" dirty="0" err="1"/>
-              <a:t>enkóder</a:t>
-            </a:r>
-            <a:r>
-              <a:rPr lang="hu-HU" dirty="0"/>
-              <a:t>-dekóder, de nem </a:t>
+              <a:t>State</a:t>
+            </a:r>
+            <a:r>
+              <a:rPr lang="hu-HU" dirty="0"/>
+              <a:t>-of-</a:t>
             </a:r>
             <a:r>
               <a:rPr lang="hu-HU" dirty="0" err="1"/>
-              <a:t>rekurrens</a:t>
-            </a:r>
-            <a:r>
-              <a:rPr lang="hu-HU" dirty="0"/>
-              <a:t> neurális </a:t>
-            </a:r>
+              <a:t>the</a:t>
+            </a:r>
+            <a:r>
+              <a:rPr lang="hu-HU" dirty="0"/>
+              <a:t>-art kevesebb paraméterrel mint egy RNN alapú seq2seq</a:t>
+            </a:r>
+          </a:p>
+          <a:p>
             <a:r>
               <a:rPr lang="hu-HU" dirty="0" err="1"/>
-              <a:t>hálózatokat</a:t>
-            </a:r>
-            <a:r>
-              <a:rPr lang="hu-HU" dirty="0"/>
-              <a:t> használ hanem simákat, meg egyéb </a:t>
+              <a:t>Enc</a:t>
+            </a:r>
+            <a:r>
+              <a:rPr lang="hu-HU" dirty="0"/>
+              <a:t>-dec, </a:t>
             </a:r>
             <a:r>
               <a:rPr lang="hu-HU" dirty="0" err="1"/>
-              <a:t>komponeneseket</a:t>
-            </a:r>
-            <a:r>
-              <a:rPr lang="hu-HU" dirty="0"/>
-              <a:t> mint a figyelem, ami csak különböző mátrix szorzásokból áll</a:t>
+              <a:t>feed-forward</a:t>
+            </a:r>
+            <a:r>
+              <a:rPr lang="hu-HU" dirty="0"/>
+              <a:t> </a:t>
+            </a:r>
+            <a:r>
+              <a:rPr lang="hu-HU" dirty="0" err="1"/>
+              <a:t>nn-ekből</a:t>
+            </a:r>
+            <a:r>
+              <a:rPr lang="hu-HU" dirty="0"/>
+              <a:t> és </a:t>
+            </a:r>
+            <a:r>
+              <a:rPr lang="hu-HU" dirty="0" err="1"/>
+              <a:t>attention</a:t>
+            </a:r>
+            <a:r>
+              <a:rPr lang="hu-HU" dirty="0"/>
+              <a:t> mechanizmusokból áll (mátrix szorzások)</a:t>
             </a:r>
           </a:p>
           <a:p>
@@ -2969,11 +3003,29 @@
           <a:p>
             <a:r>
               <a:rPr lang="hu-HU" dirty="0"/>
-              <a:t>Két tanító adatról pár szó, </a:t>
+              <a:t>Tanító adatok film dialógusokból, </a:t>
             </a:r>
             <a:r>
               <a:rPr lang="hu-HU" dirty="0" err="1"/>
-              <a:t>transformernek</a:t>
+              <a:t>cornell</a:t>
+            </a:r>
+            <a:r>
+              <a:rPr lang="hu-HU" dirty="0"/>
+              <a:t> kisebb, 200k, </a:t>
+            </a:r>
+            <a:r>
+              <a:rPr lang="hu-HU" dirty="0" err="1"/>
+              <a:t>opensusb</a:t>
+            </a:r>
+            <a:r>
+              <a:rPr lang="hu-HU" dirty="0"/>
+              <a:t> nagyobb, 62M</a:t>
+            </a:r>
+          </a:p>
+          <a:p>
+            <a:r>
+              <a:rPr lang="hu-HU" dirty="0" err="1"/>
+              <a:t>Transformernek</a:t>
             </a:r>
             <a:r>
               <a:rPr lang="hu-HU" dirty="0"/>
@@ -3220,7 +3272,7 @@
           <a:p>
             <a:fld id="{4AAD347D-5ACD-4C99-B74B-A9C85AD731AF}" type="datetimeFigureOut">
               <a:rPr lang="en-US" smtClean="0"/>
-              <a:t>11/11/2017</a:t>
+              <a:t>11/14/2017</a:t>
             </a:fld>
             <a:endParaRPr lang="en-US" dirty="0"/>
           </a:p>
@@ -3495,7 +3547,7 @@
           <a:p>
             <a:fld id="{4509A250-FF31-4206-8172-F9D3106AACB1}" type="datetimeFigureOut">
               <a:rPr lang="en-US" smtClean="0"/>
-              <a:t>11/11/2017</a:t>
+              <a:t>11/14/2017</a:t>
             </a:fld>
             <a:endParaRPr lang="en-US" dirty="0"/>
           </a:p>
@@ -3689,7 +3741,7 @@
           <a:p>
             <a:fld id="{4509A250-FF31-4206-8172-F9D3106AACB1}" type="datetimeFigureOut">
               <a:rPr lang="en-US" smtClean="0"/>
-              <a:t>11/11/2017</a:t>
+              <a:t>11/14/2017</a:t>
             </a:fld>
             <a:endParaRPr lang="en-US" dirty="0"/>
           </a:p>
@@ -3962,7 +4014,7 @@
           <a:p>
             <a:fld id="{4509A250-FF31-4206-8172-F9D3106AACB1}" type="datetimeFigureOut">
               <a:rPr lang="en-US" smtClean="0"/>
-              <a:t>11/11/2017</a:t>
+              <a:t>11/14/2017</a:t>
             </a:fld>
             <a:endParaRPr lang="en-US" dirty="0"/>
           </a:p>
@@ -4303,7 +4355,7 @@
           <a:p>
             <a:fld id="{4509A250-FF31-4206-8172-F9D3106AACB1}" type="datetimeFigureOut">
               <a:rPr lang="en-US" smtClean="0"/>
-              <a:t>11/11/2017</a:t>
+              <a:t>11/14/2017</a:t>
             </a:fld>
             <a:endParaRPr lang="en-US" dirty="0"/>
           </a:p>
@@ -4926,7 +4978,7 @@
           <a:p>
             <a:fld id="{4509A250-FF31-4206-8172-F9D3106AACB1}" type="datetimeFigureOut">
               <a:rPr lang="en-US" smtClean="0"/>
-              <a:t>11/11/2017</a:t>
+              <a:t>11/14/2017</a:t>
             </a:fld>
             <a:endParaRPr lang="en-US" dirty="0"/>
           </a:p>
@@ -5786,7 +5838,7 @@
           <a:p>
             <a:fld id="{4509A250-FF31-4206-8172-F9D3106AACB1}" type="datetimeFigureOut">
               <a:rPr lang="en-US" smtClean="0"/>
-              <a:t>11/11/2017</a:t>
+              <a:t>11/14/2017</a:t>
             </a:fld>
             <a:endParaRPr lang="en-US" dirty="0"/>
           </a:p>
@@ -5956,7 +6008,7 @@
           <a:p>
             <a:fld id="{4509A250-FF31-4206-8172-F9D3106AACB1}" type="datetimeFigureOut">
               <a:rPr lang="en-US" smtClean="0"/>
-              <a:t>11/11/2017</a:t>
+              <a:t>11/14/2017</a:t>
             </a:fld>
             <a:endParaRPr lang="en-US" dirty="0"/>
           </a:p>
@@ -6136,7 +6188,7 @@
           <a:p>
             <a:fld id="{4509A250-FF31-4206-8172-F9D3106AACB1}" type="datetimeFigureOut">
               <a:rPr lang="en-US" smtClean="0"/>
-              <a:t>11/11/2017</a:t>
+              <a:t>11/14/2017</a:t>
             </a:fld>
             <a:endParaRPr lang="en-US" dirty="0"/>
           </a:p>
@@ -6306,7 +6358,7 @@
           <a:p>
             <a:fld id="{4509A250-FF31-4206-8172-F9D3106AACB1}" type="datetimeFigureOut">
               <a:rPr lang="en-US" smtClean="0"/>
-              <a:t>11/11/2017</a:t>
+              <a:t>11/14/2017</a:t>
             </a:fld>
             <a:endParaRPr lang="en-US" dirty="0"/>
           </a:p>
@@ -6553,7 +6605,7 @@
           <a:p>
             <a:fld id="{9796027F-7875-4030-9381-8BD8C4F21935}" type="datetimeFigureOut">
               <a:rPr lang="en-US" smtClean="0"/>
-              <a:t>11/11/2017</a:t>
+              <a:t>11/14/2017</a:t>
             </a:fld>
             <a:endParaRPr lang="en-US" dirty="0"/>
           </a:p>
@@ -6845,7 +6897,7 @@
           <a:p>
             <a:fld id="{9796027F-7875-4030-9381-8BD8C4F21935}" type="datetimeFigureOut">
               <a:rPr lang="en-US" smtClean="0"/>
-              <a:t>11/11/2017</a:t>
+              <a:t>11/14/2017</a:t>
             </a:fld>
             <a:endParaRPr lang="en-US" dirty="0"/>
           </a:p>
@@ -7289,7 +7341,7 @@
           <a:p>
             <a:fld id="{9796027F-7875-4030-9381-8BD8C4F21935}" type="datetimeFigureOut">
               <a:rPr lang="en-US" smtClean="0"/>
-              <a:t>11/11/2017</a:t>
+              <a:t>11/14/2017</a:t>
             </a:fld>
             <a:endParaRPr lang="en-US" dirty="0"/>
           </a:p>
@@ -7407,7 +7459,7 @@
           <a:p>
             <a:fld id="{4509A250-FF31-4206-8172-F9D3106AACB1}" type="datetimeFigureOut">
               <a:rPr lang="en-US" smtClean="0"/>
-              <a:t>11/11/2017</a:t>
+              <a:t>11/14/2017</a:t>
             </a:fld>
             <a:endParaRPr lang="en-US" dirty="0"/>
           </a:p>
@@ -7502,7 +7554,7 @@
           <a:p>
             <a:fld id="{4509A250-FF31-4206-8172-F9D3106AACB1}" type="datetimeFigureOut">
               <a:rPr lang="en-US" smtClean="0"/>
-              <a:t>11/11/2017</a:t>
+              <a:t>11/14/2017</a:t>
             </a:fld>
             <a:endParaRPr lang="en-US" dirty="0"/>
           </a:p>
@@ -7781,7 +7833,7 @@
           <a:p>
             <a:fld id="{4509A250-FF31-4206-8172-F9D3106AACB1}" type="datetimeFigureOut">
               <a:rPr lang="en-US" smtClean="0"/>
-              <a:t>11/11/2017</a:t>
+              <a:t>11/14/2017</a:t>
             </a:fld>
             <a:endParaRPr lang="en-US" dirty="0"/>
           </a:p>
@@ -8056,7 +8108,7 @@
           <a:p>
             <a:fld id="{4509A250-FF31-4206-8172-F9D3106AACB1}" type="datetimeFigureOut">
               <a:rPr lang="en-US" smtClean="0"/>
-              <a:t>11/11/2017</a:t>
+              <a:t>11/14/2017</a:t>
             </a:fld>
             <a:endParaRPr lang="en-US" dirty="0"/>
           </a:p>
@@ -8621,7 +8673,7 @@
           <a:p>
             <a:fld id="{4AAD347D-5ACD-4C99-B74B-A9C85AD731AF}" type="datetimeFigureOut">
               <a:rPr lang="en-US" smtClean="0"/>
-              <a:t>11/11/2017</a:t>
+              <a:t>11/14/2017</a:t>
             </a:fld>
             <a:endParaRPr lang="en-US" dirty="0"/>
           </a:p>
@@ -10259,16 +10311,15 @@
             <p:ph idx="1"/>
           </p:nvPr>
         </p:nvPicPr>
-        <p:blipFill>
+        <p:blipFill rotWithShape="1">
           <a:blip r:embed="rId3"/>
-          <a:stretch>
-            <a:fillRect/>
-          </a:stretch>
+          <a:srcRect b="57229"/>
+          <a:stretch/>
         </p:blipFill>
         <p:spPr>
           <a:xfrm>
-            <a:off x="592138" y="2026232"/>
-            <a:ext cx="8094662" cy="4832801"/>
+            <a:off x="524669" y="2816158"/>
+            <a:ext cx="8094662" cy="2067025"/>
           </a:xfrm>
         </p:spPr>
       </p:pic>
@@ -11326,6 +11377,25 @@
             <a:r>
               <a:rPr lang="hu-HU" dirty="0"/>
               <a:t>Párbeszéd kondicionálása több információn</a:t>
+            </a:r>
+          </a:p>
+          <a:p>
+            <a:pPr lvl="1"/>
+            <a:r>
+              <a:rPr lang="hu-HU" dirty="0" err="1"/>
+              <a:t>Loss</a:t>
+            </a:r>
+            <a:r>
+              <a:rPr lang="hu-HU" dirty="0"/>
+              <a:t> </a:t>
+            </a:r>
+            <a:r>
+              <a:rPr lang="hu-HU" dirty="0" err="1"/>
+              <a:t>function</a:t>
+            </a:r>
+            <a:r>
+              <a:rPr lang="hu-HU" dirty="0"/>
+              <a:t> probléma</a:t>
             </a:r>
           </a:p>
         </p:txBody>
